--- a/Pareto Comparisons.pptx
+++ b/Pareto Comparisons.pptx
@@ -9,10 +9,9 @@
     <p:sldId id="257" r:id="rId6"/>
     <p:sldId id="262" r:id="rId7"/>
     <p:sldId id="258" r:id="rId8"/>
-    <p:sldId id="259" r:id="rId9"/>
-    <p:sldId id="260" r:id="rId10"/>
-    <p:sldId id="261" r:id="rId11"/>
-    <p:sldId id="263" r:id="rId12"/>
+    <p:sldId id="260" r:id="rId9"/>
+    <p:sldId id="261" r:id="rId10"/>
+    <p:sldId id="263" r:id="rId11"/>
   </p:sldIdLst>
   <p:sldSz cx="12192000" cy="6858000"/>
   <p:notesSz cx="6858000" cy="9144000"/>
@@ -274,7 +273,7 @@
           <a:p>
             <a:fld id="{3D46F6B1-BF38-4A30-BA5B-451C99A2B7F6}" type="datetimeFigureOut">
               <a:rPr lang="en-US" smtClean="0"/>
-              <a:t>4/22/2023</a:t>
+              <a:t>4/23/2023</a:t>
             </a:fld>
             <a:endParaRPr lang="en-US"/>
           </a:p>
@@ -472,7 +471,7 @@
           <a:p>
             <a:fld id="{3D46F6B1-BF38-4A30-BA5B-451C99A2B7F6}" type="datetimeFigureOut">
               <a:rPr lang="en-US" smtClean="0"/>
-              <a:t>4/22/2023</a:t>
+              <a:t>4/23/2023</a:t>
             </a:fld>
             <a:endParaRPr lang="en-US"/>
           </a:p>
@@ -680,7 +679,7 @@
           <a:p>
             <a:fld id="{3D46F6B1-BF38-4A30-BA5B-451C99A2B7F6}" type="datetimeFigureOut">
               <a:rPr lang="en-US" smtClean="0"/>
-              <a:t>4/22/2023</a:t>
+              <a:t>4/23/2023</a:t>
             </a:fld>
             <a:endParaRPr lang="en-US"/>
           </a:p>
@@ -878,7 +877,7 @@
           <a:p>
             <a:fld id="{3D46F6B1-BF38-4A30-BA5B-451C99A2B7F6}" type="datetimeFigureOut">
               <a:rPr lang="en-US" smtClean="0"/>
-              <a:t>4/22/2023</a:t>
+              <a:t>4/23/2023</a:t>
             </a:fld>
             <a:endParaRPr lang="en-US"/>
           </a:p>
@@ -1153,7 +1152,7 @@
           <a:p>
             <a:fld id="{3D46F6B1-BF38-4A30-BA5B-451C99A2B7F6}" type="datetimeFigureOut">
               <a:rPr lang="en-US" smtClean="0"/>
-              <a:t>4/22/2023</a:t>
+              <a:t>4/23/2023</a:t>
             </a:fld>
             <a:endParaRPr lang="en-US"/>
           </a:p>
@@ -1418,7 +1417,7 @@
           <a:p>
             <a:fld id="{3D46F6B1-BF38-4A30-BA5B-451C99A2B7F6}" type="datetimeFigureOut">
               <a:rPr lang="en-US" smtClean="0"/>
-              <a:t>4/22/2023</a:t>
+              <a:t>4/23/2023</a:t>
             </a:fld>
             <a:endParaRPr lang="en-US"/>
           </a:p>
@@ -1830,7 +1829,7 @@
           <a:p>
             <a:fld id="{3D46F6B1-BF38-4A30-BA5B-451C99A2B7F6}" type="datetimeFigureOut">
               <a:rPr lang="en-US" smtClean="0"/>
-              <a:t>4/22/2023</a:t>
+              <a:t>4/23/2023</a:t>
             </a:fld>
             <a:endParaRPr lang="en-US"/>
           </a:p>
@@ -1971,7 +1970,7 @@
           <a:p>
             <a:fld id="{3D46F6B1-BF38-4A30-BA5B-451C99A2B7F6}" type="datetimeFigureOut">
               <a:rPr lang="en-US" smtClean="0"/>
-              <a:t>4/22/2023</a:t>
+              <a:t>4/23/2023</a:t>
             </a:fld>
             <a:endParaRPr lang="en-US"/>
           </a:p>
@@ -2084,7 +2083,7 @@
           <a:p>
             <a:fld id="{3D46F6B1-BF38-4A30-BA5B-451C99A2B7F6}" type="datetimeFigureOut">
               <a:rPr lang="en-US" smtClean="0"/>
-              <a:t>4/22/2023</a:t>
+              <a:t>4/23/2023</a:t>
             </a:fld>
             <a:endParaRPr lang="en-US"/>
           </a:p>
@@ -2395,7 +2394,7 @@
           <a:p>
             <a:fld id="{3D46F6B1-BF38-4A30-BA5B-451C99A2B7F6}" type="datetimeFigureOut">
               <a:rPr lang="en-US" smtClean="0"/>
-              <a:t>4/22/2023</a:t>
+              <a:t>4/23/2023</a:t>
             </a:fld>
             <a:endParaRPr lang="en-US"/>
           </a:p>
@@ -2683,7 +2682,7 @@
           <a:p>
             <a:fld id="{3D46F6B1-BF38-4A30-BA5B-451C99A2B7F6}" type="datetimeFigureOut">
               <a:rPr lang="en-US" smtClean="0"/>
-              <a:t>4/22/2023</a:t>
+              <a:t>4/23/2023</a:t>
             </a:fld>
             <a:endParaRPr lang="en-US"/>
           </a:p>
@@ -2924,7 +2923,7 @@
           <a:p>
             <a:fld id="{3D46F6B1-BF38-4A30-BA5B-451C99A2B7F6}" type="datetimeFigureOut">
               <a:rPr lang="en-US" smtClean="0"/>
-              <a:t>4/22/2023</a:t>
+              <a:t>4/23/2023</a:t>
             </a:fld>
             <a:endParaRPr lang="en-US"/>
           </a:p>
@@ -3390,7 +3389,7 @@
           <a:bodyPr/>
           <a:lstStyle/>
           <a:p>
-            <a:endParaRPr lang="en-US"/>
+            <a:endParaRPr lang="en-US" dirty="0"/>
           </a:p>
         </p:txBody>
       </p:sp>
@@ -3470,7 +3469,7 @@
         </p:blipFill>
         <p:spPr bwMode="auto">
           <a:xfrm>
-            <a:off x="4948238" y="4532506"/>
+            <a:off x="785311" y="4664074"/>
             <a:ext cx="2143125" cy="2143125"/>
           </a:xfrm>
           <a:prstGeom prst="rect">
@@ -3519,6 +3518,53 @@
           <a:xfrm>
             <a:off x="157162" y="305299"/>
             <a:ext cx="3176587" cy="2228352"/>
+          </a:xfrm>
+          <a:prstGeom prst="rect">
+            <a:avLst/>
+          </a:prstGeom>
+          <a:noFill/>
+          <a:extLst>
+            <a:ext uri="{909E8E84-426E-40DD-AFC4-6F175D3DCCD1}">
+              <a14:hiddenFill xmlns:a14="http://schemas.microsoft.com/office/drawing/2010/main">
+                <a:solidFill>
+                  <a:srgbClr val="FFFFFF"/>
+                </a:solidFill>
+              </a14:hiddenFill>
+            </a:ext>
+          </a:extLst>
+        </p:spPr>
+      </p:pic>
+      <p:pic>
+        <p:nvPicPr>
+          <p:cNvPr id="4" name="Picture 2" descr="Cool America Ball Meme Generator - Imgflip">
+            <a:extLst>
+              <a:ext uri="{FF2B5EF4-FFF2-40B4-BE49-F238E27FC236}">
+                <a16:creationId xmlns:a16="http://schemas.microsoft.com/office/drawing/2014/main" id="{155C41B7-68E1-6708-4BF0-1C66EF74F1A3}"/>
+              </a:ext>
+            </a:extLst>
+          </p:cNvPr>
+          <p:cNvPicPr>
+            <a:picLocks noChangeAspect="1" noChangeArrowheads="1"/>
+          </p:cNvPicPr>
+          <p:nvPr/>
+        </p:nvPicPr>
+        <p:blipFill>
+          <a:blip r:embed="rId5">
+            <a:extLst>
+              <a:ext uri="{28A0092B-C50C-407E-A947-70E740481C1C}">
+                <a14:useLocalDpi xmlns:a14="http://schemas.microsoft.com/office/drawing/2010/main" val="0"/>
+              </a:ext>
+            </a:extLst>
+          </a:blip>
+          <a:srcRect/>
+          <a:stretch>
+            <a:fillRect/>
+          </a:stretch>
+        </p:blipFill>
+        <p:spPr bwMode="auto">
+          <a:xfrm>
+            <a:off x="8077199" y="4175705"/>
+            <a:ext cx="3895723" cy="2431153"/>
           </a:xfrm>
           <a:prstGeom prst="rect">
             <a:avLst/>
@@ -3595,29 +3641,517 @@
       </p:sp>
       <p:sp>
         <p:nvSpPr>
-          <p:cNvPr id="3" name="Content Placeholder 2">
-            <a:extLst>
-              <a:ext uri="{FF2B5EF4-FFF2-40B4-BE49-F238E27FC236}">
-                <a16:creationId xmlns:a16="http://schemas.microsoft.com/office/drawing/2014/main" id="{40AF08BF-B1C0-47B0-609C-94B2FAA25569}"/>
-              </a:ext>
-            </a:extLst>
-          </p:cNvPr>
-          <p:cNvSpPr>
-            <a:spLocks noGrp="1"/>
-          </p:cNvSpPr>
-          <p:nvPr>
-            <p:ph idx="1"/>
-          </p:nvPr>
-        </p:nvSpPr>
-        <p:spPr/>
-        <p:txBody>
-          <a:bodyPr/>
-          <a:lstStyle/>
-          <a:p>
-            <a:endParaRPr lang="en-US"/>
-          </a:p>
-        </p:txBody>
-      </p:sp>
+          <p:cNvPr id="4" name="Content Placeholder 2">
+            <a:extLst>
+              <a:ext uri="{FF2B5EF4-FFF2-40B4-BE49-F238E27FC236}">
+                <a16:creationId xmlns:a16="http://schemas.microsoft.com/office/drawing/2014/main" id="{1DC6B7C2-BA6B-E720-95B5-EE7AE1951921}"/>
+              </a:ext>
+            </a:extLst>
+          </p:cNvPr>
+          <p:cNvSpPr txBox="1">
+            <a:spLocks/>
+          </p:cNvSpPr>
+          <p:nvPr/>
+        </p:nvSpPr>
+        <p:spPr>
+          <a:xfrm>
+            <a:off x="2466975" y="1920988"/>
+            <a:ext cx="1552575" cy="557212"/>
+          </a:xfrm>
+          <a:prstGeom prst="rect">
+            <a:avLst/>
+          </a:prstGeom>
+        </p:spPr>
+        <p:txBody>
+          <a:bodyPr vert="horz" lIns="91440" tIns="45720" rIns="91440" bIns="45720" rtlCol="0">
+            <a:normAutofit/>
+          </a:bodyPr>
+          <a:lstStyle>
+            <a:lvl1pPr marL="228600" indent="-228600" algn="l" defTabSz="914400" rtl="0" eaLnBrk="1" latinLnBrk="0" hangingPunct="1">
+              <a:lnSpc>
+                <a:spcPct val="90000"/>
+              </a:lnSpc>
+              <a:spcBef>
+                <a:spcPts val="1000"/>
+              </a:spcBef>
+              <a:buFont typeface="Arial" panose="020B0604020202020204" pitchFamily="34" charset="0"/>
+              <a:buChar char="•"/>
+              <a:defRPr sz="2800" kern="1200">
+                <a:solidFill>
+                  <a:schemeClr val="tx1"/>
+                </a:solidFill>
+                <a:latin typeface="+mn-lt"/>
+                <a:ea typeface="+mn-ea"/>
+                <a:cs typeface="+mn-cs"/>
+              </a:defRPr>
+            </a:lvl1pPr>
+            <a:lvl2pPr marL="685800" indent="-228600" algn="l" defTabSz="914400" rtl="0" eaLnBrk="1" latinLnBrk="0" hangingPunct="1">
+              <a:lnSpc>
+                <a:spcPct val="90000"/>
+              </a:lnSpc>
+              <a:spcBef>
+                <a:spcPts val="500"/>
+              </a:spcBef>
+              <a:buFont typeface="Arial" panose="020B0604020202020204" pitchFamily="34" charset="0"/>
+              <a:buChar char="•"/>
+              <a:defRPr sz="2400" kern="1200">
+                <a:solidFill>
+                  <a:schemeClr val="tx1"/>
+                </a:solidFill>
+                <a:latin typeface="+mn-lt"/>
+                <a:ea typeface="+mn-ea"/>
+                <a:cs typeface="+mn-cs"/>
+              </a:defRPr>
+            </a:lvl2pPr>
+            <a:lvl3pPr marL="1143000" indent="-228600" algn="l" defTabSz="914400" rtl="0" eaLnBrk="1" latinLnBrk="0" hangingPunct="1">
+              <a:lnSpc>
+                <a:spcPct val="90000"/>
+              </a:lnSpc>
+              <a:spcBef>
+                <a:spcPts val="500"/>
+              </a:spcBef>
+              <a:buFont typeface="Arial" panose="020B0604020202020204" pitchFamily="34" charset="0"/>
+              <a:buChar char="•"/>
+              <a:defRPr sz="2000" kern="1200">
+                <a:solidFill>
+                  <a:schemeClr val="tx1"/>
+                </a:solidFill>
+                <a:latin typeface="+mn-lt"/>
+                <a:ea typeface="+mn-ea"/>
+                <a:cs typeface="+mn-cs"/>
+              </a:defRPr>
+            </a:lvl3pPr>
+            <a:lvl4pPr marL="1600200" indent="-228600" algn="l" defTabSz="914400" rtl="0" eaLnBrk="1" latinLnBrk="0" hangingPunct="1">
+              <a:lnSpc>
+                <a:spcPct val="90000"/>
+              </a:lnSpc>
+              <a:spcBef>
+                <a:spcPts val="500"/>
+              </a:spcBef>
+              <a:buFont typeface="Arial" panose="020B0604020202020204" pitchFamily="34" charset="0"/>
+              <a:buChar char="•"/>
+              <a:defRPr sz="1800" kern="1200">
+                <a:solidFill>
+                  <a:schemeClr val="tx1"/>
+                </a:solidFill>
+                <a:latin typeface="+mn-lt"/>
+                <a:ea typeface="+mn-ea"/>
+                <a:cs typeface="+mn-cs"/>
+              </a:defRPr>
+            </a:lvl4pPr>
+            <a:lvl5pPr marL="2057400" indent="-228600" algn="l" defTabSz="914400" rtl="0" eaLnBrk="1" latinLnBrk="0" hangingPunct="1">
+              <a:lnSpc>
+                <a:spcPct val="90000"/>
+              </a:lnSpc>
+              <a:spcBef>
+                <a:spcPts val="500"/>
+              </a:spcBef>
+              <a:buFont typeface="Arial" panose="020B0604020202020204" pitchFamily="34" charset="0"/>
+              <a:buChar char="•"/>
+              <a:defRPr sz="1800" kern="1200">
+                <a:solidFill>
+                  <a:schemeClr val="tx1"/>
+                </a:solidFill>
+                <a:latin typeface="+mn-lt"/>
+                <a:ea typeface="+mn-ea"/>
+                <a:cs typeface="+mn-cs"/>
+              </a:defRPr>
+            </a:lvl5pPr>
+            <a:lvl6pPr marL="2514600" indent="-228600" algn="l" defTabSz="914400" rtl="0" eaLnBrk="1" latinLnBrk="0" hangingPunct="1">
+              <a:lnSpc>
+                <a:spcPct val="90000"/>
+              </a:lnSpc>
+              <a:spcBef>
+                <a:spcPts val="500"/>
+              </a:spcBef>
+              <a:buFont typeface="Arial" panose="020B0604020202020204" pitchFamily="34" charset="0"/>
+              <a:buChar char="•"/>
+              <a:defRPr sz="1800" kern="1200">
+                <a:solidFill>
+                  <a:schemeClr val="tx1"/>
+                </a:solidFill>
+                <a:latin typeface="+mn-lt"/>
+                <a:ea typeface="+mn-ea"/>
+                <a:cs typeface="+mn-cs"/>
+              </a:defRPr>
+            </a:lvl6pPr>
+            <a:lvl7pPr marL="2971800" indent="-228600" algn="l" defTabSz="914400" rtl="0" eaLnBrk="1" latinLnBrk="0" hangingPunct="1">
+              <a:lnSpc>
+                <a:spcPct val="90000"/>
+              </a:lnSpc>
+              <a:spcBef>
+                <a:spcPts val="500"/>
+              </a:spcBef>
+              <a:buFont typeface="Arial" panose="020B0604020202020204" pitchFamily="34" charset="0"/>
+              <a:buChar char="•"/>
+              <a:defRPr sz="1800" kern="1200">
+                <a:solidFill>
+                  <a:schemeClr val="tx1"/>
+                </a:solidFill>
+                <a:latin typeface="+mn-lt"/>
+                <a:ea typeface="+mn-ea"/>
+                <a:cs typeface="+mn-cs"/>
+              </a:defRPr>
+            </a:lvl7pPr>
+            <a:lvl8pPr marL="3429000" indent="-228600" algn="l" defTabSz="914400" rtl="0" eaLnBrk="1" latinLnBrk="0" hangingPunct="1">
+              <a:lnSpc>
+                <a:spcPct val="90000"/>
+              </a:lnSpc>
+              <a:spcBef>
+                <a:spcPts val="500"/>
+              </a:spcBef>
+              <a:buFont typeface="Arial" panose="020B0604020202020204" pitchFamily="34" charset="0"/>
+              <a:buChar char="•"/>
+              <a:defRPr sz="1800" kern="1200">
+                <a:solidFill>
+                  <a:schemeClr val="tx1"/>
+                </a:solidFill>
+                <a:latin typeface="+mn-lt"/>
+                <a:ea typeface="+mn-ea"/>
+                <a:cs typeface="+mn-cs"/>
+              </a:defRPr>
+            </a:lvl8pPr>
+            <a:lvl9pPr marL="3886200" indent="-228600" algn="l" defTabSz="914400" rtl="0" eaLnBrk="1" latinLnBrk="0" hangingPunct="1">
+              <a:lnSpc>
+                <a:spcPct val="90000"/>
+              </a:lnSpc>
+              <a:spcBef>
+                <a:spcPts val="500"/>
+              </a:spcBef>
+              <a:buFont typeface="Arial" panose="020B0604020202020204" pitchFamily="34" charset="0"/>
+              <a:buChar char="•"/>
+              <a:defRPr sz="1800" kern="1200">
+                <a:solidFill>
+                  <a:schemeClr val="tx1"/>
+                </a:solidFill>
+                <a:latin typeface="+mn-lt"/>
+                <a:ea typeface="+mn-ea"/>
+                <a:cs typeface="+mn-cs"/>
+              </a:defRPr>
+            </a:lvl9pPr>
+          </a:lstStyle>
+          <a:p>
+            <a:pPr marL="0" indent="0">
+              <a:buFont typeface="Arial" panose="020B0604020202020204" pitchFamily="34" charset="0"/>
+              <a:buNone/>
+            </a:pPr>
+            <a:r>
+              <a:rPr lang="en-US" b="1" i="1" dirty="0"/>
+              <a:t>GOAL</a:t>
+            </a:r>
+          </a:p>
+        </p:txBody>
+      </p:sp>
+      <p:sp>
+        <p:nvSpPr>
+          <p:cNvPr id="5" name="Content Placeholder 2">
+            <a:extLst>
+              <a:ext uri="{FF2B5EF4-FFF2-40B4-BE49-F238E27FC236}">
+                <a16:creationId xmlns:a16="http://schemas.microsoft.com/office/drawing/2014/main" id="{04C8B03F-60BE-6FCE-65F3-136750993E0F}"/>
+              </a:ext>
+            </a:extLst>
+          </p:cNvPr>
+          <p:cNvSpPr txBox="1">
+            <a:spLocks/>
+          </p:cNvSpPr>
+          <p:nvPr/>
+        </p:nvSpPr>
+        <p:spPr>
+          <a:xfrm>
+            <a:off x="8865393" y="1920988"/>
+            <a:ext cx="1552575" cy="557212"/>
+          </a:xfrm>
+          <a:prstGeom prst="rect">
+            <a:avLst/>
+          </a:prstGeom>
+        </p:spPr>
+        <p:txBody>
+          <a:bodyPr vert="horz" lIns="91440" tIns="45720" rIns="91440" bIns="45720" rtlCol="0">
+            <a:normAutofit/>
+          </a:bodyPr>
+          <a:lstStyle>
+            <a:lvl1pPr marL="228600" indent="-228600" algn="l" defTabSz="914400" rtl="0" eaLnBrk="1" latinLnBrk="0" hangingPunct="1">
+              <a:lnSpc>
+                <a:spcPct val="90000"/>
+              </a:lnSpc>
+              <a:spcBef>
+                <a:spcPts val="1000"/>
+              </a:spcBef>
+              <a:buFont typeface="Arial" panose="020B0604020202020204" pitchFamily="34" charset="0"/>
+              <a:buChar char="•"/>
+              <a:defRPr sz="2800" kern="1200">
+                <a:solidFill>
+                  <a:schemeClr val="tx1"/>
+                </a:solidFill>
+                <a:latin typeface="+mn-lt"/>
+                <a:ea typeface="+mn-ea"/>
+                <a:cs typeface="+mn-cs"/>
+              </a:defRPr>
+            </a:lvl1pPr>
+            <a:lvl2pPr marL="685800" indent="-228600" algn="l" defTabSz="914400" rtl="0" eaLnBrk="1" latinLnBrk="0" hangingPunct="1">
+              <a:lnSpc>
+                <a:spcPct val="90000"/>
+              </a:lnSpc>
+              <a:spcBef>
+                <a:spcPts val="500"/>
+              </a:spcBef>
+              <a:buFont typeface="Arial" panose="020B0604020202020204" pitchFamily="34" charset="0"/>
+              <a:buChar char="•"/>
+              <a:defRPr sz="2400" kern="1200">
+                <a:solidFill>
+                  <a:schemeClr val="tx1"/>
+                </a:solidFill>
+                <a:latin typeface="+mn-lt"/>
+                <a:ea typeface="+mn-ea"/>
+                <a:cs typeface="+mn-cs"/>
+              </a:defRPr>
+            </a:lvl2pPr>
+            <a:lvl3pPr marL="1143000" indent="-228600" algn="l" defTabSz="914400" rtl="0" eaLnBrk="1" latinLnBrk="0" hangingPunct="1">
+              <a:lnSpc>
+                <a:spcPct val="90000"/>
+              </a:lnSpc>
+              <a:spcBef>
+                <a:spcPts val="500"/>
+              </a:spcBef>
+              <a:buFont typeface="Arial" panose="020B0604020202020204" pitchFamily="34" charset="0"/>
+              <a:buChar char="•"/>
+              <a:defRPr sz="2000" kern="1200">
+                <a:solidFill>
+                  <a:schemeClr val="tx1"/>
+                </a:solidFill>
+                <a:latin typeface="+mn-lt"/>
+                <a:ea typeface="+mn-ea"/>
+                <a:cs typeface="+mn-cs"/>
+              </a:defRPr>
+            </a:lvl3pPr>
+            <a:lvl4pPr marL="1600200" indent="-228600" algn="l" defTabSz="914400" rtl="0" eaLnBrk="1" latinLnBrk="0" hangingPunct="1">
+              <a:lnSpc>
+                <a:spcPct val="90000"/>
+              </a:lnSpc>
+              <a:spcBef>
+                <a:spcPts val="500"/>
+              </a:spcBef>
+              <a:buFont typeface="Arial" panose="020B0604020202020204" pitchFamily="34" charset="0"/>
+              <a:buChar char="•"/>
+              <a:defRPr sz="1800" kern="1200">
+                <a:solidFill>
+                  <a:schemeClr val="tx1"/>
+                </a:solidFill>
+                <a:latin typeface="+mn-lt"/>
+                <a:ea typeface="+mn-ea"/>
+                <a:cs typeface="+mn-cs"/>
+              </a:defRPr>
+            </a:lvl4pPr>
+            <a:lvl5pPr marL="2057400" indent="-228600" algn="l" defTabSz="914400" rtl="0" eaLnBrk="1" latinLnBrk="0" hangingPunct="1">
+              <a:lnSpc>
+                <a:spcPct val="90000"/>
+              </a:lnSpc>
+              <a:spcBef>
+                <a:spcPts val="500"/>
+              </a:spcBef>
+              <a:buFont typeface="Arial" panose="020B0604020202020204" pitchFamily="34" charset="0"/>
+              <a:buChar char="•"/>
+              <a:defRPr sz="1800" kern="1200">
+                <a:solidFill>
+                  <a:schemeClr val="tx1"/>
+                </a:solidFill>
+                <a:latin typeface="+mn-lt"/>
+                <a:ea typeface="+mn-ea"/>
+                <a:cs typeface="+mn-cs"/>
+              </a:defRPr>
+            </a:lvl5pPr>
+            <a:lvl6pPr marL="2514600" indent="-228600" algn="l" defTabSz="914400" rtl="0" eaLnBrk="1" latinLnBrk="0" hangingPunct="1">
+              <a:lnSpc>
+                <a:spcPct val="90000"/>
+              </a:lnSpc>
+              <a:spcBef>
+                <a:spcPts val="500"/>
+              </a:spcBef>
+              <a:buFont typeface="Arial" panose="020B0604020202020204" pitchFamily="34" charset="0"/>
+              <a:buChar char="•"/>
+              <a:defRPr sz="1800" kern="1200">
+                <a:solidFill>
+                  <a:schemeClr val="tx1"/>
+                </a:solidFill>
+                <a:latin typeface="+mn-lt"/>
+                <a:ea typeface="+mn-ea"/>
+                <a:cs typeface="+mn-cs"/>
+              </a:defRPr>
+            </a:lvl6pPr>
+            <a:lvl7pPr marL="2971800" indent="-228600" algn="l" defTabSz="914400" rtl="0" eaLnBrk="1" latinLnBrk="0" hangingPunct="1">
+              <a:lnSpc>
+                <a:spcPct val="90000"/>
+              </a:lnSpc>
+              <a:spcBef>
+                <a:spcPts val="500"/>
+              </a:spcBef>
+              <a:buFont typeface="Arial" panose="020B0604020202020204" pitchFamily="34" charset="0"/>
+              <a:buChar char="•"/>
+              <a:defRPr sz="1800" kern="1200">
+                <a:solidFill>
+                  <a:schemeClr val="tx1"/>
+                </a:solidFill>
+                <a:latin typeface="+mn-lt"/>
+                <a:ea typeface="+mn-ea"/>
+                <a:cs typeface="+mn-cs"/>
+              </a:defRPr>
+            </a:lvl7pPr>
+            <a:lvl8pPr marL="3429000" indent="-228600" algn="l" defTabSz="914400" rtl="0" eaLnBrk="1" latinLnBrk="0" hangingPunct="1">
+              <a:lnSpc>
+                <a:spcPct val="90000"/>
+              </a:lnSpc>
+              <a:spcBef>
+                <a:spcPts val="500"/>
+              </a:spcBef>
+              <a:buFont typeface="Arial" panose="020B0604020202020204" pitchFamily="34" charset="0"/>
+              <a:buChar char="•"/>
+              <a:defRPr sz="1800" kern="1200">
+                <a:solidFill>
+                  <a:schemeClr val="tx1"/>
+                </a:solidFill>
+                <a:latin typeface="+mn-lt"/>
+                <a:ea typeface="+mn-ea"/>
+                <a:cs typeface="+mn-cs"/>
+              </a:defRPr>
+            </a:lvl8pPr>
+            <a:lvl9pPr marL="3886200" indent="-228600" algn="l" defTabSz="914400" rtl="0" eaLnBrk="1" latinLnBrk="0" hangingPunct="1">
+              <a:lnSpc>
+                <a:spcPct val="90000"/>
+              </a:lnSpc>
+              <a:spcBef>
+                <a:spcPts val="500"/>
+              </a:spcBef>
+              <a:buFont typeface="Arial" panose="020B0604020202020204" pitchFamily="34" charset="0"/>
+              <a:buChar char="•"/>
+              <a:defRPr sz="1800" kern="1200">
+                <a:solidFill>
+                  <a:schemeClr val="tx1"/>
+                </a:solidFill>
+                <a:latin typeface="+mn-lt"/>
+                <a:ea typeface="+mn-ea"/>
+                <a:cs typeface="+mn-cs"/>
+              </a:defRPr>
+            </a:lvl9pPr>
+          </a:lstStyle>
+          <a:p>
+            <a:pPr marL="0" indent="0">
+              <a:buFont typeface="Arial" panose="020B0604020202020204" pitchFamily="34" charset="0"/>
+              <a:buNone/>
+            </a:pPr>
+            <a:r>
+              <a:rPr lang="en-US" b="1" i="1" dirty="0"/>
+              <a:t>Achieved</a:t>
+            </a:r>
+          </a:p>
+        </p:txBody>
+      </p:sp>
+      <p:pic>
+        <p:nvPicPr>
+          <p:cNvPr id="6" name="Picture 6" descr="ironicmeme #ironic #png #sunglasses #emoji #smileyface - Ironic Meme Smiley  Face, Transparent Png - kindpng">
+            <a:extLst>
+              <a:ext uri="{FF2B5EF4-FFF2-40B4-BE49-F238E27FC236}">
+                <a16:creationId xmlns:a16="http://schemas.microsoft.com/office/drawing/2014/main" id="{1A794B7A-3032-328F-FA31-B18A6C4A80CF}"/>
+              </a:ext>
+            </a:extLst>
+          </p:cNvPr>
+          <p:cNvPicPr>
+            <a:picLocks noChangeAspect="1" noChangeArrowheads="1"/>
+          </p:cNvPicPr>
+          <p:nvPr/>
+        </p:nvPicPr>
+        <p:blipFill>
+          <a:blip r:embed="rId2">
+            <a:extLst>
+              <a:ext uri="{28A0092B-C50C-407E-A947-70E740481C1C}">
+                <a14:useLocalDpi xmlns:a14="http://schemas.microsoft.com/office/drawing/2010/main" val="0"/>
+              </a:ext>
+            </a:extLst>
+          </a:blip>
+          <a:srcRect/>
+          <a:stretch>
+            <a:fillRect/>
+          </a:stretch>
+        </p:blipFill>
+        <p:spPr bwMode="auto">
+          <a:xfrm>
+            <a:off x="4752975" y="165736"/>
+            <a:ext cx="3176587" cy="2228352"/>
+          </a:xfrm>
+          <a:prstGeom prst="rect">
+            <a:avLst/>
+          </a:prstGeom>
+          <a:noFill/>
+          <a:extLst>
+            <a:ext uri="{909E8E84-426E-40DD-AFC4-6F175D3DCCD1}">
+              <a14:hiddenFill xmlns:a14="http://schemas.microsoft.com/office/drawing/2010/main">
+                <a:solidFill>
+                  <a:srgbClr val="FFFFFF"/>
+                </a:solidFill>
+              </a14:hiddenFill>
+            </a:ext>
+          </a:extLst>
+        </p:spPr>
+      </p:pic>
+      <p:pic>
+        <p:nvPicPr>
+          <p:cNvPr id="8" name="Picture 7">
+            <a:extLst>
+              <a:ext uri="{FF2B5EF4-FFF2-40B4-BE49-F238E27FC236}">
+                <a16:creationId xmlns:a16="http://schemas.microsoft.com/office/drawing/2014/main" id="{BBDC19E7-EC12-5238-AE90-A4B0A02D9A55}"/>
+              </a:ext>
+            </a:extLst>
+          </p:cNvPr>
+          <p:cNvPicPr>
+            <a:picLocks noChangeAspect="1"/>
+          </p:cNvPicPr>
+          <p:nvPr/>
+        </p:nvPicPr>
+        <p:blipFill>
+          <a:blip r:embed="rId3"/>
+          <a:stretch>
+            <a:fillRect/>
+          </a:stretch>
+        </p:blipFill>
+        <p:spPr>
+          <a:xfrm>
+            <a:off x="950265" y="2516549"/>
+            <a:ext cx="3802710" cy="3726503"/>
+          </a:xfrm>
+          <a:prstGeom prst="rect">
+            <a:avLst/>
+          </a:prstGeom>
+        </p:spPr>
+      </p:pic>
+      <p:pic>
+        <p:nvPicPr>
+          <p:cNvPr id="10" name="Picture 9">
+            <a:extLst>
+              <a:ext uri="{FF2B5EF4-FFF2-40B4-BE49-F238E27FC236}">
+                <a16:creationId xmlns:a16="http://schemas.microsoft.com/office/drawing/2014/main" id="{793EB265-1634-82D1-F896-51E6ED41E402}"/>
+              </a:ext>
+            </a:extLst>
+          </p:cNvPr>
+          <p:cNvPicPr>
+            <a:picLocks noChangeAspect="1"/>
+          </p:cNvPicPr>
+          <p:nvPr/>
+        </p:nvPicPr>
+        <p:blipFill>
+          <a:blip r:embed="rId4"/>
+          <a:stretch>
+            <a:fillRect/>
+          </a:stretch>
+        </p:blipFill>
+        <p:spPr>
+          <a:xfrm>
+            <a:off x="6421582" y="2691764"/>
+            <a:ext cx="5334000" cy="4000500"/>
+          </a:xfrm>
+          <a:prstGeom prst="rect">
+            <a:avLst/>
+          </a:prstGeom>
+        </p:spPr>
+      </p:pic>
     </p:spTree>
     <p:extLst>
       <p:ext uri="{BB962C8B-B14F-4D97-AF65-F5344CB8AC3E}">
@@ -3676,31 +4210,519 @@
           </a:p>
         </p:txBody>
       </p:sp>
-      <p:sp>
-        <p:nvSpPr>
-          <p:cNvPr id="3" name="Content Placeholder 2">
-            <a:extLst>
-              <a:ext uri="{FF2B5EF4-FFF2-40B4-BE49-F238E27FC236}">
-                <a16:creationId xmlns:a16="http://schemas.microsoft.com/office/drawing/2014/main" id="{40AF08BF-B1C0-47B0-609C-94B2FAA25569}"/>
-              </a:ext>
-            </a:extLst>
-          </p:cNvPr>
-          <p:cNvSpPr>
-            <a:spLocks noGrp="1"/>
-          </p:cNvSpPr>
-          <p:nvPr>
-            <p:ph idx="1"/>
-          </p:nvPr>
-        </p:nvSpPr>
-        <p:spPr/>
-        <p:txBody>
-          <a:bodyPr/>
-          <a:lstStyle/>
-          <a:p>
-            <a:endParaRPr lang="en-US"/>
-          </a:p>
-        </p:txBody>
-      </p:sp>
+      <p:pic>
+        <p:nvPicPr>
+          <p:cNvPr id="7" name="Picture 6">
+            <a:extLst>
+              <a:ext uri="{FF2B5EF4-FFF2-40B4-BE49-F238E27FC236}">
+                <a16:creationId xmlns:a16="http://schemas.microsoft.com/office/drawing/2014/main" id="{6D65155F-4B5A-21D4-C9E4-701A0FF97E30}"/>
+              </a:ext>
+            </a:extLst>
+          </p:cNvPr>
+          <p:cNvPicPr>
+            <a:picLocks noChangeAspect="1"/>
+          </p:cNvPicPr>
+          <p:nvPr/>
+        </p:nvPicPr>
+        <p:blipFill>
+          <a:blip r:embed="rId2"/>
+          <a:stretch>
+            <a:fillRect/>
+          </a:stretch>
+        </p:blipFill>
+        <p:spPr>
+          <a:xfrm>
+            <a:off x="838200" y="2527980"/>
+            <a:ext cx="3787468" cy="3703641"/>
+          </a:xfrm>
+          <a:prstGeom prst="rect">
+            <a:avLst/>
+          </a:prstGeom>
+        </p:spPr>
+      </p:pic>
+      <p:sp>
+        <p:nvSpPr>
+          <p:cNvPr id="8" name="Content Placeholder 2">
+            <a:extLst>
+              <a:ext uri="{FF2B5EF4-FFF2-40B4-BE49-F238E27FC236}">
+                <a16:creationId xmlns:a16="http://schemas.microsoft.com/office/drawing/2014/main" id="{F2DF1BB6-0846-0563-F0A8-48969FF18CAB}"/>
+              </a:ext>
+            </a:extLst>
+          </p:cNvPr>
+          <p:cNvSpPr txBox="1">
+            <a:spLocks/>
+          </p:cNvSpPr>
+          <p:nvPr/>
+        </p:nvSpPr>
+        <p:spPr>
+          <a:xfrm>
+            <a:off x="1955646" y="1945320"/>
+            <a:ext cx="1552575" cy="557212"/>
+          </a:xfrm>
+          <a:prstGeom prst="rect">
+            <a:avLst/>
+          </a:prstGeom>
+        </p:spPr>
+        <p:txBody>
+          <a:bodyPr vert="horz" lIns="91440" tIns="45720" rIns="91440" bIns="45720" rtlCol="0">
+            <a:normAutofit/>
+          </a:bodyPr>
+          <a:lstStyle>
+            <a:lvl1pPr marL="228600" indent="-228600" algn="l" defTabSz="914400" rtl="0" eaLnBrk="1" latinLnBrk="0" hangingPunct="1">
+              <a:lnSpc>
+                <a:spcPct val="90000"/>
+              </a:lnSpc>
+              <a:spcBef>
+                <a:spcPts val="1000"/>
+              </a:spcBef>
+              <a:buFont typeface="Arial" panose="020B0604020202020204" pitchFamily="34" charset="0"/>
+              <a:buChar char="•"/>
+              <a:defRPr sz="2800" kern="1200">
+                <a:solidFill>
+                  <a:schemeClr val="tx1"/>
+                </a:solidFill>
+                <a:latin typeface="+mn-lt"/>
+                <a:ea typeface="+mn-ea"/>
+                <a:cs typeface="+mn-cs"/>
+              </a:defRPr>
+            </a:lvl1pPr>
+            <a:lvl2pPr marL="685800" indent="-228600" algn="l" defTabSz="914400" rtl="0" eaLnBrk="1" latinLnBrk="0" hangingPunct="1">
+              <a:lnSpc>
+                <a:spcPct val="90000"/>
+              </a:lnSpc>
+              <a:spcBef>
+                <a:spcPts val="500"/>
+              </a:spcBef>
+              <a:buFont typeface="Arial" panose="020B0604020202020204" pitchFamily="34" charset="0"/>
+              <a:buChar char="•"/>
+              <a:defRPr sz="2400" kern="1200">
+                <a:solidFill>
+                  <a:schemeClr val="tx1"/>
+                </a:solidFill>
+                <a:latin typeface="+mn-lt"/>
+                <a:ea typeface="+mn-ea"/>
+                <a:cs typeface="+mn-cs"/>
+              </a:defRPr>
+            </a:lvl2pPr>
+            <a:lvl3pPr marL="1143000" indent="-228600" algn="l" defTabSz="914400" rtl="0" eaLnBrk="1" latinLnBrk="0" hangingPunct="1">
+              <a:lnSpc>
+                <a:spcPct val="90000"/>
+              </a:lnSpc>
+              <a:spcBef>
+                <a:spcPts val="500"/>
+              </a:spcBef>
+              <a:buFont typeface="Arial" panose="020B0604020202020204" pitchFamily="34" charset="0"/>
+              <a:buChar char="•"/>
+              <a:defRPr sz="2000" kern="1200">
+                <a:solidFill>
+                  <a:schemeClr val="tx1"/>
+                </a:solidFill>
+                <a:latin typeface="+mn-lt"/>
+                <a:ea typeface="+mn-ea"/>
+                <a:cs typeface="+mn-cs"/>
+              </a:defRPr>
+            </a:lvl3pPr>
+            <a:lvl4pPr marL="1600200" indent="-228600" algn="l" defTabSz="914400" rtl="0" eaLnBrk="1" latinLnBrk="0" hangingPunct="1">
+              <a:lnSpc>
+                <a:spcPct val="90000"/>
+              </a:lnSpc>
+              <a:spcBef>
+                <a:spcPts val="500"/>
+              </a:spcBef>
+              <a:buFont typeface="Arial" panose="020B0604020202020204" pitchFamily="34" charset="0"/>
+              <a:buChar char="•"/>
+              <a:defRPr sz="1800" kern="1200">
+                <a:solidFill>
+                  <a:schemeClr val="tx1"/>
+                </a:solidFill>
+                <a:latin typeface="+mn-lt"/>
+                <a:ea typeface="+mn-ea"/>
+                <a:cs typeface="+mn-cs"/>
+              </a:defRPr>
+            </a:lvl4pPr>
+            <a:lvl5pPr marL="2057400" indent="-228600" algn="l" defTabSz="914400" rtl="0" eaLnBrk="1" latinLnBrk="0" hangingPunct="1">
+              <a:lnSpc>
+                <a:spcPct val="90000"/>
+              </a:lnSpc>
+              <a:spcBef>
+                <a:spcPts val="500"/>
+              </a:spcBef>
+              <a:buFont typeface="Arial" panose="020B0604020202020204" pitchFamily="34" charset="0"/>
+              <a:buChar char="•"/>
+              <a:defRPr sz="1800" kern="1200">
+                <a:solidFill>
+                  <a:schemeClr val="tx1"/>
+                </a:solidFill>
+                <a:latin typeface="+mn-lt"/>
+                <a:ea typeface="+mn-ea"/>
+                <a:cs typeface="+mn-cs"/>
+              </a:defRPr>
+            </a:lvl5pPr>
+            <a:lvl6pPr marL="2514600" indent="-228600" algn="l" defTabSz="914400" rtl="0" eaLnBrk="1" latinLnBrk="0" hangingPunct="1">
+              <a:lnSpc>
+                <a:spcPct val="90000"/>
+              </a:lnSpc>
+              <a:spcBef>
+                <a:spcPts val="500"/>
+              </a:spcBef>
+              <a:buFont typeface="Arial" panose="020B0604020202020204" pitchFamily="34" charset="0"/>
+              <a:buChar char="•"/>
+              <a:defRPr sz="1800" kern="1200">
+                <a:solidFill>
+                  <a:schemeClr val="tx1"/>
+                </a:solidFill>
+                <a:latin typeface="+mn-lt"/>
+                <a:ea typeface="+mn-ea"/>
+                <a:cs typeface="+mn-cs"/>
+              </a:defRPr>
+            </a:lvl6pPr>
+            <a:lvl7pPr marL="2971800" indent="-228600" algn="l" defTabSz="914400" rtl="0" eaLnBrk="1" latinLnBrk="0" hangingPunct="1">
+              <a:lnSpc>
+                <a:spcPct val="90000"/>
+              </a:lnSpc>
+              <a:spcBef>
+                <a:spcPts val="500"/>
+              </a:spcBef>
+              <a:buFont typeface="Arial" panose="020B0604020202020204" pitchFamily="34" charset="0"/>
+              <a:buChar char="•"/>
+              <a:defRPr sz="1800" kern="1200">
+                <a:solidFill>
+                  <a:schemeClr val="tx1"/>
+                </a:solidFill>
+                <a:latin typeface="+mn-lt"/>
+                <a:ea typeface="+mn-ea"/>
+                <a:cs typeface="+mn-cs"/>
+              </a:defRPr>
+            </a:lvl7pPr>
+            <a:lvl8pPr marL="3429000" indent="-228600" algn="l" defTabSz="914400" rtl="0" eaLnBrk="1" latinLnBrk="0" hangingPunct="1">
+              <a:lnSpc>
+                <a:spcPct val="90000"/>
+              </a:lnSpc>
+              <a:spcBef>
+                <a:spcPts val="500"/>
+              </a:spcBef>
+              <a:buFont typeface="Arial" panose="020B0604020202020204" pitchFamily="34" charset="0"/>
+              <a:buChar char="•"/>
+              <a:defRPr sz="1800" kern="1200">
+                <a:solidFill>
+                  <a:schemeClr val="tx1"/>
+                </a:solidFill>
+                <a:latin typeface="+mn-lt"/>
+                <a:ea typeface="+mn-ea"/>
+                <a:cs typeface="+mn-cs"/>
+              </a:defRPr>
+            </a:lvl8pPr>
+            <a:lvl9pPr marL="3886200" indent="-228600" algn="l" defTabSz="914400" rtl="0" eaLnBrk="1" latinLnBrk="0" hangingPunct="1">
+              <a:lnSpc>
+                <a:spcPct val="90000"/>
+              </a:lnSpc>
+              <a:spcBef>
+                <a:spcPts val="500"/>
+              </a:spcBef>
+              <a:buFont typeface="Arial" panose="020B0604020202020204" pitchFamily="34" charset="0"/>
+              <a:buChar char="•"/>
+              <a:defRPr sz="1800" kern="1200">
+                <a:solidFill>
+                  <a:schemeClr val="tx1"/>
+                </a:solidFill>
+                <a:latin typeface="+mn-lt"/>
+                <a:ea typeface="+mn-ea"/>
+                <a:cs typeface="+mn-cs"/>
+              </a:defRPr>
+            </a:lvl9pPr>
+          </a:lstStyle>
+          <a:p>
+            <a:pPr marL="0" indent="0">
+              <a:buFont typeface="Arial" panose="020B0604020202020204" pitchFamily="34" charset="0"/>
+              <a:buNone/>
+            </a:pPr>
+            <a:r>
+              <a:rPr lang="en-US" b="1" i="1" dirty="0"/>
+              <a:t>GOAL</a:t>
+            </a:r>
+          </a:p>
+        </p:txBody>
+      </p:sp>
+      <p:sp>
+        <p:nvSpPr>
+          <p:cNvPr id="9" name="Content Placeholder 2">
+            <a:extLst>
+              <a:ext uri="{FF2B5EF4-FFF2-40B4-BE49-F238E27FC236}">
+                <a16:creationId xmlns:a16="http://schemas.microsoft.com/office/drawing/2014/main" id="{EF73D135-8646-66DE-80E8-DEEC0B609B8C}"/>
+              </a:ext>
+            </a:extLst>
+          </p:cNvPr>
+          <p:cNvSpPr txBox="1">
+            <a:spLocks/>
+          </p:cNvSpPr>
+          <p:nvPr/>
+        </p:nvSpPr>
+        <p:spPr>
+          <a:xfrm>
+            <a:off x="8865393" y="1920988"/>
+            <a:ext cx="1552575" cy="557212"/>
+          </a:xfrm>
+          <a:prstGeom prst="rect">
+            <a:avLst/>
+          </a:prstGeom>
+        </p:spPr>
+        <p:txBody>
+          <a:bodyPr vert="horz" lIns="91440" tIns="45720" rIns="91440" bIns="45720" rtlCol="0">
+            <a:normAutofit/>
+          </a:bodyPr>
+          <a:lstStyle>
+            <a:lvl1pPr marL="228600" indent="-228600" algn="l" defTabSz="914400" rtl="0" eaLnBrk="1" latinLnBrk="0" hangingPunct="1">
+              <a:lnSpc>
+                <a:spcPct val="90000"/>
+              </a:lnSpc>
+              <a:spcBef>
+                <a:spcPts val="1000"/>
+              </a:spcBef>
+              <a:buFont typeface="Arial" panose="020B0604020202020204" pitchFamily="34" charset="0"/>
+              <a:buChar char="•"/>
+              <a:defRPr sz="2800" kern="1200">
+                <a:solidFill>
+                  <a:schemeClr val="tx1"/>
+                </a:solidFill>
+                <a:latin typeface="+mn-lt"/>
+                <a:ea typeface="+mn-ea"/>
+                <a:cs typeface="+mn-cs"/>
+              </a:defRPr>
+            </a:lvl1pPr>
+            <a:lvl2pPr marL="685800" indent="-228600" algn="l" defTabSz="914400" rtl="0" eaLnBrk="1" latinLnBrk="0" hangingPunct="1">
+              <a:lnSpc>
+                <a:spcPct val="90000"/>
+              </a:lnSpc>
+              <a:spcBef>
+                <a:spcPts val="500"/>
+              </a:spcBef>
+              <a:buFont typeface="Arial" panose="020B0604020202020204" pitchFamily="34" charset="0"/>
+              <a:buChar char="•"/>
+              <a:defRPr sz="2400" kern="1200">
+                <a:solidFill>
+                  <a:schemeClr val="tx1"/>
+                </a:solidFill>
+                <a:latin typeface="+mn-lt"/>
+                <a:ea typeface="+mn-ea"/>
+                <a:cs typeface="+mn-cs"/>
+              </a:defRPr>
+            </a:lvl2pPr>
+            <a:lvl3pPr marL="1143000" indent="-228600" algn="l" defTabSz="914400" rtl="0" eaLnBrk="1" latinLnBrk="0" hangingPunct="1">
+              <a:lnSpc>
+                <a:spcPct val="90000"/>
+              </a:lnSpc>
+              <a:spcBef>
+                <a:spcPts val="500"/>
+              </a:spcBef>
+              <a:buFont typeface="Arial" panose="020B0604020202020204" pitchFamily="34" charset="0"/>
+              <a:buChar char="•"/>
+              <a:defRPr sz="2000" kern="1200">
+                <a:solidFill>
+                  <a:schemeClr val="tx1"/>
+                </a:solidFill>
+                <a:latin typeface="+mn-lt"/>
+                <a:ea typeface="+mn-ea"/>
+                <a:cs typeface="+mn-cs"/>
+              </a:defRPr>
+            </a:lvl3pPr>
+            <a:lvl4pPr marL="1600200" indent="-228600" algn="l" defTabSz="914400" rtl="0" eaLnBrk="1" latinLnBrk="0" hangingPunct="1">
+              <a:lnSpc>
+                <a:spcPct val="90000"/>
+              </a:lnSpc>
+              <a:spcBef>
+                <a:spcPts val="500"/>
+              </a:spcBef>
+              <a:buFont typeface="Arial" panose="020B0604020202020204" pitchFamily="34" charset="0"/>
+              <a:buChar char="•"/>
+              <a:defRPr sz="1800" kern="1200">
+                <a:solidFill>
+                  <a:schemeClr val="tx1"/>
+                </a:solidFill>
+                <a:latin typeface="+mn-lt"/>
+                <a:ea typeface="+mn-ea"/>
+                <a:cs typeface="+mn-cs"/>
+              </a:defRPr>
+            </a:lvl4pPr>
+            <a:lvl5pPr marL="2057400" indent="-228600" algn="l" defTabSz="914400" rtl="0" eaLnBrk="1" latinLnBrk="0" hangingPunct="1">
+              <a:lnSpc>
+                <a:spcPct val="90000"/>
+              </a:lnSpc>
+              <a:spcBef>
+                <a:spcPts val="500"/>
+              </a:spcBef>
+              <a:buFont typeface="Arial" panose="020B0604020202020204" pitchFamily="34" charset="0"/>
+              <a:buChar char="•"/>
+              <a:defRPr sz="1800" kern="1200">
+                <a:solidFill>
+                  <a:schemeClr val="tx1"/>
+                </a:solidFill>
+                <a:latin typeface="+mn-lt"/>
+                <a:ea typeface="+mn-ea"/>
+                <a:cs typeface="+mn-cs"/>
+              </a:defRPr>
+            </a:lvl5pPr>
+            <a:lvl6pPr marL="2514600" indent="-228600" algn="l" defTabSz="914400" rtl="0" eaLnBrk="1" latinLnBrk="0" hangingPunct="1">
+              <a:lnSpc>
+                <a:spcPct val="90000"/>
+              </a:lnSpc>
+              <a:spcBef>
+                <a:spcPts val="500"/>
+              </a:spcBef>
+              <a:buFont typeface="Arial" panose="020B0604020202020204" pitchFamily="34" charset="0"/>
+              <a:buChar char="•"/>
+              <a:defRPr sz="1800" kern="1200">
+                <a:solidFill>
+                  <a:schemeClr val="tx1"/>
+                </a:solidFill>
+                <a:latin typeface="+mn-lt"/>
+                <a:ea typeface="+mn-ea"/>
+                <a:cs typeface="+mn-cs"/>
+              </a:defRPr>
+            </a:lvl6pPr>
+            <a:lvl7pPr marL="2971800" indent="-228600" algn="l" defTabSz="914400" rtl="0" eaLnBrk="1" latinLnBrk="0" hangingPunct="1">
+              <a:lnSpc>
+                <a:spcPct val="90000"/>
+              </a:lnSpc>
+              <a:spcBef>
+                <a:spcPts val="500"/>
+              </a:spcBef>
+              <a:buFont typeface="Arial" panose="020B0604020202020204" pitchFamily="34" charset="0"/>
+              <a:buChar char="•"/>
+              <a:defRPr sz="1800" kern="1200">
+                <a:solidFill>
+                  <a:schemeClr val="tx1"/>
+                </a:solidFill>
+                <a:latin typeface="+mn-lt"/>
+                <a:ea typeface="+mn-ea"/>
+                <a:cs typeface="+mn-cs"/>
+              </a:defRPr>
+            </a:lvl7pPr>
+            <a:lvl8pPr marL="3429000" indent="-228600" algn="l" defTabSz="914400" rtl="0" eaLnBrk="1" latinLnBrk="0" hangingPunct="1">
+              <a:lnSpc>
+                <a:spcPct val="90000"/>
+              </a:lnSpc>
+              <a:spcBef>
+                <a:spcPts val="500"/>
+              </a:spcBef>
+              <a:buFont typeface="Arial" panose="020B0604020202020204" pitchFamily="34" charset="0"/>
+              <a:buChar char="•"/>
+              <a:defRPr sz="1800" kern="1200">
+                <a:solidFill>
+                  <a:schemeClr val="tx1"/>
+                </a:solidFill>
+                <a:latin typeface="+mn-lt"/>
+                <a:ea typeface="+mn-ea"/>
+                <a:cs typeface="+mn-cs"/>
+              </a:defRPr>
+            </a:lvl8pPr>
+            <a:lvl9pPr marL="3886200" indent="-228600" algn="l" defTabSz="914400" rtl="0" eaLnBrk="1" latinLnBrk="0" hangingPunct="1">
+              <a:lnSpc>
+                <a:spcPct val="90000"/>
+              </a:lnSpc>
+              <a:spcBef>
+                <a:spcPts val="500"/>
+              </a:spcBef>
+              <a:buFont typeface="Arial" panose="020B0604020202020204" pitchFamily="34" charset="0"/>
+              <a:buChar char="•"/>
+              <a:defRPr sz="1800" kern="1200">
+                <a:solidFill>
+                  <a:schemeClr val="tx1"/>
+                </a:solidFill>
+                <a:latin typeface="+mn-lt"/>
+                <a:ea typeface="+mn-ea"/>
+                <a:cs typeface="+mn-cs"/>
+              </a:defRPr>
+            </a:lvl9pPr>
+          </a:lstStyle>
+          <a:p>
+            <a:pPr marL="0" indent="0">
+              <a:buFont typeface="Arial" panose="020B0604020202020204" pitchFamily="34" charset="0"/>
+              <a:buNone/>
+            </a:pPr>
+            <a:r>
+              <a:rPr lang="en-US" b="1" i="1" dirty="0"/>
+              <a:t>Achieved</a:t>
+            </a:r>
+          </a:p>
+        </p:txBody>
+      </p:sp>
+      <p:pic>
+        <p:nvPicPr>
+          <p:cNvPr id="10" name="Picture 6" descr="ironicmeme #ironic #png #sunglasses #emoji #smileyface - Ironic Meme Smiley  Face, Transparent Png - kindpng">
+            <a:extLst>
+              <a:ext uri="{FF2B5EF4-FFF2-40B4-BE49-F238E27FC236}">
+                <a16:creationId xmlns:a16="http://schemas.microsoft.com/office/drawing/2014/main" id="{9DF4D4B6-7C92-BF68-8978-D069D604501A}"/>
+              </a:ext>
+            </a:extLst>
+          </p:cNvPr>
+          <p:cNvPicPr>
+            <a:picLocks noChangeAspect="1" noChangeArrowheads="1"/>
+          </p:cNvPicPr>
+          <p:nvPr/>
+        </p:nvPicPr>
+        <p:blipFill>
+          <a:blip r:embed="rId3">
+            <a:extLst>
+              <a:ext uri="{28A0092B-C50C-407E-A947-70E740481C1C}">
+                <a14:useLocalDpi xmlns:a14="http://schemas.microsoft.com/office/drawing/2010/main" val="0"/>
+              </a:ext>
+            </a:extLst>
+          </a:blip>
+          <a:srcRect/>
+          <a:stretch>
+            <a:fillRect/>
+          </a:stretch>
+        </p:blipFill>
+        <p:spPr bwMode="auto">
+          <a:xfrm>
+            <a:off x="4752975" y="165736"/>
+            <a:ext cx="3176587" cy="2228352"/>
+          </a:xfrm>
+          <a:prstGeom prst="rect">
+            <a:avLst/>
+          </a:prstGeom>
+          <a:noFill/>
+          <a:extLst>
+            <a:ext uri="{909E8E84-426E-40DD-AFC4-6F175D3DCCD1}">
+              <a14:hiddenFill xmlns:a14="http://schemas.microsoft.com/office/drawing/2010/main">
+                <a:solidFill>
+                  <a:srgbClr val="FFFFFF"/>
+                </a:solidFill>
+              </a14:hiddenFill>
+            </a:ext>
+          </a:extLst>
+        </p:spPr>
+      </p:pic>
+      <p:pic>
+        <p:nvPicPr>
+          <p:cNvPr id="12" name="Picture 11">
+            <a:extLst>
+              <a:ext uri="{FF2B5EF4-FFF2-40B4-BE49-F238E27FC236}">
+                <a16:creationId xmlns:a16="http://schemas.microsoft.com/office/drawing/2014/main" id="{82FF9F87-6751-A444-7122-905DE9277F38}"/>
+              </a:ext>
+            </a:extLst>
+          </p:cNvPr>
+          <p:cNvPicPr>
+            <a:picLocks noChangeAspect="1"/>
+          </p:cNvPicPr>
+          <p:nvPr/>
+        </p:nvPicPr>
+        <p:blipFill>
+          <a:blip r:embed="rId4"/>
+          <a:stretch>
+            <a:fillRect/>
+          </a:stretch>
+        </p:blipFill>
+        <p:spPr>
+          <a:xfrm>
+            <a:off x="5885872" y="2502532"/>
+            <a:ext cx="5334000" cy="4000500"/>
+          </a:xfrm>
+          <a:prstGeom prst="rect">
+            <a:avLst/>
+          </a:prstGeom>
+        </p:spPr>
+      </p:pic>
     </p:spTree>
     <p:extLst>
       <p:ext uri="{BB962C8B-B14F-4D97-AF65-F5344CB8AC3E}">
@@ -4056,6 +5078,53 @@
           <a:prstGeom prst="rect">
             <a:avLst/>
           </a:prstGeom>
+        </p:spPr>
+      </p:pic>
+      <p:pic>
+        <p:nvPicPr>
+          <p:cNvPr id="4" name="Picture 6" descr="ironicmeme #ironic #png #sunglasses #emoji #smileyface - Ironic Meme Smiley  Face, Transparent Png - kindpng">
+            <a:extLst>
+              <a:ext uri="{FF2B5EF4-FFF2-40B4-BE49-F238E27FC236}">
+                <a16:creationId xmlns:a16="http://schemas.microsoft.com/office/drawing/2014/main" id="{A6DB6901-B997-8AC1-5018-E4CB18A1655F}"/>
+              </a:ext>
+            </a:extLst>
+          </p:cNvPr>
+          <p:cNvPicPr>
+            <a:picLocks noChangeAspect="1" noChangeArrowheads="1"/>
+          </p:cNvPicPr>
+          <p:nvPr/>
+        </p:nvPicPr>
+        <p:blipFill>
+          <a:blip r:embed="rId4">
+            <a:extLst>
+              <a:ext uri="{28A0092B-C50C-407E-A947-70E740481C1C}">
+                <a14:useLocalDpi xmlns:a14="http://schemas.microsoft.com/office/drawing/2010/main" val="0"/>
+              </a:ext>
+            </a:extLst>
+          </a:blip>
+          <a:srcRect/>
+          <a:stretch>
+            <a:fillRect/>
+          </a:stretch>
+        </p:blipFill>
+        <p:spPr bwMode="auto">
+          <a:xfrm>
+            <a:off x="4752975" y="122604"/>
+            <a:ext cx="3176587" cy="2228352"/>
+          </a:xfrm>
+          <a:prstGeom prst="rect">
+            <a:avLst/>
+          </a:prstGeom>
+          <a:noFill/>
+          <a:extLst>
+            <a:ext uri="{909E8E84-426E-40DD-AFC4-6F175D3DCCD1}">
+              <a14:hiddenFill xmlns:a14="http://schemas.microsoft.com/office/drawing/2010/main">
+                <a:solidFill>
+                  <a:srgbClr val="FFFFFF"/>
+                </a:solidFill>
+              </a14:hiddenFill>
+            </a:ext>
+          </a:extLst>
         </p:spPr>
       </p:pic>
     </p:spTree>
@@ -4111,7 +5180,7 @@
           <a:p>
             <a:r>
               <a:rPr lang="en-US" dirty="0"/>
-              <a:t>ZDT2</a:t>
+              <a:t>OSY</a:t>
             </a:r>
           </a:p>
         </p:txBody>
@@ -4134,7 +5203,7 @@
         </p:nvSpPr>
         <p:spPr>
           <a:xfrm>
-            <a:off x="3200400" y="1690688"/>
+            <a:off x="2823411" y="1786940"/>
             <a:ext cx="1552575" cy="557212"/>
           </a:xfrm>
         </p:spPr>
@@ -4355,10 +5424,117 @@
           </a:p>
         </p:txBody>
       </p:sp>
+      <p:pic>
+        <p:nvPicPr>
+          <p:cNvPr id="5" name="Picture 4">
+            <a:extLst>
+              <a:ext uri="{FF2B5EF4-FFF2-40B4-BE49-F238E27FC236}">
+                <a16:creationId xmlns:a16="http://schemas.microsoft.com/office/drawing/2014/main" id="{96E846FB-A10B-4E81-9D0D-DB3D0CC8E4C7}"/>
+              </a:ext>
+            </a:extLst>
+          </p:cNvPr>
+          <p:cNvPicPr>
+            <a:picLocks noChangeAspect="1"/>
+          </p:cNvPicPr>
+          <p:nvPr/>
+        </p:nvPicPr>
+        <p:blipFill>
+          <a:blip r:embed="rId2"/>
+          <a:stretch>
+            <a:fillRect/>
+          </a:stretch>
+        </p:blipFill>
+        <p:spPr>
+          <a:xfrm>
+            <a:off x="1303875" y="2517839"/>
+            <a:ext cx="4246693" cy="3460622"/>
+          </a:xfrm>
+          <a:prstGeom prst="rect">
+            <a:avLst/>
+          </a:prstGeom>
+        </p:spPr>
+      </p:pic>
+      <p:pic>
+        <p:nvPicPr>
+          <p:cNvPr id="7" name="Picture 6">
+            <a:extLst>
+              <a:ext uri="{FF2B5EF4-FFF2-40B4-BE49-F238E27FC236}">
+                <a16:creationId xmlns:a16="http://schemas.microsoft.com/office/drawing/2014/main" id="{1BF146BF-90B0-FC8C-AB80-0EF0DCC17B0D}"/>
+              </a:ext>
+            </a:extLst>
+          </p:cNvPr>
+          <p:cNvPicPr>
+            <a:picLocks noChangeAspect="1"/>
+          </p:cNvPicPr>
+          <p:nvPr/>
+        </p:nvPicPr>
+        <p:blipFill>
+          <a:blip r:embed="rId3"/>
+          <a:stretch>
+            <a:fillRect/>
+          </a:stretch>
+        </p:blipFill>
+        <p:spPr>
+          <a:xfrm>
+            <a:off x="5843337" y="2247900"/>
+            <a:ext cx="5334000" cy="4000500"/>
+          </a:xfrm>
+          <a:prstGeom prst="rect">
+            <a:avLst/>
+          </a:prstGeom>
+        </p:spPr>
+      </p:pic>
+      <p:pic>
+        <p:nvPicPr>
+          <p:cNvPr id="4" name="Picture 6" descr="ironicmeme #ironic #png #sunglasses #emoji #smileyface - Ironic Meme Smiley  Face, Transparent Png - kindpng">
+            <a:extLst>
+              <a:ext uri="{FF2B5EF4-FFF2-40B4-BE49-F238E27FC236}">
+                <a16:creationId xmlns:a16="http://schemas.microsoft.com/office/drawing/2014/main" id="{859B95A6-98A4-5378-D7D9-542BE2D0F4FD}"/>
+              </a:ext>
+            </a:extLst>
+          </p:cNvPr>
+          <p:cNvPicPr>
+            <a:picLocks noChangeAspect="1" noChangeArrowheads="1"/>
+          </p:cNvPicPr>
+          <p:nvPr/>
+        </p:nvPicPr>
+        <p:blipFill>
+          <a:blip r:embed="rId4">
+            <a:extLst>
+              <a:ext uri="{28A0092B-C50C-407E-A947-70E740481C1C}">
+                <a14:useLocalDpi xmlns:a14="http://schemas.microsoft.com/office/drawing/2010/main" val="0"/>
+              </a:ext>
+            </a:extLst>
+          </a:blip>
+          <a:srcRect/>
+          <a:stretch>
+            <a:fillRect/>
+          </a:stretch>
+        </p:blipFill>
+        <p:spPr bwMode="auto">
+          <a:xfrm>
+            <a:off x="4507706" y="19548"/>
+            <a:ext cx="3176587" cy="2228352"/>
+          </a:xfrm>
+          <a:prstGeom prst="rect">
+            <a:avLst/>
+          </a:prstGeom>
+          <a:noFill/>
+          <a:extLst>
+            <a:ext uri="{909E8E84-426E-40DD-AFC4-6F175D3DCCD1}">
+              <a14:hiddenFill xmlns:a14="http://schemas.microsoft.com/office/drawing/2010/main">
+                <a:solidFill>
+                  <a:srgbClr val="FFFFFF"/>
+                </a:solidFill>
+              </a14:hiddenFill>
+            </a:ext>
+          </a:extLst>
+        </p:spPr>
+      </p:pic>
     </p:spTree>
     <p:extLst>
       <p:ext uri="{BB962C8B-B14F-4D97-AF65-F5344CB8AC3E}">
-        <p14:creationId xmlns:p14="http://schemas.microsoft.com/office/powerpoint/2010/main" val="1843384431"/>
+        <p14:creationId xmlns:p14="http://schemas.microsoft.com/office/powerpoint/2010/main" val="458469455"/>
       </p:ext>
     </p:extLst>
   </p:cSld>
@@ -4408,7 +5584,7 @@
           <a:p>
             <a:r>
               <a:rPr lang="en-US" dirty="0"/>
-              <a:t>OSY</a:t>
+              <a:t>CTP</a:t>
             </a:r>
           </a:p>
         </p:txBody>
@@ -4431,7 +5607,7 @@
         </p:nvSpPr>
         <p:spPr>
           <a:xfrm>
-            <a:off x="2823411" y="1786940"/>
+            <a:off x="3200400" y="1690688"/>
             <a:ext cx="1552575" cy="557212"/>
           </a:xfrm>
         </p:spPr>
@@ -4657,7 +5833,7 @@
           <p:cNvPr id="5" name="Picture 4">
             <a:extLst>
               <a:ext uri="{FF2B5EF4-FFF2-40B4-BE49-F238E27FC236}">
-                <a16:creationId xmlns:a16="http://schemas.microsoft.com/office/drawing/2014/main" id="{96E846FB-A10B-4E81-9D0D-DB3D0CC8E4C7}"/>
+                <a16:creationId xmlns:a16="http://schemas.microsoft.com/office/drawing/2014/main" id="{DB6703AB-3C4E-328C-1116-E4AD6E07A340}"/>
               </a:ext>
             </a:extLst>
           </p:cNvPr>
@@ -4674,8 +5850,8 @@
         </p:blipFill>
         <p:spPr>
           <a:xfrm>
-            <a:off x="1303875" y="2517839"/>
-            <a:ext cx="4246693" cy="3460622"/>
+            <a:off x="669758" y="2646947"/>
+            <a:ext cx="4907547" cy="3680660"/>
           </a:xfrm>
           <a:prstGeom prst="rect">
             <a:avLst/>
@@ -4684,10 +5860,10 @@
       </p:pic>
       <p:pic>
         <p:nvPicPr>
-          <p:cNvPr id="7" name="Picture 6">
-            <a:extLst>
-              <a:ext uri="{FF2B5EF4-FFF2-40B4-BE49-F238E27FC236}">
-                <a16:creationId xmlns:a16="http://schemas.microsoft.com/office/drawing/2014/main" id="{1BF146BF-90B0-FC8C-AB80-0EF0DCC17B0D}"/>
+          <p:cNvPr id="11" name="Picture 10">
+            <a:extLst>
+              <a:ext uri="{FF2B5EF4-FFF2-40B4-BE49-F238E27FC236}">
+                <a16:creationId xmlns:a16="http://schemas.microsoft.com/office/drawing/2014/main" id="{9AD3DDA0-AAB4-31C2-A89B-767FD87966C6}"/>
               </a:ext>
             </a:extLst>
           </p:cNvPr>
@@ -4704,7 +5880,7 @@
         </p:blipFill>
         <p:spPr>
           <a:xfrm>
-            <a:off x="5843337" y="2247900"/>
+            <a:off x="5859380" y="2415338"/>
             <a:ext cx="5334000" cy="4000500"/>
           </a:xfrm>
           <a:prstGeom prst="rect">
@@ -4712,10 +5888,57 @@
           </a:prstGeom>
         </p:spPr>
       </p:pic>
+      <p:pic>
+        <p:nvPicPr>
+          <p:cNvPr id="4" name="Picture 6" descr="ironicmeme #ironic #png #sunglasses #emoji #smileyface - Ironic Meme Smiley  Face, Transparent Png - kindpng">
+            <a:extLst>
+              <a:ext uri="{FF2B5EF4-FFF2-40B4-BE49-F238E27FC236}">
+                <a16:creationId xmlns:a16="http://schemas.microsoft.com/office/drawing/2014/main" id="{323AB4CC-90A5-DB27-6437-6898B8D1BF4E}"/>
+              </a:ext>
+            </a:extLst>
+          </p:cNvPr>
+          <p:cNvPicPr>
+            <a:picLocks noChangeAspect="1" noChangeArrowheads="1"/>
+          </p:cNvPicPr>
+          <p:nvPr/>
+        </p:nvPicPr>
+        <p:blipFill>
+          <a:blip r:embed="rId4">
+            <a:extLst>
+              <a:ext uri="{28A0092B-C50C-407E-A947-70E740481C1C}">
+                <a14:useLocalDpi xmlns:a14="http://schemas.microsoft.com/office/drawing/2010/main" val="0"/>
+              </a:ext>
+            </a:extLst>
+          </a:blip>
+          <a:srcRect/>
+          <a:stretch>
+            <a:fillRect/>
+          </a:stretch>
+        </p:blipFill>
+        <p:spPr bwMode="auto">
+          <a:xfrm>
+            <a:off x="4599765" y="103267"/>
+            <a:ext cx="3176587" cy="2228352"/>
+          </a:xfrm>
+          <a:prstGeom prst="rect">
+            <a:avLst/>
+          </a:prstGeom>
+          <a:noFill/>
+          <a:extLst>
+            <a:ext uri="{909E8E84-426E-40DD-AFC4-6F175D3DCCD1}">
+              <a14:hiddenFill xmlns:a14="http://schemas.microsoft.com/office/drawing/2010/main">
+                <a:solidFill>
+                  <a:srgbClr val="FFFFFF"/>
+                </a:solidFill>
+              </a14:hiddenFill>
+            </a:ext>
+          </a:extLst>
+        </p:spPr>
+      </p:pic>
     </p:spTree>
     <p:extLst>
       <p:ext uri="{BB962C8B-B14F-4D97-AF65-F5344CB8AC3E}">
-        <p14:creationId xmlns:p14="http://schemas.microsoft.com/office/powerpoint/2010/main" val="458469455"/>
+        <p14:creationId xmlns:p14="http://schemas.microsoft.com/office/powerpoint/2010/main" val="447862375"/>
       </p:ext>
     </p:extLst>
   </p:cSld>
@@ -4765,7 +5988,7 @@
           <a:p>
             <a:r>
               <a:rPr lang="en-US" dirty="0"/>
-              <a:t>CTP</a:t>
+              <a:t>TNK</a:t>
             </a:r>
           </a:p>
         </p:txBody>
@@ -5011,32 +6234,49 @@
       </p:sp>
       <p:pic>
         <p:nvPicPr>
-          <p:cNvPr id="5" name="Picture 4">
-            <a:extLst>
-              <a:ext uri="{FF2B5EF4-FFF2-40B4-BE49-F238E27FC236}">
-                <a16:creationId xmlns:a16="http://schemas.microsoft.com/office/drawing/2014/main" id="{DB6703AB-3C4E-328C-1116-E4AD6E07A340}"/>
+          <p:cNvPr id="4" name="Picture 6" descr="ironicmeme #ironic #png #sunglasses #emoji #smileyface - Ironic Meme Smiley  Face, Transparent Png - kindpng">
+            <a:extLst>
+              <a:ext uri="{FF2B5EF4-FFF2-40B4-BE49-F238E27FC236}">
+                <a16:creationId xmlns:a16="http://schemas.microsoft.com/office/drawing/2014/main" id="{C38E06A8-1501-8582-BE2D-1C3B686441D7}"/>
               </a:ext>
             </a:extLst>
           </p:cNvPr>
           <p:cNvPicPr>
-            <a:picLocks noChangeAspect="1"/>
+            <a:picLocks noChangeAspect="1" noChangeArrowheads="1"/>
           </p:cNvPicPr>
           <p:nvPr/>
         </p:nvPicPr>
         <p:blipFill>
-          <a:blip r:embed="rId2"/>
+          <a:blip r:embed="rId2">
+            <a:extLst>
+              <a:ext uri="{28A0092B-C50C-407E-A947-70E740481C1C}">
+                <a14:useLocalDpi xmlns:a14="http://schemas.microsoft.com/office/drawing/2010/main" val="0"/>
+              </a:ext>
+            </a:extLst>
+          </a:blip>
+          <a:srcRect/>
           <a:stretch>
             <a:fillRect/>
           </a:stretch>
         </p:blipFill>
-        <p:spPr>
+        <p:spPr bwMode="auto">
           <a:xfrm>
-            <a:off x="669758" y="2646947"/>
-            <a:ext cx="4907547" cy="3680660"/>
+            <a:off x="4752975" y="227661"/>
+            <a:ext cx="3176587" cy="2228352"/>
           </a:xfrm>
           <a:prstGeom prst="rect">
             <a:avLst/>
           </a:prstGeom>
+          <a:noFill/>
+          <a:extLst>
+            <a:ext uri="{909E8E84-426E-40DD-AFC4-6F175D3DCCD1}">
+              <a14:hiddenFill xmlns:a14="http://schemas.microsoft.com/office/drawing/2010/main">
+                <a:solidFill>
+                  <a:srgbClr val="FFFFFF"/>
+                </a:solidFill>
+              </a14:hiddenFill>
+            </a:ext>
+          </a:extLst>
         </p:spPr>
       </p:pic>
       <p:pic>
@@ -5044,7 +6284,7 @@
           <p:cNvPr id="11" name="Picture 10">
             <a:extLst>
               <a:ext uri="{FF2B5EF4-FFF2-40B4-BE49-F238E27FC236}">
-                <a16:creationId xmlns:a16="http://schemas.microsoft.com/office/drawing/2014/main" id="{9AD3DDA0-AAB4-31C2-A89B-767FD87966C6}"/>
+                <a16:creationId xmlns:a16="http://schemas.microsoft.com/office/drawing/2014/main" id="{A27D4AE7-E6A4-9708-DEB3-CBC8E9A4F76E}"/>
               </a:ext>
             </a:extLst>
           </p:cNvPr>
@@ -5061,7 +6301,7 @@
         </p:blipFill>
         <p:spPr>
           <a:xfrm>
-            <a:off x="5859380" y="2415338"/>
+            <a:off x="150091" y="2629839"/>
             <a:ext cx="5334000" cy="4000500"/>
           </a:xfrm>
           <a:prstGeom prst="rect">
@@ -5069,303 +6309,36 @@
           </a:prstGeom>
         </p:spPr>
       </p:pic>
-    </p:spTree>
-    <p:extLst>
-      <p:ext uri="{BB962C8B-B14F-4D97-AF65-F5344CB8AC3E}">
-        <p14:creationId xmlns:p14="http://schemas.microsoft.com/office/powerpoint/2010/main" val="447862375"/>
-      </p:ext>
-    </p:extLst>
-  </p:cSld>
-  <p:clrMapOvr>
-    <a:masterClrMapping/>
-  </p:clrMapOvr>
-</p:sld>
-</file>
-
-<file path=ppt/slides/slide8.xml><?xml version="1.0" encoding="utf-8"?>
-<p:sld xmlns:a="http://schemas.openxmlformats.org/drawingml/2006/main" xmlns:r="http://schemas.openxmlformats.org/officeDocument/2006/relationships" xmlns:p="http://schemas.openxmlformats.org/presentationml/2006/main">
-  <p:cSld>
-    <p:spTree>
-      <p:nvGrpSpPr>
-        <p:cNvPr id="1" name=""/>
-        <p:cNvGrpSpPr/>
-        <p:nvPr/>
-      </p:nvGrpSpPr>
-      <p:grpSpPr>
-        <a:xfrm>
-          <a:off x="0" y="0"/>
-          <a:ext cx="0" cy="0"/>
-          <a:chOff x="0" y="0"/>
-          <a:chExt cx="0" cy="0"/>
-        </a:xfrm>
-      </p:grpSpPr>
-      <p:sp>
-        <p:nvSpPr>
-          <p:cNvPr id="2" name="Title 1">
-            <a:extLst>
-              <a:ext uri="{FF2B5EF4-FFF2-40B4-BE49-F238E27FC236}">
-                <a16:creationId xmlns:a16="http://schemas.microsoft.com/office/drawing/2014/main" id="{E57AC282-AE79-E73C-746E-F933B5FD1C90}"/>
-              </a:ext>
-            </a:extLst>
-          </p:cNvPr>
-          <p:cNvSpPr>
-            <a:spLocks noGrp="1"/>
-          </p:cNvSpPr>
-          <p:nvPr>
-            <p:ph type="title"/>
-          </p:nvPr>
-        </p:nvSpPr>
-        <p:spPr/>
-        <p:txBody>
-          <a:bodyPr/>
-          <a:lstStyle/>
-          <a:p>
-            <a:r>
-              <a:rPr lang="en-US" dirty="0"/>
-              <a:t>TNK</a:t>
-            </a:r>
-          </a:p>
-        </p:txBody>
-      </p:sp>
-      <p:sp>
-        <p:nvSpPr>
-          <p:cNvPr id="3" name="Content Placeholder 2">
-            <a:extLst>
-              <a:ext uri="{FF2B5EF4-FFF2-40B4-BE49-F238E27FC236}">
-                <a16:creationId xmlns:a16="http://schemas.microsoft.com/office/drawing/2014/main" id="{E812159A-57A4-33DC-302C-5C250D7041A2}"/>
-              </a:ext>
-            </a:extLst>
-          </p:cNvPr>
-          <p:cNvSpPr>
-            <a:spLocks noGrp="1"/>
-          </p:cNvSpPr>
-          <p:nvPr>
-            <p:ph idx="1"/>
-          </p:nvPr>
-        </p:nvSpPr>
+      <p:pic>
+        <p:nvPicPr>
+          <p:cNvPr id="15" name="Picture 14">
+            <a:extLst>
+              <a:ext uri="{FF2B5EF4-FFF2-40B4-BE49-F238E27FC236}">
+                <a16:creationId xmlns:a16="http://schemas.microsoft.com/office/drawing/2014/main" id="{CDD97245-9B75-3C56-B575-C75374496CE5}"/>
+              </a:ext>
+            </a:extLst>
+          </p:cNvPr>
+          <p:cNvPicPr>
+            <a:picLocks noChangeAspect="1"/>
+          </p:cNvPicPr>
+          <p:nvPr/>
+        </p:nvPicPr>
+        <p:blipFill>
+          <a:blip r:embed="rId4"/>
+          <a:stretch>
+            <a:fillRect/>
+          </a:stretch>
+        </p:blipFill>
         <p:spPr>
           <a:xfrm>
-            <a:off x="3200400" y="1690688"/>
-            <a:ext cx="1552575" cy="557212"/>
-          </a:xfrm>
-        </p:spPr>
-        <p:txBody>
-          <a:bodyPr/>
-          <a:lstStyle/>
-          <a:p>
-            <a:pPr marL="0" indent="0">
-              <a:buNone/>
-            </a:pPr>
-            <a:r>
-              <a:rPr lang="en-US" b="1" i="1" dirty="0"/>
-              <a:t>GOAL</a:t>
-            </a:r>
-          </a:p>
-        </p:txBody>
-      </p:sp>
-      <p:sp>
-        <p:nvSpPr>
-          <p:cNvPr id="10" name="Content Placeholder 2">
-            <a:extLst>
-              <a:ext uri="{FF2B5EF4-FFF2-40B4-BE49-F238E27FC236}">
-                <a16:creationId xmlns:a16="http://schemas.microsoft.com/office/drawing/2014/main" id="{FF7E7C8B-4021-2F8B-9656-FB3EC9A8A85E}"/>
-              </a:ext>
-            </a:extLst>
-          </p:cNvPr>
-          <p:cNvSpPr txBox="1">
-            <a:spLocks/>
-          </p:cNvSpPr>
-          <p:nvPr/>
-        </p:nvSpPr>
-        <p:spPr>
-          <a:xfrm>
-            <a:off x="8172450" y="1690688"/>
-            <a:ext cx="1552575" cy="557212"/>
+            <a:off x="5932055" y="2703369"/>
+            <a:ext cx="5334000" cy="4000500"/>
           </a:xfrm>
           <a:prstGeom prst="rect">
             <a:avLst/>
           </a:prstGeom>
         </p:spPr>
-        <p:txBody>
-          <a:bodyPr vert="horz" lIns="91440" tIns="45720" rIns="91440" bIns="45720" rtlCol="0">
-            <a:normAutofit/>
-          </a:bodyPr>
-          <a:lstStyle>
-            <a:lvl1pPr marL="228600" indent="-228600" algn="l" defTabSz="914400" rtl="0" eaLnBrk="1" latinLnBrk="0" hangingPunct="1">
-              <a:lnSpc>
-                <a:spcPct val="90000"/>
-              </a:lnSpc>
-              <a:spcBef>
-                <a:spcPts val="1000"/>
-              </a:spcBef>
-              <a:buFont typeface="Arial" panose="020B0604020202020204" pitchFamily="34" charset="0"/>
-              <a:buChar char="•"/>
-              <a:defRPr sz="2800" kern="1200">
-                <a:solidFill>
-                  <a:schemeClr val="tx1"/>
-                </a:solidFill>
-                <a:latin typeface="+mn-lt"/>
-                <a:ea typeface="+mn-ea"/>
-                <a:cs typeface="+mn-cs"/>
-              </a:defRPr>
-            </a:lvl1pPr>
-            <a:lvl2pPr marL="685800" indent="-228600" algn="l" defTabSz="914400" rtl="0" eaLnBrk="1" latinLnBrk="0" hangingPunct="1">
-              <a:lnSpc>
-                <a:spcPct val="90000"/>
-              </a:lnSpc>
-              <a:spcBef>
-                <a:spcPts val="500"/>
-              </a:spcBef>
-              <a:buFont typeface="Arial" panose="020B0604020202020204" pitchFamily="34" charset="0"/>
-              <a:buChar char="•"/>
-              <a:defRPr sz="2400" kern="1200">
-                <a:solidFill>
-                  <a:schemeClr val="tx1"/>
-                </a:solidFill>
-                <a:latin typeface="+mn-lt"/>
-                <a:ea typeface="+mn-ea"/>
-                <a:cs typeface="+mn-cs"/>
-              </a:defRPr>
-            </a:lvl2pPr>
-            <a:lvl3pPr marL="1143000" indent="-228600" algn="l" defTabSz="914400" rtl="0" eaLnBrk="1" latinLnBrk="0" hangingPunct="1">
-              <a:lnSpc>
-                <a:spcPct val="90000"/>
-              </a:lnSpc>
-              <a:spcBef>
-                <a:spcPts val="500"/>
-              </a:spcBef>
-              <a:buFont typeface="Arial" panose="020B0604020202020204" pitchFamily="34" charset="0"/>
-              <a:buChar char="•"/>
-              <a:defRPr sz="2000" kern="1200">
-                <a:solidFill>
-                  <a:schemeClr val="tx1"/>
-                </a:solidFill>
-                <a:latin typeface="+mn-lt"/>
-                <a:ea typeface="+mn-ea"/>
-                <a:cs typeface="+mn-cs"/>
-              </a:defRPr>
-            </a:lvl3pPr>
-            <a:lvl4pPr marL="1600200" indent="-228600" algn="l" defTabSz="914400" rtl="0" eaLnBrk="1" latinLnBrk="0" hangingPunct="1">
-              <a:lnSpc>
-                <a:spcPct val="90000"/>
-              </a:lnSpc>
-              <a:spcBef>
-                <a:spcPts val="500"/>
-              </a:spcBef>
-              <a:buFont typeface="Arial" panose="020B0604020202020204" pitchFamily="34" charset="0"/>
-              <a:buChar char="•"/>
-              <a:defRPr sz="1800" kern="1200">
-                <a:solidFill>
-                  <a:schemeClr val="tx1"/>
-                </a:solidFill>
-                <a:latin typeface="+mn-lt"/>
-                <a:ea typeface="+mn-ea"/>
-                <a:cs typeface="+mn-cs"/>
-              </a:defRPr>
-            </a:lvl4pPr>
-            <a:lvl5pPr marL="2057400" indent="-228600" algn="l" defTabSz="914400" rtl="0" eaLnBrk="1" latinLnBrk="0" hangingPunct="1">
-              <a:lnSpc>
-                <a:spcPct val="90000"/>
-              </a:lnSpc>
-              <a:spcBef>
-                <a:spcPts val="500"/>
-              </a:spcBef>
-              <a:buFont typeface="Arial" panose="020B0604020202020204" pitchFamily="34" charset="0"/>
-              <a:buChar char="•"/>
-              <a:defRPr sz="1800" kern="1200">
-                <a:solidFill>
-                  <a:schemeClr val="tx1"/>
-                </a:solidFill>
-                <a:latin typeface="+mn-lt"/>
-                <a:ea typeface="+mn-ea"/>
-                <a:cs typeface="+mn-cs"/>
-              </a:defRPr>
-            </a:lvl5pPr>
-            <a:lvl6pPr marL="2514600" indent="-228600" algn="l" defTabSz="914400" rtl="0" eaLnBrk="1" latinLnBrk="0" hangingPunct="1">
-              <a:lnSpc>
-                <a:spcPct val="90000"/>
-              </a:lnSpc>
-              <a:spcBef>
-                <a:spcPts val="500"/>
-              </a:spcBef>
-              <a:buFont typeface="Arial" panose="020B0604020202020204" pitchFamily="34" charset="0"/>
-              <a:buChar char="•"/>
-              <a:defRPr sz="1800" kern="1200">
-                <a:solidFill>
-                  <a:schemeClr val="tx1"/>
-                </a:solidFill>
-                <a:latin typeface="+mn-lt"/>
-                <a:ea typeface="+mn-ea"/>
-                <a:cs typeface="+mn-cs"/>
-              </a:defRPr>
-            </a:lvl6pPr>
-            <a:lvl7pPr marL="2971800" indent="-228600" algn="l" defTabSz="914400" rtl="0" eaLnBrk="1" latinLnBrk="0" hangingPunct="1">
-              <a:lnSpc>
-                <a:spcPct val="90000"/>
-              </a:lnSpc>
-              <a:spcBef>
-                <a:spcPts val="500"/>
-              </a:spcBef>
-              <a:buFont typeface="Arial" panose="020B0604020202020204" pitchFamily="34" charset="0"/>
-              <a:buChar char="•"/>
-              <a:defRPr sz="1800" kern="1200">
-                <a:solidFill>
-                  <a:schemeClr val="tx1"/>
-                </a:solidFill>
-                <a:latin typeface="+mn-lt"/>
-                <a:ea typeface="+mn-ea"/>
-                <a:cs typeface="+mn-cs"/>
-              </a:defRPr>
-            </a:lvl7pPr>
-            <a:lvl8pPr marL="3429000" indent="-228600" algn="l" defTabSz="914400" rtl="0" eaLnBrk="1" latinLnBrk="0" hangingPunct="1">
-              <a:lnSpc>
-                <a:spcPct val="90000"/>
-              </a:lnSpc>
-              <a:spcBef>
-                <a:spcPts val="500"/>
-              </a:spcBef>
-              <a:buFont typeface="Arial" panose="020B0604020202020204" pitchFamily="34" charset="0"/>
-              <a:buChar char="•"/>
-              <a:defRPr sz="1800" kern="1200">
-                <a:solidFill>
-                  <a:schemeClr val="tx1"/>
-                </a:solidFill>
-                <a:latin typeface="+mn-lt"/>
-                <a:ea typeface="+mn-ea"/>
-                <a:cs typeface="+mn-cs"/>
-              </a:defRPr>
-            </a:lvl8pPr>
-            <a:lvl9pPr marL="3886200" indent="-228600" algn="l" defTabSz="914400" rtl="0" eaLnBrk="1" latinLnBrk="0" hangingPunct="1">
-              <a:lnSpc>
-                <a:spcPct val="90000"/>
-              </a:lnSpc>
-              <a:spcBef>
-                <a:spcPts val="500"/>
-              </a:spcBef>
-              <a:buFont typeface="Arial" panose="020B0604020202020204" pitchFamily="34" charset="0"/>
-              <a:buChar char="•"/>
-              <a:defRPr sz="1800" kern="1200">
-                <a:solidFill>
-                  <a:schemeClr val="tx1"/>
-                </a:solidFill>
-                <a:latin typeface="+mn-lt"/>
-                <a:ea typeface="+mn-ea"/>
-                <a:cs typeface="+mn-cs"/>
-              </a:defRPr>
-            </a:lvl9pPr>
-          </a:lstStyle>
-          <a:p>
-            <a:pPr marL="0" indent="0">
-              <a:buFont typeface="Arial" panose="020B0604020202020204" pitchFamily="34" charset="0"/>
-              <a:buNone/>
-            </a:pPr>
-            <a:r>
-              <a:rPr lang="en-US" b="1" i="1" dirty="0"/>
-              <a:t>Achieved</a:t>
-            </a:r>
-          </a:p>
-        </p:txBody>
-      </p:sp>
+      </p:pic>
     </p:spTree>
     <p:extLst>
       <p:ext uri="{BB962C8B-B14F-4D97-AF65-F5344CB8AC3E}">

--- a/Pareto Comparisons.pptx
+++ b/Pareto Comparisons.pptx
@@ -6,12 +6,27 @@
   </p:sldMasterIdLst>
   <p:sldIdLst>
     <p:sldId id="256" r:id="rId5"/>
-    <p:sldId id="257" r:id="rId6"/>
-    <p:sldId id="262" r:id="rId7"/>
-    <p:sldId id="258" r:id="rId8"/>
-    <p:sldId id="260" r:id="rId9"/>
-    <p:sldId id="261" r:id="rId10"/>
-    <p:sldId id="263" r:id="rId11"/>
+    <p:sldId id="274" r:id="rId6"/>
+    <p:sldId id="257" r:id="rId7"/>
+    <p:sldId id="275" r:id="rId8"/>
+    <p:sldId id="273" r:id="rId9"/>
+    <p:sldId id="262" r:id="rId10"/>
+    <p:sldId id="276" r:id="rId11"/>
+    <p:sldId id="272" r:id="rId12"/>
+    <p:sldId id="258" r:id="rId13"/>
+    <p:sldId id="277" r:id="rId14"/>
+    <p:sldId id="271" r:id="rId15"/>
+    <p:sldId id="260" r:id="rId16"/>
+    <p:sldId id="264" r:id="rId17"/>
+    <p:sldId id="269" r:id="rId18"/>
+    <p:sldId id="261" r:id="rId19"/>
+    <p:sldId id="267" r:id="rId20"/>
+    <p:sldId id="270" r:id="rId21"/>
+    <p:sldId id="263" r:id="rId22"/>
+    <p:sldId id="266" r:id="rId23"/>
+    <p:sldId id="278" r:id="rId24"/>
+    <p:sldId id="279" r:id="rId25"/>
+    <p:sldId id="280" r:id="rId26"/>
   </p:sldIdLst>
   <p:sldSz cx="12192000" cy="6858000"/>
   <p:notesSz cx="6858000" cy="9144000"/>
@@ -273,7 +288,7 @@
           <a:p>
             <a:fld id="{3D46F6B1-BF38-4A30-BA5B-451C99A2B7F6}" type="datetimeFigureOut">
               <a:rPr lang="en-US" smtClean="0"/>
-              <a:t>4/23/2023</a:t>
+              <a:t>4/27/2023</a:t>
             </a:fld>
             <a:endParaRPr lang="en-US"/>
           </a:p>
@@ -471,7 +486,7 @@
           <a:p>
             <a:fld id="{3D46F6B1-BF38-4A30-BA5B-451C99A2B7F6}" type="datetimeFigureOut">
               <a:rPr lang="en-US" smtClean="0"/>
-              <a:t>4/23/2023</a:t>
+              <a:t>4/27/2023</a:t>
             </a:fld>
             <a:endParaRPr lang="en-US"/>
           </a:p>
@@ -679,7 +694,7 @@
           <a:p>
             <a:fld id="{3D46F6B1-BF38-4A30-BA5B-451C99A2B7F6}" type="datetimeFigureOut">
               <a:rPr lang="en-US" smtClean="0"/>
-              <a:t>4/23/2023</a:t>
+              <a:t>4/27/2023</a:t>
             </a:fld>
             <a:endParaRPr lang="en-US"/>
           </a:p>
@@ -877,7 +892,7 @@
           <a:p>
             <a:fld id="{3D46F6B1-BF38-4A30-BA5B-451C99A2B7F6}" type="datetimeFigureOut">
               <a:rPr lang="en-US" smtClean="0"/>
-              <a:t>4/23/2023</a:t>
+              <a:t>4/27/2023</a:t>
             </a:fld>
             <a:endParaRPr lang="en-US"/>
           </a:p>
@@ -1152,7 +1167,7 @@
           <a:p>
             <a:fld id="{3D46F6B1-BF38-4A30-BA5B-451C99A2B7F6}" type="datetimeFigureOut">
               <a:rPr lang="en-US" smtClean="0"/>
-              <a:t>4/23/2023</a:t>
+              <a:t>4/27/2023</a:t>
             </a:fld>
             <a:endParaRPr lang="en-US"/>
           </a:p>
@@ -1417,7 +1432,7 @@
           <a:p>
             <a:fld id="{3D46F6B1-BF38-4A30-BA5B-451C99A2B7F6}" type="datetimeFigureOut">
               <a:rPr lang="en-US" smtClean="0"/>
-              <a:t>4/23/2023</a:t>
+              <a:t>4/27/2023</a:t>
             </a:fld>
             <a:endParaRPr lang="en-US"/>
           </a:p>
@@ -1829,7 +1844,7 @@
           <a:p>
             <a:fld id="{3D46F6B1-BF38-4A30-BA5B-451C99A2B7F6}" type="datetimeFigureOut">
               <a:rPr lang="en-US" smtClean="0"/>
-              <a:t>4/23/2023</a:t>
+              <a:t>4/27/2023</a:t>
             </a:fld>
             <a:endParaRPr lang="en-US"/>
           </a:p>
@@ -1970,7 +1985,7 @@
           <a:p>
             <a:fld id="{3D46F6B1-BF38-4A30-BA5B-451C99A2B7F6}" type="datetimeFigureOut">
               <a:rPr lang="en-US" smtClean="0"/>
-              <a:t>4/23/2023</a:t>
+              <a:t>4/27/2023</a:t>
             </a:fld>
             <a:endParaRPr lang="en-US"/>
           </a:p>
@@ -2083,7 +2098,7 @@
           <a:p>
             <a:fld id="{3D46F6B1-BF38-4A30-BA5B-451C99A2B7F6}" type="datetimeFigureOut">
               <a:rPr lang="en-US" smtClean="0"/>
-              <a:t>4/23/2023</a:t>
+              <a:t>4/27/2023</a:t>
             </a:fld>
             <a:endParaRPr lang="en-US"/>
           </a:p>
@@ -2394,7 +2409,7 @@
           <a:p>
             <a:fld id="{3D46F6B1-BF38-4A30-BA5B-451C99A2B7F6}" type="datetimeFigureOut">
               <a:rPr lang="en-US" smtClean="0"/>
-              <a:t>4/23/2023</a:t>
+              <a:t>4/27/2023</a:t>
             </a:fld>
             <a:endParaRPr lang="en-US"/>
           </a:p>
@@ -2682,7 +2697,7 @@
           <a:p>
             <a:fld id="{3D46F6B1-BF38-4A30-BA5B-451C99A2B7F6}" type="datetimeFigureOut">
               <a:rPr lang="en-US" smtClean="0"/>
-              <a:t>4/23/2023</a:t>
+              <a:t>4/27/2023</a:t>
             </a:fld>
             <a:endParaRPr lang="en-US"/>
           </a:p>
@@ -2923,7 +2938,7 @@
           <a:p>
             <a:fld id="{3D46F6B1-BF38-4A30-BA5B-451C99A2B7F6}" type="datetimeFigureOut">
               <a:rPr lang="en-US" smtClean="0"/>
-              <a:t>4/23/2023</a:t>
+              <a:t>4/27/2023</a:t>
             </a:fld>
             <a:endParaRPr lang="en-US"/>
           </a:p>
@@ -3393,198 +3408,2198 @@
           </a:p>
         </p:txBody>
       </p:sp>
+    </p:spTree>
+    <p:extLst>
+      <p:ext uri="{BB962C8B-B14F-4D97-AF65-F5344CB8AC3E}">
+        <p14:creationId xmlns:p14="http://schemas.microsoft.com/office/powerpoint/2010/main" val="1707578310"/>
+      </p:ext>
+    </p:extLst>
+  </p:cSld>
+  <p:clrMapOvr>
+    <a:masterClrMapping/>
+  </p:clrMapOvr>
+</p:sld>
+</file>
+
+<file path=ppt/slides/slide10.xml><?xml version="1.0" encoding="utf-8"?>
+<p:sld xmlns:a="http://schemas.openxmlformats.org/drawingml/2006/main" xmlns:r="http://schemas.openxmlformats.org/officeDocument/2006/relationships" xmlns:p="http://schemas.openxmlformats.org/presentationml/2006/main">
+  <p:cSld>
+    <p:spTree>
+      <p:nvGrpSpPr>
+        <p:cNvPr id="1" name=""/>
+        <p:cNvGrpSpPr/>
+        <p:nvPr/>
+      </p:nvGrpSpPr>
+      <p:grpSpPr>
+        <a:xfrm>
+          <a:off x="0" y="0"/>
+          <a:ext cx="0" cy="0"/>
+          <a:chOff x="0" y="0"/>
+          <a:chExt cx="0" cy="0"/>
+        </a:xfrm>
+      </p:grpSpPr>
+      <p:sp>
+        <p:nvSpPr>
+          <p:cNvPr id="2" name="Title 1">
+            <a:extLst>
+              <a:ext uri="{FF2B5EF4-FFF2-40B4-BE49-F238E27FC236}">
+                <a16:creationId xmlns:a16="http://schemas.microsoft.com/office/drawing/2014/main" id="{E57AC282-AE79-E73C-746E-F933B5FD1C90}"/>
+              </a:ext>
+            </a:extLst>
+          </p:cNvPr>
+          <p:cNvSpPr>
+            <a:spLocks noGrp="1"/>
+          </p:cNvSpPr>
+          <p:nvPr>
+            <p:ph type="title"/>
+          </p:nvPr>
+        </p:nvSpPr>
+        <p:spPr/>
+        <p:txBody>
+          <a:bodyPr/>
+          <a:lstStyle/>
+          <a:p>
+            <a:r>
+              <a:rPr lang="en-US" dirty="0"/>
+              <a:t>ZDT3</a:t>
+            </a:r>
+          </a:p>
+        </p:txBody>
+      </p:sp>
       <p:pic>
         <p:nvPicPr>
-          <p:cNvPr id="1026" name="Picture 2" descr="Image result for siunglasses ball meme">
-            <a:extLst>
-              <a:ext uri="{FF2B5EF4-FFF2-40B4-BE49-F238E27FC236}">
-                <a16:creationId xmlns:a16="http://schemas.microsoft.com/office/drawing/2014/main" id="{B152CE9F-1A6F-79C0-A799-2683574A81EA}"/>
+          <p:cNvPr id="5" name="Picture 4">
+            <a:extLst>
+              <a:ext uri="{FF2B5EF4-FFF2-40B4-BE49-F238E27FC236}">
+                <a16:creationId xmlns:a16="http://schemas.microsoft.com/office/drawing/2014/main" id="{62BD5840-9663-79C7-3195-CB21B3F1F841}"/>
               </a:ext>
             </a:extLst>
           </p:cNvPr>
           <p:cNvPicPr>
-            <a:picLocks noChangeAspect="1" noChangeArrowheads="1"/>
+            <a:picLocks noChangeAspect="1"/>
           </p:cNvPicPr>
           <p:nvPr/>
         </p:nvPicPr>
         <p:blipFill>
-          <a:blip r:embed="rId2">
-            <a:extLst>
-              <a:ext uri="{28A0092B-C50C-407E-A947-70E740481C1C}">
-                <a14:useLocalDpi xmlns:a14="http://schemas.microsoft.com/office/drawing/2010/main" val="0"/>
-              </a:ext>
-            </a:extLst>
-          </a:blip>
-          <a:srcRect/>
+          <a:blip r:embed="rId2"/>
           <a:stretch>
             <a:fillRect/>
           </a:stretch>
         </p:blipFill>
-        <p:spPr bwMode="auto">
+        <p:spPr>
           <a:xfrm>
-            <a:off x="8181974" y="99820"/>
-            <a:ext cx="3686175" cy="2517388"/>
+            <a:off x="533400" y="2333914"/>
+            <a:ext cx="5334000" cy="4000500"/>
           </a:xfrm>
           <a:prstGeom prst="rect">
             <a:avLst/>
           </a:prstGeom>
-          <a:noFill/>
-          <a:extLst>
-            <a:ext uri="{909E8E84-426E-40DD-AFC4-6F175D3DCCD1}">
-              <a14:hiddenFill xmlns:a14="http://schemas.microsoft.com/office/drawing/2010/main">
-                <a:solidFill>
-                  <a:srgbClr val="FFFFFF"/>
-                </a:solidFill>
-              </a14:hiddenFill>
-            </a:ext>
-          </a:extLst>
         </p:spPr>
       </p:pic>
       <p:pic>
         <p:nvPicPr>
-          <p:cNvPr id="1028" name="Picture 4" descr="Picardía / Thumbs Up Emoji Man | Know Your Meme">
-            <a:extLst>
-              <a:ext uri="{FF2B5EF4-FFF2-40B4-BE49-F238E27FC236}">
-                <a16:creationId xmlns:a16="http://schemas.microsoft.com/office/drawing/2014/main" id="{DBED3ADF-EBCC-563F-F6BD-26289098BB50}"/>
+          <p:cNvPr id="7" name="Picture 6">
+            <a:extLst>
+              <a:ext uri="{FF2B5EF4-FFF2-40B4-BE49-F238E27FC236}">
+                <a16:creationId xmlns:a16="http://schemas.microsoft.com/office/drawing/2014/main" id="{03B8654F-3D57-90EA-0FEB-155FDFBE97AC}"/>
               </a:ext>
             </a:extLst>
           </p:cNvPr>
           <p:cNvPicPr>
-            <a:picLocks noChangeAspect="1" noChangeArrowheads="1"/>
+            <a:picLocks noChangeAspect="1"/>
           </p:cNvPicPr>
           <p:nvPr/>
         </p:nvPicPr>
         <p:blipFill>
-          <a:blip r:embed="rId3">
-            <a:extLst>
-              <a:ext uri="{28A0092B-C50C-407E-A947-70E740481C1C}">
-                <a14:useLocalDpi xmlns:a14="http://schemas.microsoft.com/office/drawing/2010/main" val="0"/>
-              </a:ext>
-            </a:extLst>
-          </a:blip>
-          <a:srcRect/>
+          <a:blip r:embed="rId3"/>
           <a:stretch>
             <a:fillRect/>
           </a:stretch>
         </p:blipFill>
-        <p:spPr bwMode="auto">
+        <p:spPr>
           <a:xfrm>
-            <a:off x="785311" y="4664074"/>
-            <a:ext cx="2143125" cy="2143125"/>
+            <a:off x="6486236" y="2333914"/>
+            <a:ext cx="5334000" cy="4000500"/>
           </a:xfrm>
           <a:prstGeom prst="rect">
             <a:avLst/>
           </a:prstGeom>
-          <a:noFill/>
-          <a:extLst>
-            <a:ext uri="{909E8E84-426E-40DD-AFC4-6F175D3DCCD1}">
-              <a14:hiddenFill xmlns:a14="http://schemas.microsoft.com/office/drawing/2010/main">
-                <a:solidFill>
-                  <a:srgbClr val="FFFFFF"/>
-                </a:solidFill>
-              </a14:hiddenFill>
-            </a:ext>
-          </a:extLst>
         </p:spPr>
       </p:pic>
       <p:pic>
         <p:nvPicPr>
-          <p:cNvPr id="1030" name="Picture 6" descr="ironicmeme #ironic #png #sunglasses #emoji #smileyface - Ironic Meme Smiley  Face, Transparent Png - kindpng">
-            <a:extLst>
-              <a:ext uri="{FF2B5EF4-FFF2-40B4-BE49-F238E27FC236}">
-                <a16:creationId xmlns:a16="http://schemas.microsoft.com/office/drawing/2014/main" id="{4DECAEC0-ADCA-283C-C23E-C47A64197109}"/>
+          <p:cNvPr id="11" name="Picture 10">
+            <a:extLst>
+              <a:ext uri="{FF2B5EF4-FFF2-40B4-BE49-F238E27FC236}">
+                <a16:creationId xmlns:a16="http://schemas.microsoft.com/office/drawing/2014/main" id="{00344275-9B62-D778-C451-373AE86B893D}"/>
               </a:ext>
             </a:extLst>
           </p:cNvPr>
           <p:cNvPicPr>
-            <a:picLocks noChangeAspect="1" noChangeArrowheads="1"/>
+            <a:picLocks noChangeAspect="1"/>
           </p:cNvPicPr>
           <p:nvPr/>
         </p:nvPicPr>
         <p:blipFill>
-          <a:blip r:embed="rId4">
-            <a:extLst>
-              <a:ext uri="{28A0092B-C50C-407E-A947-70E740481C1C}">
-                <a14:useLocalDpi xmlns:a14="http://schemas.microsoft.com/office/drawing/2010/main" val="0"/>
-              </a:ext>
-            </a:extLst>
-          </a:blip>
-          <a:srcRect/>
+          <a:blip r:embed="rId4"/>
           <a:stretch>
             <a:fillRect/>
           </a:stretch>
         </p:blipFill>
-        <p:spPr bwMode="auto">
+        <p:spPr>
           <a:xfrm>
-            <a:off x="157162" y="305299"/>
-            <a:ext cx="3176587" cy="2228352"/>
+            <a:off x="4316054" y="410124"/>
+            <a:ext cx="3559891" cy="1235564"/>
           </a:xfrm>
           <a:prstGeom prst="rect">
             <a:avLst/>
           </a:prstGeom>
-          <a:noFill/>
-          <a:extLst>
-            <a:ext uri="{909E8E84-426E-40DD-AFC4-6F175D3DCCD1}">
-              <a14:hiddenFill xmlns:a14="http://schemas.microsoft.com/office/drawing/2010/main">
-                <a:solidFill>
-                  <a:srgbClr val="FFFFFF"/>
-                </a:solidFill>
-              </a14:hiddenFill>
-            </a:ext>
-          </a:extLst>
-        </p:spPr>
-      </p:pic>
-      <p:pic>
-        <p:nvPicPr>
-          <p:cNvPr id="4" name="Picture 2" descr="Cool America Ball Meme Generator - Imgflip">
-            <a:extLst>
-              <a:ext uri="{FF2B5EF4-FFF2-40B4-BE49-F238E27FC236}">
-                <a16:creationId xmlns:a16="http://schemas.microsoft.com/office/drawing/2014/main" id="{155C41B7-68E1-6708-4BF0-1C66EF74F1A3}"/>
-              </a:ext>
-            </a:extLst>
-          </p:cNvPr>
-          <p:cNvPicPr>
-            <a:picLocks noChangeAspect="1" noChangeArrowheads="1"/>
-          </p:cNvPicPr>
-          <p:nvPr/>
-        </p:nvPicPr>
-        <p:blipFill>
-          <a:blip r:embed="rId5">
-            <a:extLst>
-              <a:ext uri="{28A0092B-C50C-407E-A947-70E740481C1C}">
-                <a14:useLocalDpi xmlns:a14="http://schemas.microsoft.com/office/drawing/2010/main" val="0"/>
-              </a:ext>
-            </a:extLst>
-          </a:blip>
-          <a:srcRect/>
-          <a:stretch>
-            <a:fillRect/>
-          </a:stretch>
-        </p:blipFill>
-        <p:spPr bwMode="auto">
-          <a:xfrm>
-            <a:off x="8077199" y="4175705"/>
-            <a:ext cx="3895723" cy="2431153"/>
-          </a:xfrm>
-          <a:prstGeom prst="rect">
-            <a:avLst/>
-          </a:prstGeom>
-          <a:noFill/>
-          <a:extLst>
-            <a:ext uri="{909E8E84-426E-40DD-AFC4-6F175D3DCCD1}">
-              <a14:hiddenFill xmlns:a14="http://schemas.microsoft.com/office/drawing/2010/main">
-                <a:solidFill>
-                  <a:srgbClr val="FFFFFF"/>
-                </a:solidFill>
-              </a14:hiddenFill>
-            </a:ext>
-          </a:extLst>
         </p:spPr>
       </p:pic>
     </p:spTree>
     <p:extLst>
       <p:ext uri="{BB962C8B-B14F-4D97-AF65-F5344CB8AC3E}">
-        <p14:creationId xmlns:p14="http://schemas.microsoft.com/office/powerpoint/2010/main" val="1707578310"/>
+        <p14:creationId xmlns:p14="http://schemas.microsoft.com/office/powerpoint/2010/main" val="3813431044"/>
+      </p:ext>
+    </p:extLst>
+  </p:cSld>
+  <p:clrMapOvr>
+    <a:masterClrMapping/>
+  </p:clrMapOvr>
+</p:sld>
+</file>
+
+<file path=ppt/slides/slide11.xml><?xml version="1.0" encoding="utf-8"?>
+<p:sld xmlns:a="http://schemas.openxmlformats.org/drawingml/2006/main" xmlns:r="http://schemas.openxmlformats.org/officeDocument/2006/relationships" xmlns:p="http://schemas.openxmlformats.org/presentationml/2006/main">
+  <p:cSld>
+    <p:spTree>
+      <p:nvGrpSpPr>
+        <p:cNvPr id="1" name=""/>
+        <p:cNvGrpSpPr/>
+        <p:nvPr/>
+      </p:nvGrpSpPr>
+      <p:grpSpPr>
+        <a:xfrm>
+          <a:off x="0" y="0"/>
+          <a:ext cx="0" cy="0"/>
+          <a:chOff x="0" y="0"/>
+          <a:chExt cx="0" cy="0"/>
+        </a:xfrm>
+      </p:grpSpPr>
+      <p:sp>
+        <p:nvSpPr>
+          <p:cNvPr id="2" name="Title 1">
+            <a:extLst>
+              <a:ext uri="{FF2B5EF4-FFF2-40B4-BE49-F238E27FC236}">
+                <a16:creationId xmlns:a16="http://schemas.microsoft.com/office/drawing/2014/main" id="{47779500-2C47-AECC-19DB-5321B4B83295}"/>
+              </a:ext>
+            </a:extLst>
+          </p:cNvPr>
+          <p:cNvSpPr>
+            <a:spLocks noGrp="1"/>
+          </p:cNvSpPr>
+          <p:nvPr>
+            <p:ph type="ctrTitle"/>
+          </p:nvPr>
+        </p:nvSpPr>
+        <p:spPr/>
+        <p:txBody>
+          <a:bodyPr/>
+          <a:lstStyle/>
+          <a:p>
+            <a:r>
+              <a:rPr lang="en-US" dirty="0"/>
+              <a:t>OSY Problem</a:t>
+            </a:r>
+          </a:p>
+        </p:txBody>
+      </p:sp>
+      <p:sp>
+        <p:nvSpPr>
+          <p:cNvPr id="3" name="Subtitle 2">
+            <a:extLst>
+              <a:ext uri="{FF2B5EF4-FFF2-40B4-BE49-F238E27FC236}">
+                <a16:creationId xmlns:a16="http://schemas.microsoft.com/office/drawing/2014/main" id="{B6FBAECE-2BF7-C65C-95E1-573F8C3EA740}"/>
+              </a:ext>
+            </a:extLst>
+          </p:cNvPr>
+          <p:cNvSpPr>
+            <a:spLocks noGrp="1"/>
+          </p:cNvSpPr>
+          <p:nvPr>
+            <p:ph type="subTitle" idx="1"/>
+          </p:nvPr>
+        </p:nvSpPr>
+        <p:spPr/>
+        <p:txBody>
+          <a:bodyPr/>
+          <a:lstStyle/>
+          <a:p>
+            <a:endParaRPr lang="en-US"/>
+          </a:p>
+        </p:txBody>
+      </p:sp>
+      <p:sp>
+        <p:nvSpPr>
+          <p:cNvPr id="4" name="Oval 3">
+            <a:extLst>
+              <a:ext uri="{FF2B5EF4-FFF2-40B4-BE49-F238E27FC236}">
+                <a16:creationId xmlns:a16="http://schemas.microsoft.com/office/drawing/2014/main" id="{73C8BC2A-3A6F-69DB-416E-2DD73EC1F35C}"/>
+              </a:ext>
+            </a:extLst>
+          </p:cNvPr>
+          <p:cNvSpPr/>
+          <p:nvPr/>
+        </p:nvSpPr>
+        <p:spPr>
+          <a:xfrm>
+            <a:off x="2779363" y="2514600"/>
+            <a:ext cx="914400" cy="914400"/>
+          </a:xfrm>
+          <a:prstGeom prst="ellipse">
+            <a:avLst/>
+          </a:prstGeom>
+        </p:spPr>
+        <p:style>
+          <a:lnRef idx="2">
+            <a:schemeClr val="accent6">
+              <a:shade val="50000"/>
+            </a:schemeClr>
+          </a:lnRef>
+          <a:fillRef idx="1">
+            <a:schemeClr val="accent6"/>
+          </a:fillRef>
+          <a:effectRef idx="0">
+            <a:schemeClr val="accent6"/>
+          </a:effectRef>
+          <a:fontRef idx="minor">
+            <a:schemeClr val="lt1"/>
+          </a:fontRef>
+        </p:style>
+        <p:txBody>
+          <a:bodyPr rtlCol="0" anchor="ctr"/>
+          <a:lstStyle/>
+          <a:p>
+            <a:pPr algn="ctr"/>
+            <a:endParaRPr lang="en-US"/>
+          </a:p>
+        </p:txBody>
+      </p:sp>
+      <p:sp>
+        <p:nvSpPr>
+          <p:cNvPr id="5" name="Oval 4">
+            <a:extLst>
+              <a:ext uri="{FF2B5EF4-FFF2-40B4-BE49-F238E27FC236}">
+                <a16:creationId xmlns:a16="http://schemas.microsoft.com/office/drawing/2014/main" id="{E07C8F12-FD21-468F-0719-A4AE7F68A6D5}"/>
+              </a:ext>
+            </a:extLst>
+          </p:cNvPr>
+          <p:cNvSpPr/>
+          <p:nvPr/>
+        </p:nvSpPr>
+        <p:spPr>
+          <a:xfrm>
+            <a:off x="8498239" y="2514600"/>
+            <a:ext cx="914400" cy="914400"/>
+          </a:xfrm>
+          <a:prstGeom prst="ellipse">
+            <a:avLst/>
+          </a:prstGeom>
+        </p:spPr>
+        <p:style>
+          <a:lnRef idx="2">
+            <a:schemeClr val="accent6">
+              <a:shade val="50000"/>
+            </a:schemeClr>
+          </a:lnRef>
+          <a:fillRef idx="1">
+            <a:schemeClr val="accent6"/>
+          </a:fillRef>
+          <a:effectRef idx="0">
+            <a:schemeClr val="accent6"/>
+          </a:effectRef>
+          <a:fontRef idx="minor">
+            <a:schemeClr val="lt1"/>
+          </a:fontRef>
+        </p:style>
+        <p:txBody>
+          <a:bodyPr rtlCol="0" anchor="ctr"/>
+          <a:lstStyle/>
+          <a:p>
+            <a:pPr algn="ctr"/>
+            <a:endParaRPr lang="en-US"/>
+          </a:p>
+        </p:txBody>
+      </p:sp>
+    </p:spTree>
+    <p:extLst>
+      <p:ext uri="{BB962C8B-B14F-4D97-AF65-F5344CB8AC3E}">
+        <p14:creationId xmlns:p14="http://schemas.microsoft.com/office/powerpoint/2010/main" val="110650553"/>
+      </p:ext>
+    </p:extLst>
+  </p:cSld>
+  <p:clrMapOvr>
+    <a:masterClrMapping/>
+  </p:clrMapOvr>
+</p:sld>
+</file>
+
+<file path=ppt/slides/slide12.xml><?xml version="1.0" encoding="utf-8"?>
+<p:sld xmlns:a="http://schemas.openxmlformats.org/drawingml/2006/main" xmlns:r="http://schemas.openxmlformats.org/officeDocument/2006/relationships" xmlns:p="http://schemas.openxmlformats.org/presentationml/2006/main">
+  <p:cSld>
+    <p:spTree>
+      <p:nvGrpSpPr>
+        <p:cNvPr id="1" name=""/>
+        <p:cNvGrpSpPr/>
+        <p:nvPr/>
+      </p:nvGrpSpPr>
+      <p:grpSpPr>
+        <a:xfrm>
+          <a:off x="0" y="0"/>
+          <a:ext cx="0" cy="0"/>
+          <a:chOff x="0" y="0"/>
+          <a:chExt cx="0" cy="0"/>
+        </a:xfrm>
+      </p:grpSpPr>
+      <p:sp>
+        <p:nvSpPr>
+          <p:cNvPr id="2" name="Title 1">
+            <a:extLst>
+              <a:ext uri="{FF2B5EF4-FFF2-40B4-BE49-F238E27FC236}">
+                <a16:creationId xmlns:a16="http://schemas.microsoft.com/office/drawing/2014/main" id="{E57AC282-AE79-E73C-746E-F933B5FD1C90}"/>
+              </a:ext>
+            </a:extLst>
+          </p:cNvPr>
+          <p:cNvSpPr>
+            <a:spLocks noGrp="1"/>
+          </p:cNvSpPr>
+          <p:nvPr>
+            <p:ph type="title"/>
+          </p:nvPr>
+        </p:nvSpPr>
+        <p:spPr/>
+        <p:txBody>
+          <a:bodyPr/>
+          <a:lstStyle/>
+          <a:p>
+            <a:r>
+              <a:rPr lang="en-US" dirty="0"/>
+              <a:t>OSY</a:t>
+            </a:r>
+          </a:p>
+        </p:txBody>
+      </p:sp>
+      <p:sp>
+        <p:nvSpPr>
+          <p:cNvPr id="3" name="Content Placeholder 2">
+            <a:extLst>
+              <a:ext uri="{FF2B5EF4-FFF2-40B4-BE49-F238E27FC236}">
+                <a16:creationId xmlns:a16="http://schemas.microsoft.com/office/drawing/2014/main" id="{E812159A-57A4-33DC-302C-5C250D7041A2}"/>
+              </a:ext>
+            </a:extLst>
+          </p:cNvPr>
+          <p:cNvSpPr>
+            <a:spLocks noGrp="1"/>
+          </p:cNvSpPr>
+          <p:nvPr>
+            <p:ph idx="1"/>
+          </p:nvPr>
+        </p:nvSpPr>
+        <p:spPr>
+          <a:xfrm>
+            <a:off x="2823411" y="1786940"/>
+            <a:ext cx="1552575" cy="557212"/>
+          </a:xfrm>
+        </p:spPr>
+        <p:txBody>
+          <a:bodyPr/>
+          <a:lstStyle/>
+          <a:p>
+            <a:pPr marL="0" indent="0">
+              <a:buNone/>
+            </a:pPr>
+            <a:r>
+              <a:rPr lang="en-US" b="1" i="1" dirty="0"/>
+              <a:t>GOAL</a:t>
+            </a:r>
+          </a:p>
+        </p:txBody>
+      </p:sp>
+      <p:sp>
+        <p:nvSpPr>
+          <p:cNvPr id="10" name="Content Placeholder 2">
+            <a:extLst>
+              <a:ext uri="{FF2B5EF4-FFF2-40B4-BE49-F238E27FC236}">
+                <a16:creationId xmlns:a16="http://schemas.microsoft.com/office/drawing/2014/main" id="{FF7E7C8B-4021-2F8B-9656-FB3EC9A8A85E}"/>
+              </a:ext>
+            </a:extLst>
+          </p:cNvPr>
+          <p:cNvSpPr txBox="1">
+            <a:spLocks/>
+          </p:cNvSpPr>
+          <p:nvPr/>
+        </p:nvSpPr>
+        <p:spPr>
+          <a:xfrm>
+            <a:off x="8172450" y="1690688"/>
+            <a:ext cx="1552575" cy="557212"/>
+          </a:xfrm>
+          <a:prstGeom prst="rect">
+            <a:avLst/>
+          </a:prstGeom>
+        </p:spPr>
+        <p:txBody>
+          <a:bodyPr vert="horz" lIns="91440" tIns="45720" rIns="91440" bIns="45720" rtlCol="0">
+            <a:normAutofit/>
+          </a:bodyPr>
+          <a:lstStyle>
+            <a:lvl1pPr marL="228600" indent="-228600" algn="l" defTabSz="914400" rtl="0" eaLnBrk="1" latinLnBrk="0" hangingPunct="1">
+              <a:lnSpc>
+                <a:spcPct val="90000"/>
+              </a:lnSpc>
+              <a:spcBef>
+                <a:spcPts val="1000"/>
+              </a:spcBef>
+              <a:buFont typeface="Arial" panose="020B0604020202020204" pitchFamily="34" charset="0"/>
+              <a:buChar char="•"/>
+              <a:defRPr sz="2800" kern="1200">
+                <a:solidFill>
+                  <a:schemeClr val="tx1"/>
+                </a:solidFill>
+                <a:latin typeface="+mn-lt"/>
+                <a:ea typeface="+mn-ea"/>
+                <a:cs typeface="+mn-cs"/>
+              </a:defRPr>
+            </a:lvl1pPr>
+            <a:lvl2pPr marL="685800" indent="-228600" algn="l" defTabSz="914400" rtl="0" eaLnBrk="1" latinLnBrk="0" hangingPunct="1">
+              <a:lnSpc>
+                <a:spcPct val="90000"/>
+              </a:lnSpc>
+              <a:spcBef>
+                <a:spcPts val="500"/>
+              </a:spcBef>
+              <a:buFont typeface="Arial" panose="020B0604020202020204" pitchFamily="34" charset="0"/>
+              <a:buChar char="•"/>
+              <a:defRPr sz="2400" kern="1200">
+                <a:solidFill>
+                  <a:schemeClr val="tx1"/>
+                </a:solidFill>
+                <a:latin typeface="+mn-lt"/>
+                <a:ea typeface="+mn-ea"/>
+                <a:cs typeface="+mn-cs"/>
+              </a:defRPr>
+            </a:lvl2pPr>
+            <a:lvl3pPr marL="1143000" indent="-228600" algn="l" defTabSz="914400" rtl="0" eaLnBrk="1" latinLnBrk="0" hangingPunct="1">
+              <a:lnSpc>
+                <a:spcPct val="90000"/>
+              </a:lnSpc>
+              <a:spcBef>
+                <a:spcPts val="500"/>
+              </a:spcBef>
+              <a:buFont typeface="Arial" panose="020B0604020202020204" pitchFamily="34" charset="0"/>
+              <a:buChar char="•"/>
+              <a:defRPr sz="2000" kern="1200">
+                <a:solidFill>
+                  <a:schemeClr val="tx1"/>
+                </a:solidFill>
+                <a:latin typeface="+mn-lt"/>
+                <a:ea typeface="+mn-ea"/>
+                <a:cs typeface="+mn-cs"/>
+              </a:defRPr>
+            </a:lvl3pPr>
+            <a:lvl4pPr marL="1600200" indent="-228600" algn="l" defTabSz="914400" rtl="0" eaLnBrk="1" latinLnBrk="0" hangingPunct="1">
+              <a:lnSpc>
+                <a:spcPct val="90000"/>
+              </a:lnSpc>
+              <a:spcBef>
+                <a:spcPts val="500"/>
+              </a:spcBef>
+              <a:buFont typeface="Arial" panose="020B0604020202020204" pitchFamily="34" charset="0"/>
+              <a:buChar char="•"/>
+              <a:defRPr sz="1800" kern="1200">
+                <a:solidFill>
+                  <a:schemeClr val="tx1"/>
+                </a:solidFill>
+                <a:latin typeface="+mn-lt"/>
+                <a:ea typeface="+mn-ea"/>
+                <a:cs typeface="+mn-cs"/>
+              </a:defRPr>
+            </a:lvl4pPr>
+            <a:lvl5pPr marL="2057400" indent="-228600" algn="l" defTabSz="914400" rtl="0" eaLnBrk="1" latinLnBrk="0" hangingPunct="1">
+              <a:lnSpc>
+                <a:spcPct val="90000"/>
+              </a:lnSpc>
+              <a:spcBef>
+                <a:spcPts val="500"/>
+              </a:spcBef>
+              <a:buFont typeface="Arial" panose="020B0604020202020204" pitchFamily="34" charset="0"/>
+              <a:buChar char="•"/>
+              <a:defRPr sz="1800" kern="1200">
+                <a:solidFill>
+                  <a:schemeClr val="tx1"/>
+                </a:solidFill>
+                <a:latin typeface="+mn-lt"/>
+                <a:ea typeface="+mn-ea"/>
+                <a:cs typeface="+mn-cs"/>
+              </a:defRPr>
+            </a:lvl5pPr>
+            <a:lvl6pPr marL="2514600" indent="-228600" algn="l" defTabSz="914400" rtl="0" eaLnBrk="1" latinLnBrk="0" hangingPunct="1">
+              <a:lnSpc>
+                <a:spcPct val="90000"/>
+              </a:lnSpc>
+              <a:spcBef>
+                <a:spcPts val="500"/>
+              </a:spcBef>
+              <a:buFont typeface="Arial" panose="020B0604020202020204" pitchFamily="34" charset="0"/>
+              <a:buChar char="•"/>
+              <a:defRPr sz="1800" kern="1200">
+                <a:solidFill>
+                  <a:schemeClr val="tx1"/>
+                </a:solidFill>
+                <a:latin typeface="+mn-lt"/>
+                <a:ea typeface="+mn-ea"/>
+                <a:cs typeface="+mn-cs"/>
+              </a:defRPr>
+            </a:lvl6pPr>
+            <a:lvl7pPr marL="2971800" indent="-228600" algn="l" defTabSz="914400" rtl="0" eaLnBrk="1" latinLnBrk="0" hangingPunct="1">
+              <a:lnSpc>
+                <a:spcPct val="90000"/>
+              </a:lnSpc>
+              <a:spcBef>
+                <a:spcPts val="500"/>
+              </a:spcBef>
+              <a:buFont typeface="Arial" panose="020B0604020202020204" pitchFamily="34" charset="0"/>
+              <a:buChar char="•"/>
+              <a:defRPr sz="1800" kern="1200">
+                <a:solidFill>
+                  <a:schemeClr val="tx1"/>
+                </a:solidFill>
+                <a:latin typeface="+mn-lt"/>
+                <a:ea typeface="+mn-ea"/>
+                <a:cs typeface="+mn-cs"/>
+              </a:defRPr>
+            </a:lvl7pPr>
+            <a:lvl8pPr marL="3429000" indent="-228600" algn="l" defTabSz="914400" rtl="0" eaLnBrk="1" latinLnBrk="0" hangingPunct="1">
+              <a:lnSpc>
+                <a:spcPct val="90000"/>
+              </a:lnSpc>
+              <a:spcBef>
+                <a:spcPts val="500"/>
+              </a:spcBef>
+              <a:buFont typeface="Arial" panose="020B0604020202020204" pitchFamily="34" charset="0"/>
+              <a:buChar char="•"/>
+              <a:defRPr sz="1800" kern="1200">
+                <a:solidFill>
+                  <a:schemeClr val="tx1"/>
+                </a:solidFill>
+                <a:latin typeface="+mn-lt"/>
+                <a:ea typeface="+mn-ea"/>
+                <a:cs typeface="+mn-cs"/>
+              </a:defRPr>
+            </a:lvl8pPr>
+            <a:lvl9pPr marL="3886200" indent="-228600" algn="l" defTabSz="914400" rtl="0" eaLnBrk="1" latinLnBrk="0" hangingPunct="1">
+              <a:lnSpc>
+                <a:spcPct val="90000"/>
+              </a:lnSpc>
+              <a:spcBef>
+                <a:spcPts val="500"/>
+              </a:spcBef>
+              <a:buFont typeface="Arial" panose="020B0604020202020204" pitchFamily="34" charset="0"/>
+              <a:buChar char="•"/>
+              <a:defRPr sz="1800" kern="1200">
+                <a:solidFill>
+                  <a:schemeClr val="tx1"/>
+                </a:solidFill>
+                <a:latin typeface="+mn-lt"/>
+                <a:ea typeface="+mn-ea"/>
+                <a:cs typeface="+mn-cs"/>
+              </a:defRPr>
+            </a:lvl9pPr>
+          </a:lstStyle>
+          <a:p>
+            <a:pPr marL="0" indent="0">
+              <a:buFont typeface="Arial" panose="020B0604020202020204" pitchFamily="34" charset="0"/>
+              <a:buNone/>
+            </a:pPr>
+            <a:r>
+              <a:rPr lang="en-US" b="1" i="1" dirty="0"/>
+              <a:t>Achieved</a:t>
+            </a:r>
+          </a:p>
+        </p:txBody>
+      </p:sp>
+      <p:pic>
+        <p:nvPicPr>
+          <p:cNvPr id="5" name="Picture 4">
+            <a:extLst>
+              <a:ext uri="{FF2B5EF4-FFF2-40B4-BE49-F238E27FC236}">
+                <a16:creationId xmlns:a16="http://schemas.microsoft.com/office/drawing/2014/main" id="{96E846FB-A10B-4E81-9D0D-DB3D0CC8E4C7}"/>
+              </a:ext>
+            </a:extLst>
+          </p:cNvPr>
+          <p:cNvPicPr>
+            <a:picLocks noChangeAspect="1"/>
+          </p:cNvPicPr>
+          <p:nvPr/>
+        </p:nvPicPr>
+        <p:blipFill>
+          <a:blip r:embed="rId2"/>
+          <a:stretch>
+            <a:fillRect/>
+          </a:stretch>
+        </p:blipFill>
+        <p:spPr>
+          <a:xfrm>
+            <a:off x="1303875" y="2517839"/>
+            <a:ext cx="4246693" cy="3460622"/>
+          </a:xfrm>
+          <a:prstGeom prst="rect">
+            <a:avLst/>
+          </a:prstGeom>
+        </p:spPr>
+      </p:pic>
+      <p:pic>
+        <p:nvPicPr>
+          <p:cNvPr id="13" name="Picture 12">
+            <a:extLst>
+              <a:ext uri="{FF2B5EF4-FFF2-40B4-BE49-F238E27FC236}">
+                <a16:creationId xmlns:a16="http://schemas.microsoft.com/office/drawing/2014/main" id="{AD89310E-ECBD-6A82-EE5C-ED9B37158C42}"/>
+              </a:ext>
+            </a:extLst>
+          </p:cNvPr>
+          <p:cNvPicPr>
+            <a:picLocks noChangeAspect="1"/>
+          </p:cNvPicPr>
+          <p:nvPr/>
+        </p:nvPicPr>
+        <p:blipFill>
+          <a:blip r:embed="rId3"/>
+          <a:stretch>
+            <a:fillRect/>
+          </a:stretch>
+        </p:blipFill>
+        <p:spPr>
+          <a:xfrm>
+            <a:off x="6203196" y="2344152"/>
+            <a:ext cx="5334000" cy="4000500"/>
+          </a:xfrm>
+          <a:prstGeom prst="rect">
+            <a:avLst/>
+          </a:prstGeom>
+        </p:spPr>
+      </p:pic>
+    </p:spTree>
+    <p:extLst>
+      <p:ext uri="{BB962C8B-B14F-4D97-AF65-F5344CB8AC3E}">
+        <p14:creationId xmlns:p14="http://schemas.microsoft.com/office/powerpoint/2010/main" val="458469455"/>
+      </p:ext>
+    </p:extLst>
+  </p:cSld>
+  <p:clrMapOvr>
+    <a:masterClrMapping/>
+  </p:clrMapOvr>
+</p:sld>
+</file>
+
+<file path=ppt/slides/slide13.xml><?xml version="1.0" encoding="utf-8"?>
+<p:sld xmlns:a="http://schemas.openxmlformats.org/drawingml/2006/main" xmlns:r="http://schemas.openxmlformats.org/officeDocument/2006/relationships" xmlns:p="http://schemas.openxmlformats.org/presentationml/2006/main">
+  <p:cSld>
+    <p:spTree>
+      <p:nvGrpSpPr>
+        <p:cNvPr id="1" name=""/>
+        <p:cNvGrpSpPr/>
+        <p:nvPr/>
+      </p:nvGrpSpPr>
+      <p:grpSpPr>
+        <a:xfrm>
+          <a:off x="0" y="0"/>
+          <a:ext cx="0" cy="0"/>
+          <a:chOff x="0" y="0"/>
+          <a:chExt cx="0" cy="0"/>
+        </a:xfrm>
+      </p:grpSpPr>
+      <p:sp>
+        <p:nvSpPr>
+          <p:cNvPr id="2" name="Title 1">
+            <a:extLst>
+              <a:ext uri="{FF2B5EF4-FFF2-40B4-BE49-F238E27FC236}">
+                <a16:creationId xmlns:a16="http://schemas.microsoft.com/office/drawing/2014/main" id="{E57AC282-AE79-E73C-746E-F933B5FD1C90}"/>
+              </a:ext>
+            </a:extLst>
+          </p:cNvPr>
+          <p:cNvSpPr>
+            <a:spLocks noGrp="1"/>
+          </p:cNvSpPr>
+          <p:nvPr>
+            <p:ph type="title"/>
+          </p:nvPr>
+        </p:nvSpPr>
+        <p:spPr/>
+        <p:txBody>
+          <a:bodyPr/>
+          <a:lstStyle/>
+          <a:p>
+            <a:r>
+              <a:rPr lang="en-US" dirty="0"/>
+              <a:t>OSY</a:t>
+            </a:r>
+          </a:p>
+        </p:txBody>
+      </p:sp>
+      <p:pic>
+        <p:nvPicPr>
+          <p:cNvPr id="16" name="Picture 15">
+            <a:extLst>
+              <a:ext uri="{FF2B5EF4-FFF2-40B4-BE49-F238E27FC236}">
+                <a16:creationId xmlns:a16="http://schemas.microsoft.com/office/drawing/2014/main" id="{9D1715B3-3ED0-87BE-5A9E-265717D5839E}"/>
+              </a:ext>
+            </a:extLst>
+          </p:cNvPr>
+          <p:cNvPicPr>
+            <a:picLocks noChangeAspect="1"/>
+          </p:cNvPicPr>
+          <p:nvPr/>
+        </p:nvPicPr>
+        <p:blipFill>
+          <a:blip r:embed="rId2"/>
+          <a:stretch>
+            <a:fillRect/>
+          </a:stretch>
+        </p:blipFill>
+        <p:spPr>
+          <a:xfrm>
+            <a:off x="6096000" y="2344152"/>
+            <a:ext cx="5334000" cy="4000500"/>
+          </a:xfrm>
+          <a:prstGeom prst="rect">
+            <a:avLst/>
+          </a:prstGeom>
+        </p:spPr>
+      </p:pic>
+      <p:pic>
+        <p:nvPicPr>
+          <p:cNvPr id="17" name="Picture 16">
+            <a:extLst>
+              <a:ext uri="{FF2B5EF4-FFF2-40B4-BE49-F238E27FC236}">
+                <a16:creationId xmlns:a16="http://schemas.microsoft.com/office/drawing/2014/main" id="{6284975A-5680-8A78-2D57-207A85DD7239}"/>
+              </a:ext>
+            </a:extLst>
+          </p:cNvPr>
+          <p:cNvPicPr>
+            <a:picLocks noChangeAspect="1"/>
+          </p:cNvPicPr>
+          <p:nvPr/>
+        </p:nvPicPr>
+        <p:blipFill>
+          <a:blip r:embed="rId3"/>
+          <a:stretch>
+            <a:fillRect/>
+          </a:stretch>
+        </p:blipFill>
+        <p:spPr>
+          <a:xfrm>
+            <a:off x="838200" y="2568878"/>
+            <a:ext cx="5334000" cy="4000500"/>
+          </a:xfrm>
+          <a:prstGeom prst="rect">
+            <a:avLst/>
+          </a:prstGeom>
+        </p:spPr>
+      </p:pic>
+      <p:pic>
+        <p:nvPicPr>
+          <p:cNvPr id="19" name="Picture 18">
+            <a:extLst>
+              <a:ext uri="{FF2B5EF4-FFF2-40B4-BE49-F238E27FC236}">
+                <a16:creationId xmlns:a16="http://schemas.microsoft.com/office/drawing/2014/main" id="{CE137E5A-1988-B752-9F69-4A625252E52B}"/>
+              </a:ext>
+            </a:extLst>
+          </p:cNvPr>
+          <p:cNvPicPr>
+            <a:picLocks noChangeAspect="1"/>
+          </p:cNvPicPr>
+          <p:nvPr/>
+        </p:nvPicPr>
+        <p:blipFill>
+          <a:blip r:embed="rId4"/>
+          <a:stretch>
+            <a:fillRect/>
+          </a:stretch>
+        </p:blipFill>
+        <p:spPr>
+          <a:xfrm>
+            <a:off x="4835507" y="841976"/>
+            <a:ext cx="2573515" cy="848712"/>
+          </a:xfrm>
+          <a:prstGeom prst="rect">
+            <a:avLst/>
+          </a:prstGeom>
+        </p:spPr>
+      </p:pic>
+    </p:spTree>
+    <p:extLst>
+      <p:ext uri="{BB962C8B-B14F-4D97-AF65-F5344CB8AC3E}">
+        <p14:creationId xmlns:p14="http://schemas.microsoft.com/office/powerpoint/2010/main" val="1950434027"/>
+      </p:ext>
+    </p:extLst>
+  </p:cSld>
+  <p:clrMapOvr>
+    <a:masterClrMapping/>
+  </p:clrMapOvr>
+</p:sld>
+</file>
+
+<file path=ppt/slides/slide14.xml><?xml version="1.0" encoding="utf-8"?>
+<p:sld xmlns:a="http://schemas.openxmlformats.org/drawingml/2006/main" xmlns:r="http://schemas.openxmlformats.org/officeDocument/2006/relationships" xmlns:p="http://schemas.openxmlformats.org/presentationml/2006/main">
+  <p:cSld>
+    <p:spTree>
+      <p:nvGrpSpPr>
+        <p:cNvPr id="1" name=""/>
+        <p:cNvGrpSpPr/>
+        <p:nvPr/>
+      </p:nvGrpSpPr>
+      <p:grpSpPr>
+        <a:xfrm>
+          <a:off x="0" y="0"/>
+          <a:ext cx="0" cy="0"/>
+          <a:chOff x="0" y="0"/>
+          <a:chExt cx="0" cy="0"/>
+        </a:xfrm>
+      </p:grpSpPr>
+      <p:sp>
+        <p:nvSpPr>
+          <p:cNvPr id="2" name="Title 1">
+            <a:extLst>
+              <a:ext uri="{FF2B5EF4-FFF2-40B4-BE49-F238E27FC236}">
+                <a16:creationId xmlns:a16="http://schemas.microsoft.com/office/drawing/2014/main" id="{47779500-2C47-AECC-19DB-5321B4B83295}"/>
+              </a:ext>
+            </a:extLst>
+          </p:cNvPr>
+          <p:cNvSpPr>
+            <a:spLocks noGrp="1"/>
+          </p:cNvSpPr>
+          <p:nvPr>
+            <p:ph type="ctrTitle"/>
+          </p:nvPr>
+        </p:nvSpPr>
+        <p:spPr/>
+        <p:txBody>
+          <a:bodyPr/>
+          <a:lstStyle/>
+          <a:p>
+            <a:r>
+              <a:rPr lang="en-US" dirty="0"/>
+              <a:t>CTP Problem</a:t>
+            </a:r>
+          </a:p>
+        </p:txBody>
+      </p:sp>
+      <p:sp>
+        <p:nvSpPr>
+          <p:cNvPr id="3" name="Subtitle 2">
+            <a:extLst>
+              <a:ext uri="{FF2B5EF4-FFF2-40B4-BE49-F238E27FC236}">
+                <a16:creationId xmlns:a16="http://schemas.microsoft.com/office/drawing/2014/main" id="{B6FBAECE-2BF7-C65C-95E1-573F8C3EA740}"/>
+              </a:ext>
+            </a:extLst>
+          </p:cNvPr>
+          <p:cNvSpPr>
+            <a:spLocks noGrp="1"/>
+          </p:cNvSpPr>
+          <p:nvPr>
+            <p:ph type="subTitle" idx="1"/>
+          </p:nvPr>
+        </p:nvSpPr>
+        <p:spPr/>
+        <p:txBody>
+          <a:bodyPr/>
+          <a:lstStyle/>
+          <a:p>
+            <a:endParaRPr lang="en-US"/>
+          </a:p>
+        </p:txBody>
+      </p:sp>
+      <p:sp>
+        <p:nvSpPr>
+          <p:cNvPr id="4" name="Oval 3">
+            <a:extLst>
+              <a:ext uri="{FF2B5EF4-FFF2-40B4-BE49-F238E27FC236}">
+                <a16:creationId xmlns:a16="http://schemas.microsoft.com/office/drawing/2014/main" id="{4758BA59-2CCD-A4A0-B109-A22BFD8F6965}"/>
+              </a:ext>
+            </a:extLst>
+          </p:cNvPr>
+          <p:cNvSpPr/>
+          <p:nvPr/>
+        </p:nvSpPr>
+        <p:spPr>
+          <a:xfrm>
+            <a:off x="2779363" y="2514600"/>
+            <a:ext cx="914400" cy="914400"/>
+          </a:xfrm>
+          <a:prstGeom prst="ellipse">
+            <a:avLst/>
+          </a:prstGeom>
+        </p:spPr>
+        <p:style>
+          <a:lnRef idx="2">
+            <a:schemeClr val="accent6">
+              <a:shade val="50000"/>
+            </a:schemeClr>
+          </a:lnRef>
+          <a:fillRef idx="1">
+            <a:schemeClr val="accent6"/>
+          </a:fillRef>
+          <a:effectRef idx="0">
+            <a:schemeClr val="accent6"/>
+          </a:effectRef>
+          <a:fontRef idx="minor">
+            <a:schemeClr val="lt1"/>
+          </a:fontRef>
+        </p:style>
+        <p:txBody>
+          <a:bodyPr rtlCol="0" anchor="ctr"/>
+          <a:lstStyle/>
+          <a:p>
+            <a:pPr algn="ctr"/>
+            <a:endParaRPr lang="en-US"/>
+          </a:p>
+        </p:txBody>
+      </p:sp>
+      <p:sp>
+        <p:nvSpPr>
+          <p:cNvPr id="5" name="Oval 4">
+            <a:extLst>
+              <a:ext uri="{FF2B5EF4-FFF2-40B4-BE49-F238E27FC236}">
+                <a16:creationId xmlns:a16="http://schemas.microsoft.com/office/drawing/2014/main" id="{6D14A8AF-8021-AEC7-B0FC-F0ABE1CE0AA2}"/>
+              </a:ext>
+            </a:extLst>
+          </p:cNvPr>
+          <p:cNvSpPr/>
+          <p:nvPr/>
+        </p:nvSpPr>
+        <p:spPr>
+          <a:xfrm>
+            <a:off x="8498239" y="2514600"/>
+            <a:ext cx="914400" cy="914400"/>
+          </a:xfrm>
+          <a:prstGeom prst="ellipse">
+            <a:avLst/>
+          </a:prstGeom>
+        </p:spPr>
+        <p:style>
+          <a:lnRef idx="2">
+            <a:schemeClr val="accent6">
+              <a:shade val="50000"/>
+            </a:schemeClr>
+          </a:lnRef>
+          <a:fillRef idx="1">
+            <a:schemeClr val="accent6"/>
+          </a:fillRef>
+          <a:effectRef idx="0">
+            <a:schemeClr val="accent6"/>
+          </a:effectRef>
+          <a:fontRef idx="minor">
+            <a:schemeClr val="lt1"/>
+          </a:fontRef>
+        </p:style>
+        <p:txBody>
+          <a:bodyPr rtlCol="0" anchor="ctr"/>
+          <a:lstStyle/>
+          <a:p>
+            <a:pPr algn="ctr"/>
+            <a:endParaRPr lang="en-US"/>
+          </a:p>
+        </p:txBody>
+      </p:sp>
+    </p:spTree>
+    <p:extLst>
+      <p:ext uri="{BB962C8B-B14F-4D97-AF65-F5344CB8AC3E}">
+        <p14:creationId xmlns:p14="http://schemas.microsoft.com/office/powerpoint/2010/main" val="760749002"/>
+      </p:ext>
+    </p:extLst>
+  </p:cSld>
+  <p:clrMapOvr>
+    <a:masterClrMapping/>
+  </p:clrMapOvr>
+</p:sld>
+</file>
+
+<file path=ppt/slides/slide15.xml><?xml version="1.0" encoding="utf-8"?>
+<p:sld xmlns:a="http://schemas.openxmlformats.org/drawingml/2006/main" xmlns:r="http://schemas.openxmlformats.org/officeDocument/2006/relationships" xmlns:p="http://schemas.openxmlformats.org/presentationml/2006/main">
+  <p:cSld>
+    <p:spTree>
+      <p:nvGrpSpPr>
+        <p:cNvPr id="1" name=""/>
+        <p:cNvGrpSpPr/>
+        <p:nvPr/>
+      </p:nvGrpSpPr>
+      <p:grpSpPr>
+        <a:xfrm>
+          <a:off x="0" y="0"/>
+          <a:ext cx="0" cy="0"/>
+          <a:chOff x="0" y="0"/>
+          <a:chExt cx="0" cy="0"/>
+        </a:xfrm>
+      </p:grpSpPr>
+      <p:sp>
+        <p:nvSpPr>
+          <p:cNvPr id="2" name="Title 1">
+            <a:extLst>
+              <a:ext uri="{FF2B5EF4-FFF2-40B4-BE49-F238E27FC236}">
+                <a16:creationId xmlns:a16="http://schemas.microsoft.com/office/drawing/2014/main" id="{E57AC282-AE79-E73C-746E-F933B5FD1C90}"/>
+              </a:ext>
+            </a:extLst>
+          </p:cNvPr>
+          <p:cNvSpPr>
+            <a:spLocks noGrp="1"/>
+          </p:cNvSpPr>
+          <p:nvPr>
+            <p:ph type="title"/>
+          </p:nvPr>
+        </p:nvSpPr>
+        <p:spPr/>
+        <p:txBody>
+          <a:bodyPr/>
+          <a:lstStyle/>
+          <a:p>
+            <a:r>
+              <a:rPr lang="en-US" dirty="0"/>
+              <a:t>CTP</a:t>
+            </a:r>
+          </a:p>
+        </p:txBody>
+      </p:sp>
+      <p:sp>
+        <p:nvSpPr>
+          <p:cNvPr id="3" name="Content Placeholder 2">
+            <a:extLst>
+              <a:ext uri="{FF2B5EF4-FFF2-40B4-BE49-F238E27FC236}">
+                <a16:creationId xmlns:a16="http://schemas.microsoft.com/office/drawing/2014/main" id="{E812159A-57A4-33DC-302C-5C250D7041A2}"/>
+              </a:ext>
+            </a:extLst>
+          </p:cNvPr>
+          <p:cNvSpPr>
+            <a:spLocks noGrp="1"/>
+          </p:cNvSpPr>
+          <p:nvPr>
+            <p:ph idx="1"/>
+          </p:nvPr>
+        </p:nvSpPr>
+        <p:spPr>
+          <a:xfrm>
+            <a:off x="3200400" y="1690688"/>
+            <a:ext cx="1552575" cy="557212"/>
+          </a:xfrm>
+        </p:spPr>
+        <p:txBody>
+          <a:bodyPr/>
+          <a:lstStyle/>
+          <a:p>
+            <a:pPr marL="0" indent="0">
+              <a:buNone/>
+            </a:pPr>
+            <a:r>
+              <a:rPr lang="en-US" b="1" i="1" dirty="0"/>
+              <a:t>GOAL</a:t>
+            </a:r>
+          </a:p>
+        </p:txBody>
+      </p:sp>
+      <p:sp>
+        <p:nvSpPr>
+          <p:cNvPr id="10" name="Content Placeholder 2">
+            <a:extLst>
+              <a:ext uri="{FF2B5EF4-FFF2-40B4-BE49-F238E27FC236}">
+                <a16:creationId xmlns:a16="http://schemas.microsoft.com/office/drawing/2014/main" id="{FF7E7C8B-4021-2F8B-9656-FB3EC9A8A85E}"/>
+              </a:ext>
+            </a:extLst>
+          </p:cNvPr>
+          <p:cNvSpPr txBox="1">
+            <a:spLocks/>
+          </p:cNvSpPr>
+          <p:nvPr/>
+        </p:nvSpPr>
+        <p:spPr>
+          <a:xfrm>
+            <a:off x="8172450" y="1690688"/>
+            <a:ext cx="1552575" cy="557212"/>
+          </a:xfrm>
+          <a:prstGeom prst="rect">
+            <a:avLst/>
+          </a:prstGeom>
+        </p:spPr>
+        <p:txBody>
+          <a:bodyPr vert="horz" lIns="91440" tIns="45720" rIns="91440" bIns="45720" rtlCol="0">
+            <a:normAutofit/>
+          </a:bodyPr>
+          <a:lstStyle>
+            <a:lvl1pPr marL="228600" indent="-228600" algn="l" defTabSz="914400" rtl="0" eaLnBrk="1" latinLnBrk="0" hangingPunct="1">
+              <a:lnSpc>
+                <a:spcPct val="90000"/>
+              </a:lnSpc>
+              <a:spcBef>
+                <a:spcPts val="1000"/>
+              </a:spcBef>
+              <a:buFont typeface="Arial" panose="020B0604020202020204" pitchFamily="34" charset="0"/>
+              <a:buChar char="•"/>
+              <a:defRPr sz="2800" kern="1200">
+                <a:solidFill>
+                  <a:schemeClr val="tx1"/>
+                </a:solidFill>
+                <a:latin typeface="+mn-lt"/>
+                <a:ea typeface="+mn-ea"/>
+                <a:cs typeface="+mn-cs"/>
+              </a:defRPr>
+            </a:lvl1pPr>
+            <a:lvl2pPr marL="685800" indent="-228600" algn="l" defTabSz="914400" rtl="0" eaLnBrk="1" latinLnBrk="0" hangingPunct="1">
+              <a:lnSpc>
+                <a:spcPct val="90000"/>
+              </a:lnSpc>
+              <a:spcBef>
+                <a:spcPts val="500"/>
+              </a:spcBef>
+              <a:buFont typeface="Arial" panose="020B0604020202020204" pitchFamily="34" charset="0"/>
+              <a:buChar char="•"/>
+              <a:defRPr sz="2400" kern="1200">
+                <a:solidFill>
+                  <a:schemeClr val="tx1"/>
+                </a:solidFill>
+                <a:latin typeface="+mn-lt"/>
+                <a:ea typeface="+mn-ea"/>
+                <a:cs typeface="+mn-cs"/>
+              </a:defRPr>
+            </a:lvl2pPr>
+            <a:lvl3pPr marL="1143000" indent="-228600" algn="l" defTabSz="914400" rtl="0" eaLnBrk="1" latinLnBrk="0" hangingPunct="1">
+              <a:lnSpc>
+                <a:spcPct val="90000"/>
+              </a:lnSpc>
+              <a:spcBef>
+                <a:spcPts val="500"/>
+              </a:spcBef>
+              <a:buFont typeface="Arial" panose="020B0604020202020204" pitchFamily="34" charset="0"/>
+              <a:buChar char="•"/>
+              <a:defRPr sz="2000" kern="1200">
+                <a:solidFill>
+                  <a:schemeClr val="tx1"/>
+                </a:solidFill>
+                <a:latin typeface="+mn-lt"/>
+                <a:ea typeface="+mn-ea"/>
+                <a:cs typeface="+mn-cs"/>
+              </a:defRPr>
+            </a:lvl3pPr>
+            <a:lvl4pPr marL="1600200" indent="-228600" algn="l" defTabSz="914400" rtl="0" eaLnBrk="1" latinLnBrk="0" hangingPunct="1">
+              <a:lnSpc>
+                <a:spcPct val="90000"/>
+              </a:lnSpc>
+              <a:spcBef>
+                <a:spcPts val="500"/>
+              </a:spcBef>
+              <a:buFont typeface="Arial" panose="020B0604020202020204" pitchFamily="34" charset="0"/>
+              <a:buChar char="•"/>
+              <a:defRPr sz="1800" kern="1200">
+                <a:solidFill>
+                  <a:schemeClr val="tx1"/>
+                </a:solidFill>
+                <a:latin typeface="+mn-lt"/>
+                <a:ea typeface="+mn-ea"/>
+                <a:cs typeface="+mn-cs"/>
+              </a:defRPr>
+            </a:lvl4pPr>
+            <a:lvl5pPr marL="2057400" indent="-228600" algn="l" defTabSz="914400" rtl="0" eaLnBrk="1" latinLnBrk="0" hangingPunct="1">
+              <a:lnSpc>
+                <a:spcPct val="90000"/>
+              </a:lnSpc>
+              <a:spcBef>
+                <a:spcPts val="500"/>
+              </a:spcBef>
+              <a:buFont typeface="Arial" panose="020B0604020202020204" pitchFamily="34" charset="0"/>
+              <a:buChar char="•"/>
+              <a:defRPr sz="1800" kern="1200">
+                <a:solidFill>
+                  <a:schemeClr val="tx1"/>
+                </a:solidFill>
+                <a:latin typeface="+mn-lt"/>
+                <a:ea typeface="+mn-ea"/>
+                <a:cs typeface="+mn-cs"/>
+              </a:defRPr>
+            </a:lvl5pPr>
+            <a:lvl6pPr marL="2514600" indent="-228600" algn="l" defTabSz="914400" rtl="0" eaLnBrk="1" latinLnBrk="0" hangingPunct="1">
+              <a:lnSpc>
+                <a:spcPct val="90000"/>
+              </a:lnSpc>
+              <a:spcBef>
+                <a:spcPts val="500"/>
+              </a:spcBef>
+              <a:buFont typeface="Arial" panose="020B0604020202020204" pitchFamily="34" charset="0"/>
+              <a:buChar char="•"/>
+              <a:defRPr sz="1800" kern="1200">
+                <a:solidFill>
+                  <a:schemeClr val="tx1"/>
+                </a:solidFill>
+                <a:latin typeface="+mn-lt"/>
+                <a:ea typeface="+mn-ea"/>
+                <a:cs typeface="+mn-cs"/>
+              </a:defRPr>
+            </a:lvl6pPr>
+            <a:lvl7pPr marL="2971800" indent="-228600" algn="l" defTabSz="914400" rtl="0" eaLnBrk="1" latinLnBrk="0" hangingPunct="1">
+              <a:lnSpc>
+                <a:spcPct val="90000"/>
+              </a:lnSpc>
+              <a:spcBef>
+                <a:spcPts val="500"/>
+              </a:spcBef>
+              <a:buFont typeface="Arial" panose="020B0604020202020204" pitchFamily="34" charset="0"/>
+              <a:buChar char="•"/>
+              <a:defRPr sz="1800" kern="1200">
+                <a:solidFill>
+                  <a:schemeClr val="tx1"/>
+                </a:solidFill>
+                <a:latin typeface="+mn-lt"/>
+                <a:ea typeface="+mn-ea"/>
+                <a:cs typeface="+mn-cs"/>
+              </a:defRPr>
+            </a:lvl7pPr>
+            <a:lvl8pPr marL="3429000" indent="-228600" algn="l" defTabSz="914400" rtl="0" eaLnBrk="1" latinLnBrk="0" hangingPunct="1">
+              <a:lnSpc>
+                <a:spcPct val="90000"/>
+              </a:lnSpc>
+              <a:spcBef>
+                <a:spcPts val="500"/>
+              </a:spcBef>
+              <a:buFont typeface="Arial" panose="020B0604020202020204" pitchFamily="34" charset="0"/>
+              <a:buChar char="•"/>
+              <a:defRPr sz="1800" kern="1200">
+                <a:solidFill>
+                  <a:schemeClr val="tx1"/>
+                </a:solidFill>
+                <a:latin typeface="+mn-lt"/>
+                <a:ea typeface="+mn-ea"/>
+                <a:cs typeface="+mn-cs"/>
+              </a:defRPr>
+            </a:lvl8pPr>
+            <a:lvl9pPr marL="3886200" indent="-228600" algn="l" defTabSz="914400" rtl="0" eaLnBrk="1" latinLnBrk="0" hangingPunct="1">
+              <a:lnSpc>
+                <a:spcPct val="90000"/>
+              </a:lnSpc>
+              <a:spcBef>
+                <a:spcPts val="500"/>
+              </a:spcBef>
+              <a:buFont typeface="Arial" panose="020B0604020202020204" pitchFamily="34" charset="0"/>
+              <a:buChar char="•"/>
+              <a:defRPr sz="1800" kern="1200">
+                <a:solidFill>
+                  <a:schemeClr val="tx1"/>
+                </a:solidFill>
+                <a:latin typeface="+mn-lt"/>
+                <a:ea typeface="+mn-ea"/>
+                <a:cs typeface="+mn-cs"/>
+              </a:defRPr>
+            </a:lvl9pPr>
+          </a:lstStyle>
+          <a:p>
+            <a:pPr marL="0" indent="0">
+              <a:buFont typeface="Arial" panose="020B0604020202020204" pitchFamily="34" charset="0"/>
+              <a:buNone/>
+            </a:pPr>
+            <a:r>
+              <a:rPr lang="en-US" b="1" i="1" dirty="0"/>
+              <a:t>Achieved</a:t>
+            </a:r>
+          </a:p>
+        </p:txBody>
+      </p:sp>
+      <p:pic>
+        <p:nvPicPr>
+          <p:cNvPr id="5" name="Picture 4">
+            <a:extLst>
+              <a:ext uri="{FF2B5EF4-FFF2-40B4-BE49-F238E27FC236}">
+                <a16:creationId xmlns:a16="http://schemas.microsoft.com/office/drawing/2014/main" id="{DB6703AB-3C4E-328C-1116-E4AD6E07A340}"/>
+              </a:ext>
+            </a:extLst>
+          </p:cNvPr>
+          <p:cNvPicPr>
+            <a:picLocks noChangeAspect="1"/>
+          </p:cNvPicPr>
+          <p:nvPr/>
+        </p:nvPicPr>
+        <p:blipFill>
+          <a:blip r:embed="rId2"/>
+          <a:stretch>
+            <a:fillRect/>
+          </a:stretch>
+        </p:blipFill>
+        <p:spPr>
+          <a:xfrm>
+            <a:off x="669758" y="2646947"/>
+            <a:ext cx="4907547" cy="3680660"/>
+          </a:xfrm>
+          <a:prstGeom prst="rect">
+            <a:avLst/>
+          </a:prstGeom>
+        </p:spPr>
+      </p:pic>
+      <p:pic>
+        <p:nvPicPr>
+          <p:cNvPr id="13" name="Picture 12">
+            <a:extLst>
+              <a:ext uri="{FF2B5EF4-FFF2-40B4-BE49-F238E27FC236}">
+                <a16:creationId xmlns:a16="http://schemas.microsoft.com/office/drawing/2014/main" id="{71E85090-4581-B54B-FE64-FD690573799D}"/>
+              </a:ext>
+            </a:extLst>
+          </p:cNvPr>
+          <p:cNvPicPr>
+            <a:picLocks noChangeAspect="1"/>
+          </p:cNvPicPr>
+          <p:nvPr/>
+        </p:nvPicPr>
+        <p:blipFill>
+          <a:blip r:embed="rId3"/>
+          <a:stretch>
+            <a:fillRect/>
+          </a:stretch>
+        </p:blipFill>
+        <p:spPr>
+          <a:xfrm>
+            <a:off x="5821218" y="2492375"/>
+            <a:ext cx="5334000" cy="4000500"/>
+          </a:xfrm>
+          <a:prstGeom prst="rect">
+            <a:avLst/>
+          </a:prstGeom>
+        </p:spPr>
+      </p:pic>
+    </p:spTree>
+    <p:extLst>
+      <p:ext uri="{BB962C8B-B14F-4D97-AF65-F5344CB8AC3E}">
+        <p14:creationId xmlns:p14="http://schemas.microsoft.com/office/powerpoint/2010/main" val="447862375"/>
+      </p:ext>
+    </p:extLst>
+  </p:cSld>
+  <p:clrMapOvr>
+    <a:masterClrMapping/>
+  </p:clrMapOvr>
+</p:sld>
+</file>
+
+<file path=ppt/slides/slide16.xml><?xml version="1.0" encoding="utf-8"?>
+<p:sld xmlns:a="http://schemas.openxmlformats.org/drawingml/2006/main" xmlns:r="http://schemas.openxmlformats.org/officeDocument/2006/relationships" xmlns:p="http://schemas.openxmlformats.org/presentationml/2006/main">
+  <p:cSld>
+    <p:spTree>
+      <p:nvGrpSpPr>
+        <p:cNvPr id="1" name=""/>
+        <p:cNvGrpSpPr/>
+        <p:nvPr/>
+      </p:nvGrpSpPr>
+      <p:grpSpPr>
+        <a:xfrm>
+          <a:off x="0" y="0"/>
+          <a:ext cx="0" cy="0"/>
+          <a:chOff x="0" y="0"/>
+          <a:chExt cx="0" cy="0"/>
+        </a:xfrm>
+      </p:grpSpPr>
+      <p:sp>
+        <p:nvSpPr>
+          <p:cNvPr id="2" name="Title 1">
+            <a:extLst>
+              <a:ext uri="{FF2B5EF4-FFF2-40B4-BE49-F238E27FC236}">
+                <a16:creationId xmlns:a16="http://schemas.microsoft.com/office/drawing/2014/main" id="{E57AC282-AE79-E73C-746E-F933B5FD1C90}"/>
+              </a:ext>
+            </a:extLst>
+          </p:cNvPr>
+          <p:cNvSpPr>
+            <a:spLocks noGrp="1"/>
+          </p:cNvSpPr>
+          <p:nvPr>
+            <p:ph type="title"/>
+          </p:nvPr>
+        </p:nvSpPr>
+        <p:spPr/>
+        <p:txBody>
+          <a:bodyPr/>
+          <a:lstStyle/>
+          <a:p>
+            <a:r>
+              <a:rPr lang="en-US" dirty="0"/>
+              <a:t>CTP</a:t>
+            </a:r>
+          </a:p>
+        </p:txBody>
+      </p:sp>
+      <p:pic>
+        <p:nvPicPr>
+          <p:cNvPr id="14" name="Picture 13">
+            <a:extLst>
+              <a:ext uri="{FF2B5EF4-FFF2-40B4-BE49-F238E27FC236}">
+                <a16:creationId xmlns:a16="http://schemas.microsoft.com/office/drawing/2014/main" id="{659A1104-0ACB-64E0-3633-F85F2CE83FB1}"/>
+              </a:ext>
+            </a:extLst>
+          </p:cNvPr>
+          <p:cNvPicPr>
+            <a:picLocks noChangeAspect="1"/>
+          </p:cNvPicPr>
+          <p:nvPr/>
+        </p:nvPicPr>
+        <p:blipFill>
+          <a:blip r:embed="rId2"/>
+          <a:stretch>
+            <a:fillRect/>
+          </a:stretch>
+        </p:blipFill>
+        <p:spPr>
+          <a:xfrm>
+            <a:off x="533400" y="2609851"/>
+            <a:ext cx="5334000" cy="4000500"/>
+          </a:xfrm>
+          <a:prstGeom prst="rect">
+            <a:avLst/>
+          </a:prstGeom>
+        </p:spPr>
+      </p:pic>
+      <p:pic>
+        <p:nvPicPr>
+          <p:cNvPr id="16" name="Picture 15">
+            <a:extLst>
+              <a:ext uri="{FF2B5EF4-FFF2-40B4-BE49-F238E27FC236}">
+                <a16:creationId xmlns:a16="http://schemas.microsoft.com/office/drawing/2014/main" id="{A63C02FC-2708-C9EB-5B94-424D97EBA438}"/>
+              </a:ext>
+            </a:extLst>
+          </p:cNvPr>
+          <p:cNvPicPr>
+            <a:picLocks noChangeAspect="1"/>
+          </p:cNvPicPr>
+          <p:nvPr/>
+        </p:nvPicPr>
+        <p:blipFill>
+          <a:blip r:embed="rId3"/>
+          <a:stretch>
+            <a:fillRect/>
+          </a:stretch>
+        </p:blipFill>
+        <p:spPr>
+          <a:xfrm>
+            <a:off x="6281737" y="2609851"/>
+            <a:ext cx="5334000" cy="4000500"/>
+          </a:xfrm>
+          <a:prstGeom prst="rect">
+            <a:avLst/>
+          </a:prstGeom>
+        </p:spPr>
+      </p:pic>
+      <p:pic>
+        <p:nvPicPr>
+          <p:cNvPr id="18" name="Picture 17">
+            <a:extLst>
+              <a:ext uri="{FF2B5EF4-FFF2-40B4-BE49-F238E27FC236}">
+                <a16:creationId xmlns:a16="http://schemas.microsoft.com/office/drawing/2014/main" id="{21ED59E8-75BB-4714-19F7-B29422B019E4}"/>
+              </a:ext>
+            </a:extLst>
+          </p:cNvPr>
+          <p:cNvPicPr>
+            <a:picLocks noChangeAspect="1"/>
+          </p:cNvPicPr>
+          <p:nvPr/>
+        </p:nvPicPr>
+        <p:blipFill>
+          <a:blip r:embed="rId4"/>
+          <a:stretch>
+            <a:fillRect/>
+          </a:stretch>
+        </p:blipFill>
+        <p:spPr>
+          <a:xfrm>
+            <a:off x="4350771" y="693273"/>
+            <a:ext cx="3490457" cy="1080109"/>
+          </a:xfrm>
+          <a:prstGeom prst="rect">
+            <a:avLst/>
+          </a:prstGeom>
+        </p:spPr>
+      </p:pic>
+    </p:spTree>
+    <p:extLst>
+      <p:ext uri="{BB962C8B-B14F-4D97-AF65-F5344CB8AC3E}">
+        <p14:creationId xmlns:p14="http://schemas.microsoft.com/office/powerpoint/2010/main" val="3567544625"/>
+      </p:ext>
+    </p:extLst>
+  </p:cSld>
+  <p:clrMapOvr>
+    <a:masterClrMapping/>
+  </p:clrMapOvr>
+</p:sld>
+</file>
+
+<file path=ppt/slides/slide17.xml><?xml version="1.0" encoding="utf-8"?>
+<p:sld xmlns:a="http://schemas.openxmlformats.org/drawingml/2006/main" xmlns:r="http://schemas.openxmlformats.org/officeDocument/2006/relationships" xmlns:p="http://schemas.openxmlformats.org/presentationml/2006/main">
+  <p:cSld>
+    <p:spTree>
+      <p:nvGrpSpPr>
+        <p:cNvPr id="1" name=""/>
+        <p:cNvGrpSpPr/>
+        <p:nvPr/>
+      </p:nvGrpSpPr>
+      <p:grpSpPr>
+        <a:xfrm>
+          <a:off x="0" y="0"/>
+          <a:ext cx="0" cy="0"/>
+          <a:chOff x="0" y="0"/>
+          <a:chExt cx="0" cy="0"/>
+        </a:xfrm>
+      </p:grpSpPr>
+      <p:sp>
+        <p:nvSpPr>
+          <p:cNvPr id="2" name="Title 1">
+            <a:extLst>
+              <a:ext uri="{FF2B5EF4-FFF2-40B4-BE49-F238E27FC236}">
+                <a16:creationId xmlns:a16="http://schemas.microsoft.com/office/drawing/2014/main" id="{47779500-2C47-AECC-19DB-5321B4B83295}"/>
+              </a:ext>
+            </a:extLst>
+          </p:cNvPr>
+          <p:cNvSpPr>
+            <a:spLocks noGrp="1"/>
+          </p:cNvSpPr>
+          <p:nvPr>
+            <p:ph type="ctrTitle"/>
+          </p:nvPr>
+        </p:nvSpPr>
+        <p:spPr/>
+        <p:txBody>
+          <a:bodyPr/>
+          <a:lstStyle/>
+          <a:p>
+            <a:r>
+              <a:rPr lang="en-US" dirty="0"/>
+              <a:t>TNK Problem</a:t>
+            </a:r>
+          </a:p>
+        </p:txBody>
+      </p:sp>
+      <p:sp>
+        <p:nvSpPr>
+          <p:cNvPr id="3" name="Subtitle 2">
+            <a:extLst>
+              <a:ext uri="{FF2B5EF4-FFF2-40B4-BE49-F238E27FC236}">
+                <a16:creationId xmlns:a16="http://schemas.microsoft.com/office/drawing/2014/main" id="{B6FBAECE-2BF7-C65C-95E1-573F8C3EA740}"/>
+              </a:ext>
+            </a:extLst>
+          </p:cNvPr>
+          <p:cNvSpPr>
+            <a:spLocks noGrp="1"/>
+          </p:cNvSpPr>
+          <p:nvPr>
+            <p:ph type="subTitle" idx="1"/>
+          </p:nvPr>
+        </p:nvSpPr>
+        <p:spPr/>
+        <p:txBody>
+          <a:bodyPr/>
+          <a:lstStyle/>
+          <a:p>
+            <a:endParaRPr lang="en-US" dirty="0"/>
+          </a:p>
+        </p:txBody>
+      </p:sp>
+      <p:sp>
+        <p:nvSpPr>
+          <p:cNvPr id="4" name="Oval 3">
+            <a:extLst>
+              <a:ext uri="{FF2B5EF4-FFF2-40B4-BE49-F238E27FC236}">
+                <a16:creationId xmlns:a16="http://schemas.microsoft.com/office/drawing/2014/main" id="{F96E6887-8BE0-8BFE-DBE8-9D7C4A41A1AB}"/>
+              </a:ext>
+            </a:extLst>
+          </p:cNvPr>
+          <p:cNvSpPr/>
+          <p:nvPr/>
+        </p:nvSpPr>
+        <p:spPr>
+          <a:xfrm>
+            <a:off x="2779363" y="2514600"/>
+            <a:ext cx="914400" cy="914400"/>
+          </a:xfrm>
+          <a:prstGeom prst="ellipse">
+            <a:avLst/>
+          </a:prstGeom>
+        </p:spPr>
+        <p:style>
+          <a:lnRef idx="2">
+            <a:schemeClr val="accent6">
+              <a:shade val="50000"/>
+            </a:schemeClr>
+          </a:lnRef>
+          <a:fillRef idx="1">
+            <a:schemeClr val="accent6"/>
+          </a:fillRef>
+          <a:effectRef idx="0">
+            <a:schemeClr val="accent6"/>
+          </a:effectRef>
+          <a:fontRef idx="minor">
+            <a:schemeClr val="lt1"/>
+          </a:fontRef>
+        </p:style>
+        <p:txBody>
+          <a:bodyPr rtlCol="0" anchor="ctr"/>
+          <a:lstStyle/>
+          <a:p>
+            <a:pPr algn="ctr"/>
+            <a:endParaRPr lang="en-US"/>
+          </a:p>
+        </p:txBody>
+      </p:sp>
+      <p:sp>
+        <p:nvSpPr>
+          <p:cNvPr id="5" name="Oval 4">
+            <a:extLst>
+              <a:ext uri="{FF2B5EF4-FFF2-40B4-BE49-F238E27FC236}">
+                <a16:creationId xmlns:a16="http://schemas.microsoft.com/office/drawing/2014/main" id="{17B5EA0D-7CC2-225D-489A-DB27BD348CDB}"/>
+              </a:ext>
+            </a:extLst>
+          </p:cNvPr>
+          <p:cNvSpPr/>
+          <p:nvPr/>
+        </p:nvSpPr>
+        <p:spPr>
+          <a:xfrm>
+            <a:off x="8498237" y="2595563"/>
+            <a:ext cx="914400" cy="914400"/>
+          </a:xfrm>
+          <a:prstGeom prst="ellipse">
+            <a:avLst/>
+          </a:prstGeom>
+        </p:spPr>
+        <p:style>
+          <a:lnRef idx="2">
+            <a:schemeClr val="accent6">
+              <a:shade val="50000"/>
+            </a:schemeClr>
+          </a:lnRef>
+          <a:fillRef idx="1">
+            <a:schemeClr val="accent6"/>
+          </a:fillRef>
+          <a:effectRef idx="0">
+            <a:schemeClr val="accent6"/>
+          </a:effectRef>
+          <a:fontRef idx="minor">
+            <a:schemeClr val="lt1"/>
+          </a:fontRef>
+        </p:style>
+        <p:txBody>
+          <a:bodyPr rtlCol="0" anchor="ctr"/>
+          <a:lstStyle/>
+          <a:p>
+            <a:pPr algn="ctr"/>
+            <a:endParaRPr lang="en-US"/>
+          </a:p>
+        </p:txBody>
+      </p:sp>
+    </p:spTree>
+    <p:extLst>
+      <p:ext uri="{BB962C8B-B14F-4D97-AF65-F5344CB8AC3E}">
+        <p14:creationId xmlns:p14="http://schemas.microsoft.com/office/powerpoint/2010/main" val="3313275241"/>
+      </p:ext>
+    </p:extLst>
+  </p:cSld>
+  <p:clrMapOvr>
+    <a:masterClrMapping/>
+  </p:clrMapOvr>
+</p:sld>
+</file>
+
+<file path=ppt/slides/slide18.xml><?xml version="1.0" encoding="utf-8"?>
+<p:sld xmlns:a="http://schemas.openxmlformats.org/drawingml/2006/main" xmlns:r="http://schemas.openxmlformats.org/officeDocument/2006/relationships" xmlns:p="http://schemas.openxmlformats.org/presentationml/2006/main">
+  <p:cSld>
+    <p:spTree>
+      <p:nvGrpSpPr>
+        <p:cNvPr id="1" name=""/>
+        <p:cNvGrpSpPr/>
+        <p:nvPr/>
+      </p:nvGrpSpPr>
+      <p:grpSpPr>
+        <a:xfrm>
+          <a:off x="0" y="0"/>
+          <a:ext cx="0" cy="0"/>
+          <a:chOff x="0" y="0"/>
+          <a:chExt cx="0" cy="0"/>
+        </a:xfrm>
+      </p:grpSpPr>
+      <p:sp>
+        <p:nvSpPr>
+          <p:cNvPr id="2" name="Title 1">
+            <a:extLst>
+              <a:ext uri="{FF2B5EF4-FFF2-40B4-BE49-F238E27FC236}">
+                <a16:creationId xmlns:a16="http://schemas.microsoft.com/office/drawing/2014/main" id="{E57AC282-AE79-E73C-746E-F933B5FD1C90}"/>
+              </a:ext>
+            </a:extLst>
+          </p:cNvPr>
+          <p:cNvSpPr>
+            <a:spLocks noGrp="1"/>
+          </p:cNvSpPr>
+          <p:nvPr>
+            <p:ph type="title"/>
+          </p:nvPr>
+        </p:nvSpPr>
+        <p:spPr/>
+        <p:txBody>
+          <a:bodyPr/>
+          <a:lstStyle/>
+          <a:p>
+            <a:r>
+              <a:rPr lang="en-US" dirty="0"/>
+              <a:t>TNK</a:t>
+            </a:r>
+          </a:p>
+        </p:txBody>
+      </p:sp>
+      <p:sp>
+        <p:nvSpPr>
+          <p:cNvPr id="3" name="Content Placeholder 2">
+            <a:extLst>
+              <a:ext uri="{FF2B5EF4-FFF2-40B4-BE49-F238E27FC236}">
+                <a16:creationId xmlns:a16="http://schemas.microsoft.com/office/drawing/2014/main" id="{E812159A-57A4-33DC-302C-5C250D7041A2}"/>
+              </a:ext>
+            </a:extLst>
+          </p:cNvPr>
+          <p:cNvSpPr>
+            <a:spLocks noGrp="1"/>
+          </p:cNvSpPr>
+          <p:nvPr>
+            <p:ph idx="1"/>
+          </p:nvPr>
+        </p:nvSpPr>
+        <p:spPr>
+          <a:xfrm>
+            <a:off x="3200400" y="1690688"/>
+            <a:ext cx="1552575" cy="557212"/>
+          </a:xfrm>
+        </p:spPr>
+        <p:txBody>
+          <a:bodyPr/>
+          <a:lstStyle/>
+          <a:p>
+            <a:pPr marL="0" indent="0">
+              <a:buNone/>
+            </a:pPr>
+            <a:r>
+              <a:rPr lang="en-US" b="1" i="1" dirty="0"/>
+              <a:t>GOAL</a:t>
+            </a:r>
+          </a:p>
+        </p:txBody>
+      </p:sp>
+      <p:sp>
+        <p:nvSpPr>
+          <p:cNvPr id="10" name="Content Placeholder 2">
+            <a:extLst>
+              <a:ext uri="{FF2B5EF4-FFF2-40B4-BE49-F238E27FC236}">
+                <a16:creationId xmlns:a16="http://schemas.microsoft.com/office/drawing/2014/main" id="{FF7E7C8B-4021-2F8B-9656-FB3EC9A8A85E}"/>
+              </a:ext>
+            </a:extLst>
+          </p:cNvPr>
+          <p:cNvSpPr txBox="1">
+            <a:spLocks/>
+          </p:cNvSpPr>
+          <p:nvPr/>
+        </p:nvSpPr>
+        <p:spPr>
+          <a:xfrm>
+            <a:off x="8172450" y="1690688"/>
+            <a:ext cx="1552575" cy="557212"/>
+          </a:xfrm>
+          <a:prstGeom prst="rect">
+            <a:avLst/>
+          </a:prstGeom>
+        </p:spPr>
+        <p:txBody>
+          <a:bodyPr vert="horz" lIns="91440" tIns="45720" rIns="91440" bIns="45720" rtlCol="0">
+            <a:normAutofit/>
+          </a:bodyPr>
+          <a:lstStyle>
+            <a:lvl1pPr marL="228600" indent="-228600" algn="l" defTabSz="914400" rtl="0" eaLnBrk="1" latinLnBrk="0" hangingPunct="1">
+              <a:lnSpc>
+                <a:spcPct val="90000"/>
+              </a:lnSpc>
+              <a:spcBef>
+                <a:spcPts val="1000"/>
+              </a:spcBef>
+              <a:buFont typeface="Arial" panose="020B0604020202020204" pitchFamily="34" charset="0"/>
+              <a:buChar char="•"/>
+              <a:defRPr sz="2800" kern="1200">
+                <a:solidFill>
+                  <a:schemeClr val="tx1"/>
+                </a:solidFill>
+                <a:latin typeface="+mn-lt"/>
+                <a:ea typeface="+mn-ea"/>
+                <a:cs typeface="+mn-cs"/>
+              </a:defRPr>
+            </a:lvl1pPr>
+            <a:lvl2pPr marL="685800" indent="-228600" algn="l" defTabSz="914400" rtl="0" eaLnBrk="1" latinLnBrk="0" hangingPunct="1">
+              <a:lnSpc>
+                <a:spcPct val="90000"/>
+              </a:lnSpc>
+              <a:spcBef>
+                <a:spcPts val="500"/>
+              </a:spcBef>
+              <a:buFont typeface="Arial" panose="020B0604020202020204" pitchFamily="34" charset="0"/>
+              <a:buChar char="•"/>
+              <a:defRPr sz="2400" kern="1200">
+                <a:solidFill>
+                  <a:schemeClr val="tx1"/>
+                </a:solidFill>
+                <a:latin typeface="+mn-lt"/>
+                <a:ea typeface="+mn-ea"/>
+                <a:cs typeface="+mn-cs"/>
+              </a:defRPr>
+            </a:lvl2pPr>
+            <a:lvl3pPr marL="1143000" indent="-228600" algn="l" defTabSz="914400" rtl="0" eaLnBrk="1" latinLnBrk="0" hangingPunct="1">
+              <a:lnSpc>
+                <a:spcPct val="90000"/>
+              </a:lnSpc>
+              <a:spcBef>
+                <a:spcPts val="500"/>
+              </a:spcBef>
+              <a:buFont typeface="Arial" panose="020B0604020202020204" pitchFamily="34" charset="0"/>
+              <a:buChar char="•"/>
+              <a:defRPr sz="2000" kern="1200">
+                <a:solidFill>
+                  <a:schemeClr val="tx1"/>
+                </a:solidFill>
+                <a:latin typeface="+mn-lt"/>
+                <a:ea typeface="+mn-ea"/>
+                <a:cs typeface="+mn-cs"/>
+              </a:defRPr>
+            </a:lvl3pPr>
+            <a:lvl4pPr marL="1600200" indent="-228600" algn="l" defTabSz="914400" rtl="0" eaLnBrk="1" latinLnBrk="0" hangingPunct="1">
+              <a:lnSpc>
+                <a:spcPct val="90000"/>
+              </a:lnSpc>
+              <a:spcBef>
+                <a:spcPts val="500"/>
+              </a:spcBef>
+              <a:buFont typeface="Arial" panose="020B0604020202020204" pitchFamily="34" charset="0"/>
+              <a:buChar char="•"/>
+              <a:defRPr sz="1800" kern="1200">
+                <a:solidFill>
+                  <a:schemeClr val="tx1"/>
+                </a:solidFill>
+                <a:latin typeface="+mn-lt"/>
+                <a:ea typeface="+mn-ea"/>
+                <a:cs typeface="+mn-cs"/>
+              </a:defRPr>
+            </a:lvl4pPr>
+            <a:lvl5pPr marL="2057400" indent="-228600" algn="l" defTabSz="914400" rtl="0" eaLnBrk="1" latinLnBrk="0" hangingPunct="1">
+              <a:lnSpc>
+                <a:spcPct val="90000"/>
+              </a:lnSpc>
+              <a:spcBef>
+                <a:spcPts val="500"/>
+              </a:spcBef>
+              <a:buFont typeface="Arial" panose="020B0604020202020204" pitchFamily="34" charset="0"/>
+              <a:buChar char="•"/>
+              <a:defRPr sz="1800" kern="1200">
+                <a:solidFill>
+                  <a:schemeClr val="tx1"/>
+                </a:solidFill>
+                <a:latin typeface="+mn-lt"/>
+                <a:ea typeface="+mn-ea"/>
+                <a:cs typeface="+mn-cs"/>
+              </a:defRPr>
+            </a:lvl5pPr>
+            <a:lvl6pPr marL="2514600" indent="-228600" algn="l" defTabSz="914400" rtl="0" eaLnBrk="1" latinLnBrk="0" hangingPunct="1">
+              <a:lnSpc>
+                <a:spcPct val="90000"/>
+              </a:lnSpc>
+              <a:spcBef>
+                <a:spcPts val="500"/>
+              </a:spcBef>
+              <a:buFont typeface="Arial" panose="020B0604020202020204" pitchFamily="34" charset="0"/>
+              <a:buChar char="•"/>
+              <a:defRPr sz="1800" kern="1200">
+                <a:solidFill>
+                  <a:schemeClr val="tx1"/>
+                </a:solidFill>
+                <a:latin typeface="+mn-lt"/>
+                <a:ea typeface="+mn-ea"/>
+                <a:cs typeface="+mn-cs"/>
+              </a:defRPr>
+            </a:lvl6pPr>
+            <a:lvl7pPr marL="2971800" indent="-228600" algn="l" defTabSz="914400" rtl="0" eaLnBrk="1" latinLnBrk="0" hangingPunct="1">
+              <a:lnSpc>
+                <a:spcPct val="90000"/>
+              </a:lnSpc>
+              <a:spcBef>
+                <a:spcPts val="500"/>
+              </a:spcBef>
+              <a:buFont typeface="Arial" panose="020B0604020202020204" pitchFamily="34" charset="0"/>
+              <a:buChar char="•"/>
+              <a:defRPr sz="1800" kern="1200">
+                <a:solidFill>
+                  <a:schemeClr val="tx1"/>
+                </a:solidFill>
+                <a:latin typeface="+mn-lt"/>
+                <a:ea typeface="+mn-ea"/>
+                <a:cs typeface="+mn-cs"/>
+              </a:defRPr>
+            </a:lvl7pPr>
+            <a:lvl8pPr marL="3429000" indent="-228600" algn="l" defTabSz="914400" rtl="0" eaLnBrk="1" latinLnBrk="0" hangingPunct="1">
+              <a:lnSpc>
+                <a:spcPct val="90000"/>
+              </a:lnSpc>
+              <a:spcBef>
+                <a:spcPts val="500"/>
+              </a:spcBef>
+              <a:buFont typeface="Arial" panose="020B0604020202020204" pitchFamily="34" charset="0"/>
+              <a:buChar char="•"/>
+              <a:defRPr sz="1800" kern="1200">
+                <a:solidFill>
+                  <a:schemeClr val="tx1"/>
+                </a:solidFill>
+                <a:latin typeface="+mn-lt"/>
+                <a:ea typeface="+mn-ea"/>
+                <a:cs typeface="+mn-cs"/>
+              </a:defRPr>
+            </a:lvl8pPr>
+            <a:lvl9pPr marL="3886200" indent="-228600" algn="l" defTabSz="914400" rtl="0" eaLnBrk="1" latinLnBrk="0" hangingPunct="1">
+              <a:lnSpc>
+                <a:spcPct val="90000"/>
+              </a:lnSpc>
+              <a:spcBef>
+                <a:spcPts val="500"/>
+              </a:spcBef>
+              <a:buFont typeface="Arial" panose="020B0604020202020204" pitchFamily="34" charset="0"/>
+              <a:buChar char="•"/>
+              <a:defRPr sz="1800" kern="1200">
+                <a:solidFill>
+                  <a:schemeClr val="tx1"/>
+                </a:solidFill>
+                <a:latin typeface="+mn-lt"/>
+                <a:ea typeface="+mn-ea"/>
+                <a:cs typeface="+mn-cs"/>
+              </a:defRPr>
+            </a:lvl9pPr>
+          </a:lstStyle>
+          <a:p>
+            <a:pPr marL="0" indent="0">
+              <a:buFont typeface="Arial" panose="020B0604020202020204" pitchFamily="34" charset="0"/>
+              <a:buNone/>
+            </a:pPr>
+            <a:r>
+              <a:rPr lang="en-US" b="1" i="1" dirty="0"/>
+              <a:t>Achieved</a:t>
+            </a:r>
+          </a:p>
+        </p:txBody>
+      </p:sp>
+      <p:pic>
+        <p:nvPicPr>
+          <p:cNvPr id="11" name="Picture 10">
+            <a:extLst>
+              <a:ext uri="{FF2B5EF4-FFF2-40B4-BE49-F238E27FC236}">
+                <a16:creationId xmlns:a16="http://schemas.microsoft.com/office/drawing/2014/main" id="{A27D4AE7-E6A4-9708-DEB3-CBC8E9A4F76E}"/>
+              </a:ext>
+            </a:extLst>
+          </p:cNvPr>
+          <p:cNvPicPr>
+            <a:picLocks noChangeAspect="1"/>
+          </p:cNvPicPr>
+          <p:nvPr/>
+        </p:nvPicPr>
+        <p:blipFill>
+          <a:blip r:embed="rId2"/>
+          <a:stretch>
+            <a:fillRect/>
+          </a:stretch>
+        </p:blipFill>
+        <p:spPr>
+          <a:xfrm>
+            <a:off x="150091" y="2629839"/>
+            <a:ext cx="5334000" cy="4000500"/>
+          </a:xfrm>
+          <a:prstGeom prst="rect">
+            <a:avLst/>
+          </a:prstGeom>
+        </p:spPr>
+      </p:pic>
+      <p:pic>
+        <p:nvPicPr>
+          <p:cNvPr id="8" name="Picture 7">
+            <a:extLst>
+              <a:ext uri="{FF2B5EF4-FFF2-40B4-BE49-F238E27FC236}">
+                <a16:creationId xmlns:a16="http://schemas.microsoft.com/office/drawing/2014/main" id="{7A48899C-8EBB-0784-7659-F394881361FE}"/>
+              </a:ext>
+            </a:extLst>
+          </p:cNvPr>
+          <p:cNvPicPr>
+            <a:picLocks noChangeAspect="1"/>
+          </p:cNvPicPr>
+          <p:nvPr/>
+        </p:nvPicPr>
+        <p:blipFill>
+          <a:blip r:embed="rId3"/>
+          <a:stretch>
+            <a:fillRect/>
+          </a:stretch>
+        </p:blipFill>
+        <p:spPr>
+          <a:xfrm>
+            <a:off x="5858164" y="2629839"/>
+            <a:ext cx="5334000" cy="4000500"/>
+          </a:xfrm>
+          <a:prstGeom prst="rect">
+            <a:avLst/>
+          </a:prstGeom>
+        </p:spPr>
+      </p:pic>
+    </p:spTree>
+    <p:extLst>
+      <p:ext uri="{BB962C8B-B14F-4D97-AF65-F5344CB8AC3E}">
+        <p14:creationId xmlns:p14="http://schemas.microsoft.com/office/powerpoint/2010/main" val="2997977728"/>
+      </p:ext>
+    </p:extLst>
+  </p:cSld>
+  <p:clrMapOvr>
+    <a:masterClrMapping/>
+  </p:clrMapOvr>
+</p:sld>
+</file>
+
+<file path=ppt/slides/slide19.xml><?xml version="1.0" encoding="utf-8"?>
+<p:sld xmlns:a="http://schemas.openxmlformats.org/drawingml/2006/main" xmlns:r="http://schemas.openxmlformats.org/officeDocument/2006/relationships" xmlns:p="http://schemas.openxmlformats.org/presentationml/2006/main">
+  <p:cSld>
+    <p:spTree>
+      <p:nvGrpSpPr>
+        <p:cNvPr id="1" name=""/>
+        <p:cNvGrpSpPr/>
+        <p:nvPr/>
+      </p:nvGrpSpPr>
+      <p:grpSpPr>
+        <a:xfrm>
+          <a:off x="0" y="0"/>
+          <a:ext cx="0" cy="0"/>
+          <a:chOff x="0" y="0"/>
+          <a:chExt cx="0" cy="0"/>
+        </a:xfrm>
+      </p:grpSpPr>
+      <p:sp>
+        <p:nvSpPr>
+          <p:cNvPr id="2" name="Title 1">
+            <a:extLst>
+              <a:ext uri="{FF2B5EF4-FFF2-40B4-BE49-F238E27FC236}">
+                <a16:creationId xmlns:a16="http://schemas.microsoft.com/office/drawing/2014/main" id="{E57AC282-AE79-E73C-746E-F933B5FD1C90}"/>
+              </a:ext>
+            </a:extLst>
+          </p:cNvPr>
+          <p:cNvSpPr>
+            <a:spLocks noGrp="1"/>
+          </p:cNvSpPr>
+          <p:nvPr>
+            <p:ph type="title"/>
+          </p:nvPr>
+        </p:nvSpPr>
+        <p:spPr/>
+        <p:txBody>
+          <a:bodyPr/>
+          <a:lstStyle/>
+          <a:p>
+            <a:r>
+              <a:rPr lang="en-US" dirty="0"/>
+              <a:t>TNK</a:t>
+            </a:r>
+          </a:p>
+        </p:txBody>
+      </p:sp>
+      <p:pic>
+        <p:nvPicPr>
+          <p:cNvPr id="13" name="Picture 12">
+            <a:extLst>
+              <a:ext uri="{FF2B5EF4-FFF2-40B4-BE49-F238E27FC236}">
+                <a16:creationId xmlns:a16="http://schemas.microsoft.com/office/drawing/2014/main" id="{E3C65333-6BA4-1BF8-808B-CD254AA91466}"/>
+              </a:ext>
+            </a:extLst>
+          </p:cNvPr>
+          <p:cNvPicPr>
+            <a:picLocks noChangeAspect="1"/>
+          </p:cNvPicPr>
+          <p:nvPr/>
+        </p:nvPicPr>
+        <p:blipFill>
+          <a:blip r:embed="rId2"/>
+          <a:stretch>
+            <a:fillRect/>
+          </a:stretch>
+        </p:blipFill>
+        <p:spPr>
+          <a:xfrm>
+            <a:off x="213880" y="2857500"/>
+            <a:ext cx="5334000" cy="4000500"/>
+          </a:xfrm>
+          <a:prstGeom prst="rect">
+            <a:avLst/>
+          </a:prstGeom>
+        </p:spPr>
+      </p:pic>
+      <p:pic>
+        <p:nvPicPr>
+          <p:cNvPr id="15" name="Picture 14">
+            <a:extLst>
+              <a:ext uri="{FF2B5EF4-FFF2-40B4-BE49-F238E27FC236}">
+                <a16:creationId xmlns:a16="http://schemas.microsoft.com/office/drawing/2014/main" id="{C2768ABE-C1D3-03DF-6AF5-920207EE7323}"/>
+              </a:ext>
+            </a:extLst>
+          </p:cNvPr>
+          <p:cNvPicPr>
+            <a:picLocks noChangeAspect="1"/>
+          </p:cNvPicPr>
+          <p:nvPr/>
+        </p:nvPicPr>
+        <p:blipFill>
+          <a:blip r:embed="rId3"/>
+          <a:stretch>
+            <a:fillRect/>
+          </a:stretch>
+        </p:blipFill>
+        <p:spPr>
+          <a:xfrm>
+            <a:off x="6457228" y="2609851"/>
+            <a:ext cx="5334000" cy="4000500"/>
+          </a:xfrm>
+          <a:prstGeom prst="rect">
+            <a:avLst/>
+          </a:prstGeom>
+        </p:spPr>
+      </p:pic>
+      <p:pic>
+        <p:nvPicPr>
+          <p:cNvPr id="17" name="Picture 16">
+            <a:extLst>
+              <a:ext uri="{FF2B5EF4-FFF2-40B4-BE49-F238E27FC236}">
+                <a16:creationId xmlns:a16="http://schemas.microsoft.com/office/drawing/2014/main" id="{4B327687-E208-90BD-1339-5ED9DBC183CA}"/>
+              </a:ext>
+            </a:extLst>
+          </p:cNvPr>
+          <p:cNvPicPr>
+            <a:picLocks noChangeAspect="1"/>
+          </p:cNvPicPr>
+          <p:nvPr/>
+        </p:nvPicPr>
+        <p:blipFill>
+          <a:blip r:embed="rId4"/>
+          <a:stretch>
+            <a:fillRect/>
+          </a:stretch>
+        </p:blipFill>
+        <p:spPr>
+          <a:xfrm>
+            <a:off x="4156540" y="558714"/>
+            <a:ext cx="4030662" cy="1205431"/>
+          </a:xfrm>
+          <a:prstGeom prst="rect">
+            <a:avLst/>
+          </a:prstGeom>
+        </p:spPr>
+      </p:pic>
+    </p:spTree>
+    <p:extLst>
+      <p:ext uri="{BB962C8B-B14F-4D97-AF65-F5344CB8AC3E}">
+        <p14:creationId xmlns:p14="http://schemas.microsoft.com/office/powerpoint/2010/main" val="130588710"/>
       </p:ext>
     </p:extLst>
   </p:cSld>
@@ -3616,7 +5631,357 @@
           <p:cNvPr id="2" name="Title 1">
             <a:extLst>
               <a:ext uri="{FF2B5EF4-FFF2-40B4-BE49-F238E27FC236}">
-                <a16:creationId xmlns:a16="http://schemas.microsoft.com/office/drawing/2014/main" id="{4D0E55BA-1A55-C938-4B0D-BBC2C02069E7}"/>
+                <a16:creationId xmlns:a16="http://schemas.microsoft.com/office/drawing/2014/main" id="{47779500-2C47-AECC-19DB-5321B4B83295}"/>
+              </a:ext>
+            </a:extLst>
+          </p:cNvPr>
+          <p:cNvSpPr>
+            <a:spLocks noGrp="1"/>
+          </p:cNvSpPr>
+          <p:nvPr>
+            <p:ph type="ctrTitle"/>
+          </p:nvPr>
+        </p:nvSpPr>
+        <p:spPr/>
+        <p:txBody>
+          <a:bodyPr/>
+          <a:lstStyle/>
+          <a:p>
+            <a:r>
+              <a:rPr lang="en-US" dirty="0"/>
+              <a:t>ZDT1 Problem</a:t>
+            </a:r>
+          </a:p>
+        </p:txBody>
+      </p:sp>
+      <p:sp>
+        <p:nvSpPr>
+          <p:cNvPr id="3" name="Subtitle 2">
+            <a:extLst>
+              <a:ext uri="{FF2B5EF4-FFF2-40B4-BE49-F238E27FC236}">
+                <a16:creationId xmlns:a16="http://schemas.microsoft.com/office/drawing/2014/main" id="{B6FBAECE-2BF7-C65C-95E1-573F8C3EA740}"/>
+              </a:ext>
+            </a:extLst>
+          </p:cNvPr>
+          <p:cNvSpPr>
+            <a:spLocks noGrp="1"/>
+          </p:cNvSpPr>
+          <p:nvPr>
+            <p:ph type="subTitle" idx="1"/>
+          </p:nvPr>
+        </p:nvSpPr>
+        <p:spPr/>
+        <p:txBody>
+          <a:bodyPr/>
+          <a:lstStyle/>
+          <a:p>
+            <a:endParaRPr lang="en-US"/>
+          </a:p>
+        </p:txBody>
+      </p:sp>
+      <p:sp>
+        <p:nvSpPr>
+          <p:cNvPr id="4" name="Oval 3">
+            <a:extLst>
+              <a:ext uri="{FF2B5EF4-FFF2-40B4-BE49-F238E27FC236}">
+                <a16:creationId xmlns:a16="http://schemas.microsoft.com/office/drawing/2014/main" id="{92DA1B4E-22D3-CC23-A20D-A7709EE042D1}"/>
+              </a:ext>
+            </a:extLst>
+          </p:cNvPr>
+          <p:cNvSpPr/>
+          <p:nvPr/>
+        </p:nvSpPr>
+        <p:spPr>
+          <a:xfrm>
+            <a:off x="2779363" y="2514600"/>
+            <a:ext cx="914400" cy="914400"/>
+          </a:xfrm>
+          <a:prstGeom prst="ellipse">
+            <a:avLst/>
+          </a:prstGeom>
+        </p:spPr>
+        <p:style>
+          <a:lnRef idx="2">
+            <a:schemeClr val="accent6">
+              <a:shade val="50000"/>
+            </a:schemeClr>
+          </a:lnRef>
+          <a:fillRef idx="1">
+            <a:schemeClr val="accent6"/>
+          </a:fillRef>
+          <a:effectRef idx="0">
+            <a:schemeClr val="accent6"/>
+          </a:effectRef>
+          <a:fontRef idx="minor">
+            <a:schemeClr val="lt1"/>
+          </a:fontRef>
+        </p:style>
+        <p:txBody>
+          <a:bodyPr rtlCol="0" anchor="ctr"/>
+          <a:lstStyle/>
+          <a:p>
+            <a:pPr algn="ctr"/>
+            <a:endParaRPr lang="en-US"/>
+          </a:p>
+        </p:txBody>
+      </p:sp>
+      <p:sp>
+        <p:nvSpPr>
+          <p:cNvPr id="5" name="Oval 4">
+            <a:extLst>
+              <a:ext uri="{FF2B5EF4-FFF2-40B4-BE49-F238E27FC236}">
+                <a16:creationId xmlns:a16="http://schemas.microsoft.com/office/drawing/2014/main" id="{8F013315-A851-2AE9-0677-71AB4ED3AA2E}"/>
+              </a:ext>
+            </a:extLst>
+          </p:cNvPr>
+          <p:cNvSpPr/>
+          <p:nvPr/>
+        </p:nvSpPr>
+        <p:spPr>
+          <a:xfrm>
+            <a:off x="8498237" y="2602490"/>
+            <a:ext cx="914400" cy="914400"/>
+          </a:xfrm>
+          <a:prstGeom prst="ellipse">
+            <a:avLst/>
+          </a:prstGeom>
+        </p:spPr>
+        <p:style>
+          <a:lnRef idx="2">
+            <a:schemeClr val="accent6">
+              <a:shade val="50000"/>
+            </a:schemeClr>
+          </a:lnRef>
+          <a:fillRef idx="1">
+            <a:schemeClr val="accent6"/>
+          </a:fillRef>
+          <a:effectRef idx="0">
+            <a:schemeClr val="accent6"/>
+          </a:effectRef>
+          <a:fontRef idx="minor">
+            <a:schemeClr val="lt1"/>
+          </a:fontRef>
+        </p:style>
+        <p:txBody>
+          <a:bodyPr rtlCol="0" anchor="ctr"/>
+          <a:lstStyle/>
+          <a:p>
+            <a:pPr algn="ctr"/>
+            <a:endParaRPr lang="en-US"/>
+          </a:p>
+        </p:txBody>
+      </p:sp>
+    </p:spTree>
+    <p:extLst>
+      <p:ext uri="{BB962C8B-B14F-4D97-AF65-F5344CB8AC3E}">
+        <p14:creationId xmlns:p14="http://schemas.microsoft.com/office/powerpoint/2010/main" val="2587272073"/>
+      </p:ext>
+    </p:extLst>
+  </p:cSld>
+  <p:clrMapOvr>
+    <a:masterClrMapping/>
+  </p:clrMapOvr>
+</p:sld>
+</file>
+
+<file path=ppt/slides/slide20.xml><?xml version="1.0" encoding="utf-8"?>
+<p:sld xmlns:a="http://schemas.openxmlformats.org/drawingml/2006/main" xmlns:r="http://schemas.openxmlformats.org/officeDocument/2006/relationships" xmlns:p="http://schemas.openxmlformats.org/presentationml/2006/main">
+  <p:cSld>
+    <p:spTree>
+      <p:nvGrpSpPr>
+        <p:cNvPr id="1" name=""/>
+        <p:cNvGrpSpPr/>
+        <p:nvPr/>
+      </p:nvGrpSpPr>
+      <p:grpSpPr>
+        <a:xfrm>
+          <a:off x="0" y="0"/>
+          <a:ext cx="0" cy="0"/>
+          <a:chOff x="0" y="0"/>
+          <a:chExt cx="0" cy="0"/>
+        </a:xfrm>
+      </p:grpSpPr>
+      <p:sp>
+        <p:nvSpPr>
+          <p:cNvPr id="2" name="Title 1">
+            <a:extLst>
+              <a:ext uri="{FF2B5EF4-FFF2-40B4-BE49-F238E27FC236}">
+                <a16:creationId xmlns:a16="http://schemas.microsoft.com/office/drawing/2014/main" id="{47779500-2C47-AECC-19DB-5321B4B83295}"/>
+              </a:ext>
+            </a:extLst>
+          </p:cNvPr>
+          <p:cNvSpPr>
+            <a:spLocks noGrp="1"/>
+          </p:cNvSpPr>
+          <p:nvPr>
+            <p:ph type="ctrTitle"/>
+          </p:nvPr>
+        </p:nvSpPr>
+        <p:spPr/>
+        <p:txBody>
+          <a:bodyPr/>
+          <a:lstStyle/>
+          <a:p>
+            <a:r>
+              <a:rPr lang="en-US" dirty="0"/>
+              <a:t>TNK MORO Problem</a:t>
+            </a:r>
+          </a:p>
+        </p:txBody>
+      </p:sp>
+      <p:sp>
+        <p:nvSpPr>
+          <p:cNvPr id="3" name="Subtitle 2">
+            <a:extLst>
+              <a:ext uri="{FF2B5EF4-FFF2-40B4-BE49-F238E27FC236}">
+                <a16:creationId xmlns:a16="http://schemas.microsoft.com/office/drawing/2014/main" id="{B6FBAECE-2BF7-C65C-95E1-573F8C3EA740}"/>
+              </a:ext>
+            </a:extLst>
+          </p:cNvPr>
+          <p:cNvSpPr>
+            <a:spLocks noGrp="1"/>
+          </p:cNvSpPr>
+          <p:nvPr>
+            <p:ph type="subTitle" idx="1"/>
+          </p:nvPr>
+        </p:nvSpPr>
+        <p:spPr/>
+        <p:txBody>
+          <a:bodyPr/>
+          <a:lstStyle/>
+          <a:p>
+            <a:endParaRPr lang="en-US" dirty="0"/>
+          </a:p>
+        </p:txBody>
+      </p:sp>
+      <p:sp>
+        <p:nvSpPr>
+          <p:cNvPr id="4" name="Oval 3">
+            <a:extLst>
+              <a:ext uri="{FF2B5EF4-FFF2-40B4-BE49-F238E27FC236}">
+                <a16:creationId xmlns:a16="http://schemas.microsoft.com/office/drawing/2014/main" id="{F96E6887-8BE0-8BFE-DBE8-9D7C4A41A1AB}"/>
+              </a:ext>
+            </a:extLst>
+          </p:cNvPr>
+          <p:cNvSpPr/>
+          <p:nvPr/>
+        </p:nvSpPr>
+        <p:spPr>
+          <a:xfrm>
+            <a:off x="1772600" y="2514600"/>
+            <a:ext cx="914400" cy="914400"/>
+          </a:xfrm>
+          <a:prstGeom prst="ellipse">
+            <a:avLst/>
+          </a:prstGeom>
+        </p:spPr>
+        <p:style>
+          <a:lnRef idx="2">
+            <a:schemeClr val="accent6">
+              <a:shade val="50000"/>
+            </a:schemeClr>
+          </a:lnRef>
+          <a:fillRef idx="1">
+            <a:schemeClr val="accent6"/>
+          </a:fillRef>
+          <a:effectRef idx="0">
+            <a:schemeClr val="accent6"/>
+          </a:effectRef>
+          <a:fontRef idx="minor">
+            <a:schemeClr val="lt1"/>
+          </a:fontRef>
+        </p:style>
+        <p:txBody>
+          <a:bodyPr rtlCol="0" anchor="ctr"/>
+          <a:lstStyle/>
+          <a:p>
+            <a:pPr algn="ctr"/>
+            <a:endParaRPr lang="en-US"/>
+          </a:p>
+        </p:txBody>
+      </p:sp>
+      <p:sp>
+        <p:nvSpPr>
+          <p:cNvPr id="5" name="Oval 4">
+            <a:extLst>
+              <a:ext uri="{FF2B5EF4-FFF2-40B4-BE49-F238E27FC236}">
+                <a16:creationId xmlns:a16="http://schemas.microsoft.com/office/drawing/2014/main" id="{17B5EA0D-7CC2-225D-489A-DB27BD348CDB}"/>
+              </a:ext>
+            </a:extLst>
+          </p:cNvPr>
+          <p:cNvSpPr/>
+          <p:nvPr/>
+        </p:nvSpPr>
+        <p:spPr>
+          <a:xfrm>
+            <a:off x="9505000" y="2514600"/>
+            <a:ext cx="914400" cy="914400"/>
+          </a:xfrm>
+          <a:prstGeom prst="ellipse">
+            <a:avLst/>
+          </a:prstGeom>
+        </p:spPr>
+        <p:style>
+          <a:lnRef idx="2">
+            <a:schemeClr val="accent6">
+              <a:shade val="50000"/>
+            </a:schemeClr>
+          </a:lnRef>
+          <a:fillRef idx="1">
+            <a:schemeClr val="accent6"/>
+          </a:fillRef>
+          <a:effectRef idx="0">
+            <a:schemeClr val="accent6"/>
+          </a:effectRef>
+          <a:fontRef idx="minor">
+            <a:schemeClr val="lt1"/>
+          </a:fontRef>
+        </p:style>
+        <p:txBody>
+          <a:bodyPr rtlCol="0" anchor="ctr"/>
+          <a:lstStyle/>
+          <a:p>
+            <a:pPr algn="ctr"/>
+            <a:endParaRPr lang="en-US"/>
+          </a:p>
+        </p:txBody>
+      </p:sp>
+    </p:spTree>
+    <p:extLst>
+      <p:ext uri="{BB962C8B-B14F-4D97-AF65-F5344CB8AC3E}">
+        <p14:creationId xmlns:p14="http://schemas.microsoft.com/office/powerpoint/2010/main" val="3649346293"/>
+      </p:ext>
+    </p:extLst>
+  </p:cSld>
+  <p:clrMapOvr>
+    <a:masterClrMapping/>
+  </p:clrMapOvr>
+</p:sld>
+</file>
+
+<file path=ppt/slides/slide21.xml><?xml version="1.0" encoding="utf-8"?>
+<p:sld xmlns:a="http://schemas.openxmlformats.org/drawingml/2006/main" xmlns:r="http://schemas.openxmlformats.org/officeDocument/2006/relationships" xmlns:p="http://schemas.openxmlformats.org/presentationml/2006/main">
+  <p:cSld>
+    <p:spTree>
+      <p:nvGrpSpPr>
+        <p:cNvPr id="1" name=""/>
+        <p:cNvGrpSpPr/>
+        <p:nvPr/>
+      </p:nvGrpSpPr>
+      <p:grpSpPr>
+        <a:xfrm>
+          <a:off x="0" y="0"/>
+          <a:ext cx="0" cy="0"/>
+          <a:chOff x="0" y="0"/>
+          <a:chExt cx="0" cy="0"/>
+        </a:xfrm>
+      </p:grpSpPr>
+      <p:sp>
+        <p:nvSpPr>
+          <p:cNvPr id="2" name="Title 1">
+            <a:extLst>
+              <a:ext uri="{FF2B5EF4-FFF2-40B4-BE49-F238E27FC236}">
+                <a16:creationId xmlns:a16="http://schemas.microsoft.com/office/drawing/2014/main" id="{E57AC282-AE79-E73C-746E-F933B5FD1C90}"/>
               </a:ext>
             </a:extLst>
           </p:cNvPr>
@@ -3634,17 +5999,53 @@
           <a:p>
             <a:r>
               <a:rPr lang="en-US" dirty="0"/>
-              <a:t>ZDT1</a:t>
-            </a:r>
-          </a:p>
-        </p:txBody>
-      </p:sp>
-      <p:sp>
-        <p:nvSpPr>
-          <p:cNvPr id="4" name="Content Placeholder 2">
-            <a:extLst>
-              <a:ext uri="{FF2B5EF4-FFF2-40B4-BE49-F238E27FC236}">
-                <a16:creationId xmlns:a16="http://schemas.microsoft.com/office/drawing/2014/main" id="{1DC6B7C2-BA6B-E720-95B5-EE7AE1951921}"/>
+              <a:t>TNK MORO</a:t>
+            </a:r>
+          </a:p>
+        </p:txBody>
+      </p:sp>
+      <p:sp>
+        <p:nvSpPr>
+          <p:cNvPr id="3" name="Content Placeholder 2">
+            <a:extLst>
+              <a:ext uri="{FF2B5EF4-FFF2-40B4-BE49-F238E27FC236}">
+                <a16:creationId xmlns:a16="http://schemas.microsoft.com/office/drawing/2014/main" id="{E812159A-57A4-33DC-302C-5C250D7041A2}"/>
+              </a:ext>
+            </a:extLst>
+          </p:cNvPr>
+          <p:cNvSpPr>
+            <a:spLocks noGrp="1"/>
+          </p:cNvSpPr>
+          <p:nvPr>
+            <p:ph idx="1"/>
+          </p:nvPr>
+        </p:nvSpPr>
+        <p:spPr>
+          <a:xfrm>
+            <a:off x="3200400" y="1690688"/>
+            <a:ext cx="1552575" cy="557212"/>
+          </a:xfrm>
+        </p:spPr>
+        <p:txBody>
+          <a:bodyPr/>
+          <a:lstStyle/>
+          <a:p>
+            <a:pPr marL="0" indent="0">
+              <a:buNone/>
+            </a:pPr>
+            <a:r>
+              <a:rPr lang="en-US" b="1" i="1" dirty="0"/>
+              <a:t>GOAL</a:t>
+            </a:r>
+          </a:p>
+        </p:txBody>
+      </p:sp>
+      <p:sp>
+        <p:nvSpPr>
+          <p:cNvPr id="10" name="Content Placeholder 2">
+            <a:extLst>
+              <a:ext uri="{FF2B5EF4-FFF2-40B4-BE49-F238E27FC236}">
+                <a16:creationId xmlns:a16="http://schemas.microsoft.com/office/drawing/2014/main" id="{FF7E7C8B-4021-2F8B-9656-FB3EC9A8A85E}"/>
               </a:ext>
             </a:extLst>
           </p:cNvPr>
@@ -3655,7 +6056,7 @@
         </p:nvSpPr>
         <p:spPr>
           <a:xfrm>
-            <a:off x="2466975" y="1920988"/>
+            <a:off x="8172450" y="1690688"/>
             <a:ext cx="1552575" cy="557212"/>
           </a:xfrm>
           <a:prstGeom prst="rect">
@@ -3837,267 +6238,47 @@
             </a:pPr>
             <a:r>
               <a:rPr lang="en-US" b="1" i="1" dirty="0"/>
-              <a:t>GOAL</a:t>
-            </a:r>
-          </a:p>
-        </p:txBody>
-      </p:sp>
-      <p:sp>
-        <p:nvSpPr>
-          <p:cNvPr id="5" name="Content Placeholder 2">
-            <a:extLst>
-              <a:ext uri="{FF2B5EF4-FFF2-40B4-BE49-F238E27FC236}">
-                <a16:creationId xmlns:a16="http://schemas.microsoft.com/office/drawing/2014/main" id="{04C8B03F-60BE-6FCE-65F3-136750993E0F}"/>
-              </a:ext>
-            </a:extLst>
-          </p:cNvPr>
-          <p:cNvSpPr txBox="1">
-            <a:spLocks/>
-          </p:cNvSpPr>
+              <a:t>Achieved</a:t>
+            </a:r>
+          </a:p>
+        </p:txBody>
+      </p:sp>
+      <p:pic>
+        <p:nvPicPr>
+          <p:cNvPr id="11" name="Picture 10">
+            <a:extLst>
+              <a:ext uri="{FF2B5EF4-FFF2-40B4-BE49-F238E27FC236}">
+                <a16:creationId xmlns:a16="http://schemas.microsoft.com/office/drawing/2014/main" id="{A27D4AE7-E6A4-9708-DEB3-CBC8E9A4F76E}"/>
+              </a:ext>
+            </a:extLst>
+          </p:cNvPr>
+          <p:cNvPicPr>
+            <a:picLocks noChangeAspect="1"/>
+          </p:cNvPicPr>
           <p:nvPr/>
-        </p:nvSpPr>
+        </p:nvPicPr>
+        <p:blipFill>
+          <a:blip r:embed="rId2"/>
+          <a:stretch>
+            <a:fillRect/>
+          </a:stretch>
+        </p:blipFill>
         <p:spPr>
           <a:xfrm>
-            <a:off x="8865393" y="1920988"/>
-            <a:ext cx="1552575" cy="557212"/>
+            <a:off x="150091" y="2629839"/>
+            <a:ext cx="5334000" cy="4000500"/>
           </a:xfrm>
           <a:prstGeom prst="rect">
             <a:avLst/>
           </a:prstGeom>
         </p:spPr>
-        <p:txBody>
-          <a:bodyPr vert="horz" lIns="91440" tIns="45720" rIns="91440" bIns="45720" rtlCol="0">
-            <a:normAutofit/>
-          </a:bodyPr>
-          <a:lstStyle>
-            <a:lvl1pPr marL="228600" indent="-228600" algn="l" defTabSz="914400" rtl="0" eaLnBrk="1" latinLnBrk="0" hangingPunct="1">
-              <a:lnSpc>
-                <a:spcPct val="90000"/>
-              </a:lnSpc>
-              <a:spcBef>
-                <a:spcPts val="1000"/>
-              </a:spcBef>
-              <a:buFont typeface="Arial" panose="020B0604020202020204" pitchFamily="34" charset="0"/>
-              <a:buChar char="•"/>
-              <a:defRPr sz="2800" kern="1200">
-                <a:solidFill>
-                  <a:schemeClr val="tx1"/>
-                </a:solidFill>
-                <a:latin typeface="+mn-lt"/>
-                <a:ea typeface="+mn-ea"/>
-                <a:cs typeface="+mn-cs"/>
-              </a:defRPr>
-            </a:lvl1pPr>
-            <a:lvl2pPr marL="685800" indent="-228600" algn="l" defTabSz="914400" rtl="0" eaLnBrk="1" latinLnBrk="0" hangingPunct="1">
-              <a:lnSpc>
-                <a:spcPct val="90000"/>
-              </a:lnSpc>
-              <a:spcBef>
-                <a:spcPts val="500"/>
-              </a:spcBef>
-              <a:buFont typeface="Arial" panose="020B0604020202020204" pitchFamily="34" charset="0"/>
-              <a:buChar char="•"/>
-              <a:defRPr sz="2400" kern="1200">
-                <a:solidFill>
-                  <a:schemeClr val="tx1"/>
-                </a:solidFill>
-                <a:latin typeface="+mn-lt"/>
-                <a:ea typeface="+mn-ea"/>
-                <a:cs typeface="+mn-cs"/>
-              </a:defRPr>
-            </a:lvl2pPr>
-            <a:lvl3pPr marL="1143000" indent="-228600" algn="l" defTabSz="914400" rtl="0" eaLnBrk="1" latinLnBrk="0" hangingPunct="1">
-              <a:lnSpc>
-                <a:spcPct val="90000"/>
-              </a:lnSpc>
-              <a:spcBef>
-                <a:spcPts val="500"/>
-              </a:spcBef>
-              <a:buFont typeface="Arial" panose="020B0604020202020204" pitchFamily="34" charset="0"/>
-              <a:buChar char="•"/>
-              <a:defRPr sz="2000" kern="1200">
-                <a:solidFill>
-                  <a:schemeClr val="tx1"/>
-                </a:solidFill>
-                <a:latin typeface="+mn-lt"/>
-                <a:ea typeface="+mn-ea"/>
-                <a:cs typeface="+mn-cs"/>
-              </a:defRPr>
-            </a:lvl3pPr>
-            <a:lvl4pPr marL="1600200" indent="-228600" algn="l" defTabSz="914400" rtl="0" eaLnBrk="1" latinLnBrk="0" hangingPunct="1">
-              <a:lnSpc>
-                <a:spcPct val="90000"/>
-              </a:lnSpc>
-              <a:spcBef>
-                <a:spcPts val="500"/>
-              </a:spcBef>
-              <a:buFont typeface="Arial" panose="020B0604020202020204" pitchFamily="34" charset="0"/>
-              <a:buChar char="•"/>
-              <a:defRPr sz="1800" kern="1200">
-                <a:solidFill>
-                  <a:schemeClr val="tx1"/>
-                </a:solidFill>
-                <a:latin typeface="+mn-lt"/>
-                <a:ea typeface="+mn-ea"/>
-                <a:cs typeface="+mn-cs"/>
-              </a:defRPr>
-            </a:lvl4pPr>
-            <a:lvl5pPr marL="2057400" indent="-228600" algn="l" defTabSz="914400" rtl="0" eaLnBrk="1" latinLnBrk="0" hangingPunct="1">
-              <a:lnSpc>
-                <a:spcPct val="90000"/>
-              </a:lnSpc>
-              <a:spcBef>
-                <a:spcPts val="500"/>
-              </a:spcBef>
-              <a:buFont typeface="Arial" panose="020B0604020202020204" pitchFamily="34" charset="0"/>
-              <a:buChar char="•"/>
-              <a:defRPr sz="1800" kern="1200">
-                <a:solidFill>
-                  <a:schemeClr val="tx1"/>
-                </a:solidFill>
-                <a:latin typeface="+mn-lt"/>
-                <a:ea typeface="+mn-ea"/>
-                <a:cs typeface="+mn-cs"/>
-              </a:defRPr>
-            </a:lvl5pPr>
-            <a:lvl6pPr marL="2514600" indent="-228600" algn="l" defTabSz="914400" rtl="0" eaLnBrk="1" latinLnBrk="0" hangingPunct="1">
-              <a:lnSpc>
-                <a:spcPct val="90000"/>
-              </a:lnSpc>
-              <a:spcBef>
-                <a:spcPts val="500"/>
-              </a:spcBef>
-              <a:buFont typeface="Arial" panose="020B0604020202020204" pitchFamily="34" charset="0"/>
-              <a:buChar char="•"/>
-              <a:defRPr sz="1800" kern="1200">
-                <a:solidFill>
-                  <a:schemeClr val="tx1"/>
-                </a:solidFill>
-                <a:latin typeface="+mn-lt"/>
-                <a:ea typeface="+mn-ea"/>
-                <a:cs typeface="+mn-cs"/>
-              </a:defRPr>
-            </a:lvl6pPr>
-            <a:lvl7pPr marL="2971800" indent="-228600" algn="l" defTabSz="914400" rtl="0" eaLnBrk="1" latinLnBrk="0" hangingPunct="1">
-              <a:lnSpc>
-                <a:spcPct val="90000"/>
-              </a:lnSpc>
-              <a:spcBef>
-                <a:spcPts val="500"/>
-              </a:spcBef>
-              <a:buFont typeface="Arial" panose="020B0604020202020204" pitchFamily="34" charset="0"/>
-              <a:buChar char="•"/>
-              <a:defRPr sz="1800" kern="1200">
-                <a:solidFill>
-                  <a:schemeClr val="tx1"/>
-                </a:solidFill>
-                <a:latin typeface="+mn-lt"/>
-                <a:ea typeface="+mn-ea"/>
-                <a:cs typeface="+mn-cs"/>
-              </a:defRPr>
-            </a:lvl7pPr>
-            <a:lvl8pPr marL="3429000" indent="-228600" algn="l" defTabSz="914400" rtl="0" eaLnBrk="1" latinLnBrk="0" hangingPunct="1">
-              <a:lnSpc>
-                <a:spcPct val="90000"/>
-              </a:lnSpc>
-              <a:spcBef>
-                <a:spcPts val="500"/>
-              </a:spcBef>
-              <a:buFont typeface="Arial" panose="020B0604020202020204" pitchFamily="34" charset="0"/>
-              <a:buChar char="•"/>
-              <a:defRPr sz="1800" kern="1200">
-                <a:solidFill>
-                  <a:schemeClr val="tx1"/>
-                </a:solidFill>
-                <a:latin typeface="+mn-lt"/>
-                <a:ea typeface="+mn-ea"/>
-                <a:cs typeface="+mn-cs"/>
-              </a:defRPr>
-            </a:lvl8pPr>
-            <a:lvl9pPr marL="3886200" indent="-228600" algn="l" defTabSz="914400" rtl="0" eaLnBrk="1" latinLnBrk="0" hangingPunct="1">
-              <a:lnSpc>
-                <a:spcPct val="90000"/>
-              </a:lnSpc>
-              <a:spcBef>
-                <a:spcPts val="500"/>
-              </a:spcBef>
-              <a:buFont typeface="Arial" panose="020B0604020202020204" pitchFamily="34" charset="0"/>
-              <a:buChar char="•"/>
-              <a:defRPr sz="1800" kern="1200">
-                <a:solidFill>
-                  <a:schemeClr val="tx1"/>
-                </a:solidFill>
-                <a:latin typeface="+mn-lt"/>
-                <a:ea typeface="+mn-ea"/>
-                <a:cs typeface="+mn-cs"/>
-              </a:defRPr>
-            </a:lvl9pPr>
-          </a:lstStyle>
-          <a:p>
-            <a:pPr marL="0" indent="0">
-              <a:buFont typeface="Arial" panose="020B0604020202020204" pitchFamily="34" charset="0"/>
-              <a:buNone/>
-            </a:pPr>
-            <a:r>
-              <a:rPr lang="en-US" b="1" i="1" dirty="0"/>
-              <a:t>Achieved</a:t>
-            </a:r>
-          </a:p>
-        </p:txBody>
-      </p:sp>
-      <p:pic>
-        <p:nvPicPr>
-          <p:cNvPr id="6" name="Picture 6" descr="ironicmeme #ironic #png #sunglasses #emoji #smileyface - Ironic Meme Smiley  Face, Transparent Png - kindpng">
-            <a:extLst>
-              <a:ext uri="{FF2B5EF4-FFF2-40B4-BE49-F238E27FC236}">
-                <a16:creationId xmlns:a16="http://schemas.microsoft.com/office/drawing/2014/main" id="{1A794B7A-3032-328F-FA31-B18A6C4A80CF}"/>
-              </a:ext>
-            </a:extLst>
-          </p:cNvPr>
-          <p:cNvPicPr>
-            <a:picLocks noChangeAspect="1" noChangeArrowheads="1"/>
-          </p:cNvPicPr>
-          <p:nvPr/>
-        </p:nvPicPr>
-        <p:blipFill>
-          <a:blip r:embed="rId2">
-            <a:extLst>
-              <a:ext uri="{28A0092B-C50C-407E-A947-70E740481C1C}">
-                <a14:useLocalDpi xmlns:a14="http://schemas.microsoft.com/office/drawing/2010/main" val="0"/>
-              </a:ext>
-            </a:extLst>
-          </a:blip>
-          <a:srcRect/>
-          <a:stretch>
-            <a:fillRect/>
-          </a:stretch>
-        </p:blipFill>
-        <p:spPr bwMode="auto">
-          <a:xfrm>
-            <a:off x="4752975" y="165736"/>
-            <a:ext cx="3176587" cy="2228352"/>
-          </a:xfrm>
-          <a:prstGeom prst="rect">
-            <a:avLst/>
-          </a:prstGeom>
-          <a:noFill/>
-          <a:extLst>
-            <a:ext uri="{909E8E84-426E-40DD-AFC4-6F175D3DCCD1}">
-              <a14:hiddenFill xmlns:a14="http://schemas.microsoft.com/office/drawing/2010/main">
-                <a:solidFill>
-                  <a:srgbClr val="FFFFFF"/>
-                </a:solidFill>
-              </a14:hiddenFill>
-            </a:ext>
-          </a:extLst>
-        </p:spPr>
       </p:pic>
       <p:pic>
         <p:nvPicPr>
-          <p:cNvPr id="8" name="Picture 7">
-            <a:extLst>
-              <a:ext uri="{FF2B5EF4-FFF2-40B4-BE49-F238E27FC236}">
-                <a16:creationId xmlns:a16="http://schemas.microsoft.com/office/drawing/2014/main" id="{BBDC19E7-EC12-5238-AE90-A4B0A02D9A55}"/>
+          <p:cNvPr id="5" name="Picture 4">
+            <a:extLst>
+              <a:ext uri="{FF2B5EF4-FFF2-40B4-BE49-F238E27FC236}">
+                <a16:creationId xmlns:a16="http://schemas.microsoft.com/office/drawing/2014/main" id="{7EC0557A-2A8B-4DE7-97C4-D76B92A6DACE}"/>
               </a:ext>
             </a:extLst>
           </p:cNvPr>
@@ -4114,37 +6295,7 @@
         </p:blipFill>
         <p:spPr>
           <a:xfrm>
-            <a:off x="950265" y="2516549"/>
-            <a:ext cx="3802710" cy="3726503"/>
-          </a:xfrm>
-          <a:prstGeom prst="rect">
-            <a:avLst/>
-          </a:prstGeom>
-        </p:spPr>
-      </p:pic>
-      <p:pic>
-        <p:nvPicPr>
-          <p:cNvPr id="10" name="Picture 9">
-            <a:extLst>
-              <a:ext uri="{FF2B5EF4-FFF2-40B4-BE49-F238E27FC236}">
-                <a16:creationId xmlns:a16="http://schemas.microsoft.com/office/drawing/2014/main" id="{793EB265-1634-82D1-F896-51E6ED41E402}"/>
-              </a:ext>
-            </a:extLst>
-          </p:cNvPr>
-          <p:cNvPicPr>
-            <a:picLocks noChangeAspect="1"/>
-          </p:cNvPicPr>
-          <p:nvPr/>
-        </p:nvPicPr>
-        <p:blipFill>
-          <a:blip r:embed="rId4"/>
-          <a:stretch>
-            <a:fillRect/>
-          </a:stretch>
-        </p:blipFill>
-        <p:spPr>
-          <a:xfrm>
-            <a:off x="6421582" y="2691764"/>
+            <a:off x="5730498" y="2609851"/>
             <a:ext cx="5334000" cy="4000500"/>
           </a:xfrm>
           <a:prstGeom prst="rect">
@@ -4155,7 +6306,125 @@
     </p:spTree>
     <p:extLst>
       <p:ext uri="{BB962C8B-B14F-4D97-AF65-F5344CB8AC3E}">
-        <p14:creationId xmlns:p14="http://schemas.microsoft.com/office/powerpoint/2010/main" val="464265123"/>
+        <p14:creationId xmlns:p14="http://schemas.microsoft.com/office/powerpoint/2010/main" val="3563838626"/>
+      </p:ext>
+    </p:extLst>
+  </p:cSld>
+  <p:clrMapOvr>
+    <a:masterClrMapping/>
+  </p:clrMapOvr>
+</p:sld>
+</file>
+
+<file path=ppt/slides/slide22.xml><?xml version="1.0" encoding="utf-8"?>
+<p:sld xmlns:a="http://schemas.openxmlformats.org/drawingml/2006/main" xmlns:r="http://schemas.openxmlformats.org/officeDocument/2006/relationships" xmlns:p="http://schemas.openxmlformats.org/presentationml/2006/main">
+  <p:cSld>
+    <p:spTree>
+      <p:nvGrpSpPr>
+        <p:cNvPr id="1" name=""/>
+        <p:cNvGrpSpPr/>
+        <p:nvPr/>
+      </p:nvGrpSpPr>
+      <p:grpSpPr>
+        <a:xfrm>
+          <a:off x="0" y="0"/>
+          <a:ext cx="0" cy="0"/>
+          <a:chOff x="0" y="0"/>
+          <a:chExt cx="0" cy="0"/>
+        </a:xfrm>
+      </p:grpSpPr>
+      <p:sp>
+        <p:nvSpPr>
+          <p:cNvPr id="2" name="Title 1">
+            <a:extLst>
+              <a:ext uri="{FF2B5EF4-FFF2-40B4-BE49-F238E27FC236}">
+                <a16:creationId xmlns:a16="http://schemas.microsoft.com/office/drawing/2014/main" id="{E57AC282-AE79-E73C-746E-F933B5FD1C90}"/>
+              </a:ext>
+            </a:extLst>
+          </p:cNvPr>
+          <p:cNvSpPr>
+            <a:spLocks noGrp="1"/>
+          </p:cNvSpPr>
+          <p:nvPr>
+            <p:ph type="title"/>
+          </p:nvPr>
+        </p:nvSpPr>
+        <p:spPr/>
+        <p:txBody>
+          <a:bodyPr/>
+          <a:lstStyle/>
+          <a:p>
+            <a:r>
+              <a:rPr lang="en-US" dirty="0"/>
+              <a:t>TNK MORO</a:t>
+            </a:r>
+          </a:p>
+        </p:txBody>
+      </p:sp>
+      <p:pic>
+        <p:nvPicPr>
+          <p:cNvPr id="7" name="Picture 6">
+            <a:extLst>
+              <a:ext uri="{FF2B5EF4-FFF2-40B4-BE49-F238E27FC236}">
+                <a16:creationId xmlns:a16="http://schemas.microsoft.com/office/drawing/2014/main" id="{6B033247-CB0A-E906-48A8-635A77A76FE4}"/>
+              </a:ext>
+            </a:extLst>
+          </p:cNvPr>
+          <p:cNvPicPr>
+            <a:picLocks noChangeAspect="1"/>
+          </p:cNvPicPr>
+          <p:nvPr/>
+        </p:nvPicPr>
+        <p:blipFill>
+          <a:blip r:embed="rId2"/>
+          <a:stretch>
+            <a:fillRect/>
+          </a:stretch>
+        </p:blipFill>
+        <p:spPr>
+          <a:xfrm>
+            <a:off x="447964" y="1998518"/>
+            <a:ext cx="5334000" cy="4000500"/>
+          </a:xfrm>
+          <a:prstGeom prst="rect">
+            <a:avLst/>
+          </a:prstGeom>
+        </p:spPr>
+      </p:pic>
+      <p:pic>
+        <p:nvPicPr>
+          <p:cNvPr id="12" name="Picture 11">
+            <a:extLst>
+              <a:ext uri="{FF2B5EF4-FFF2-40B4-BE49-F238E27FC236}">
+                <a16:creationId xmlns:a16="http://schemas.microsoft.com/office/drawing/2014/main" id="{B6F7B0AC-7F85-DE60-27B4-8A47650A6D0A}"/>
+              </a:ext>
+            </a:extLst>
+          </p:cNvPr>
+          <p:cNvPicPr>
+            <a:picLocks noChangeAspect="1"/>
+          </p:cNvPicPr>
+          <p:nvPr/>
+        </p:nvPicPr>
+        <p:blipFill>
+          <a:blip r:embed="rId3"/>
+          <a:stretch>
+            <a:fillRect/>
+          </a:stretch>
+        </p:blipFill>
+        <p:spPr>
+          <a:xfrm>
+            <a:off x="6190672" y="1998518"/>
+            <a:ext cx="5334000" cy="4000500"/>
+          </a:xfrm>
+          <a:prstGeom prst="rect">
+            <a:avLst/>
+          </a:prstGeom>
+        </p:spPr>
+      </p:pic>
+    </p:spTree>
+    <p:extLst>
+      <p:ext uri="{BB962C8B-B14F-4D97-AF65-F5344CB8AC3E}">
+        <p14:creationId xmlns:p14="http://schemas.microsoft.com/office/powerpoint/2010/main" val="3804324711"/>
       </p:ext>
     </p:extLst>
   </p:cSld>
@@ -4205,58 +6474,28 @@
           <a:p>
             <a:r>
               <a:rPr lang="en-US" dirty="0"/>
-              <a:t>ZDT2</a:t>
-            </a:r>
-          </a:p>
-        </p:txBody>
-      </p:sp>
-      <p:pic>
-        <p:nvPicPr>
-          <p:cNvPr id="7" name="Picture 6">
-            <a:extLst>
-              <a:ext uri="{FF2B5EF4-FFF2-40B4-BE49-F238E27FC236}">
-                <a16:creationId xmlns:a16="http://schemas.microsoft.com/office/drawing/2014/main" id="{6D65155F-4B5A-21D4-C9E4-701A0FF97E30}"/>
-              </a:ext>
-            </a:extLst>
-          </p:cNvPr>
-          <p:cNvPicPr>
-            <a:picLocks noChangeAspect="1"/>
-          </p:cNvPicPr>
+              <a:t>ZDT1</a:t>
+            </a:r>
+          </a:p>
+        </p:txBody>
+      </p:sp>
+      <p:sp>
+        <p:nvSpPr>
+          <p:cNvPr id="4" name="Content Placeholder 2">
+            <a:extLst>
+              <a:ext uri="{FF2B5EF4-FFF2-40B4-BE49-F238E27FC236}">
+                <a16:creationId xmlns:a16="http://schemas.microsoft.com/office/drawing/2014/main" id="{1DC6B7C2-BA6B-E720-95B5-EE7AE1951921}"/>
+              </a:ext>
+            </a:extLst>
+          </p:cNvPr>
+          <p:cNvSpPr txBox="1">
+            <a:spLocks/>
+          </p:cNvSpPr>
           <p:nvPr/>
-        </p:nvPicPr>
-        <p:blipFill>
-          <a:blip r:embed="rId2"/>
-          <a:stretch>
-            <a:fillRect/>
-          </a:stretch>
-        </p:blipFill>
+        </p:nvSpPr>
         <p:spPr>
           <a:xfrm>
-            <a:off x="838200" y="2527980"/>
-            <a:ext cx="3787468" cy="3703641"/>
-          </a:xfrm>
-          <a:prstGeom prst="rect">
-            <a:avLst/>
-          </a:prstGeom>
-        </p:spPr>
-      </p:pic>
-      <p:sp>
-        <p:nvSpPr>
-          <p:cNvPr id="8" name="Content Placeholder 2">
-            <a:extLst>
-              <a:ext uri="{FF2B5EF4-FFF2-40B4-BE49-F238E27FC236}">
-                <a16:creationId xmlns:a16="http://schemas.microsoft.com/office/drawing/2014/main" id="{F2DF1BB6-0846-0563-F0A8-48969FF18CAB}"/>
-              </a:ext>
-            </a:extLst>
-          </p:cNvPr>
-          <p:cNvSpPr txBox="1">
-            <a:spLocks/>
-          </p:cNvSpPr>
-          <p:nvPr/>
-        </p:nvSpPr>
-        <p:spPr>
-          <a:xfrm>
-            <a:off x="1955646" y="1945320"/>
+            <a:off x="2466975" y="1920988"/>
             <a:ext cx="1552575" cy="557212"/>
           </a:xfrm>
           <a:prstGeom prst="rect">
@@ -4445,10 +6684,10 @@
       </p:sp>
       <p:sp>
         <p:nvSpPr>
-          <p:cNvPr id="9" name="Content Placeholder 2">
-            <a:extLst>
-              <a:ext uri="{FF2B5EF4-FFF2-40B4-BE49-F238E27FC236}">
-                <a16:creationId xmlns:a16="http://schemas.microsoft.com/office/drawing/2014/main" id="{EF73D135-8646-66DE-80E8-DEEC0B609B8C}"/>
+          <p:cNvPr id="5" name="Content Placeholder 2">
+            <a:extLst>
+              <a:ext uri="{FF2B5EF4-FFF2-40B4-BE49-F238E27FC236}">
+                <a16:creationId xmlns:a16="http://schemas.microsoft.com/office/drawing/2014/main" id="{04C8B03F-60BE-6FCE-65F3-136750993E0F}"/>
               </a:ext>
             </a:extLst>
           </p:cNvPr>
@@ -4648,57 +6887,10 @@
       </p:sp>
       <p:pic>
         <p:nvPicPr>
-          <p:cNvPr id="10" name="Picture 6" descr="ironicmeme #ironic #png #sunglasses #emoji #smileyface - Ironic Meme Smiley  Face, Transparent Png - kindpng">
-            <a:extLst>
-              <a:ext uri="{FF2B5EF4-FFF2-40B4-BE49-F238E27FC236}">
-                <a16:creationId xmlns:a16="http://schemas.microsoft.com/office/drawing/2014/main" id="{9DF4D4B6-7C92-BF68-8978-D069D604501A}"/>
-              </a:ext>
-            </a:extLst>
-          </p:cNvPr>
-          <p:cNvPicPr>
-            <a:picLocks noChangeAspect="1" noChangeArrowheads="1"/>
-          </p:cNvPicPr>
-          <p:nvPr/>
-        </p:nvPicPr>
-        <p:blipFill>
-          <a:blip r:embed="rId3">
-            <a:extLst>
-              <a:ext uri="{28A0092B-C50C-407E-A947-70E740481C1C}">
-                <a14:useLocalDpi xmlns:a14="http://schemas.microsoft.com/office/drawing/2010/main" val="0"/>
-              </a:ext>
-            </a:extLst>
-          </a:blip>
-          <a:srcRect/>
-          <a:stretch>
-            <a:fillRect/>
-          </a:stretch>
-        </p:blipFill>
-        <p:spPr bwMode="auto">
-          <a:xfrm>
-            <a:off x="4752975" y="165736"/>
-            <a:ext cx="3176587" cy="2228352"/>
-          </a:xfrm>
-          <a:prstGeom prst="rect">
-            <a:avLst/>
-          </a:prstGeom>
-          <a:noFill/>
-          <a:extLst>
-            <a:ext uri="{909E8E84-426E-40DD-AFC4-6F175D3DCCD1}">
-              <a14:hiddenFill xmlns:a14="http://schemas.microsoft.com/office/drawing/2010/main">
-                <a:solidFill>
-                  <a:srgbClr val="FFFFFF"/>
-                </a:solidFill>
-              </a14:hiddenFill>
-            </a:ext>
-          </a:extLst>
-        </p:spPr>
-      </p:pic>
-      <p:pic>
-        <p:nvPicPr>
-          <p:cNvPr id="12" name="Picture 11">
-            <a:extLst>
-              <a:ext uri="{FF2B5EF4-FFF2-40B4-BE49-F238E27FC236}">
-                <a16:creationId xmlns:a16="http://schemas.microsoft.com/office/drawing/2014/main" id="{82FF9F87-6751-A444-7122-905DE9277F38}"/>
+          <p:cNvPr id="8" name="Picture 7">
+            <a:extLst>
+              <a:ext uri="{FF2B5EF4-FFF2-40B4-BE49-F238E27FC236}">
+                <a16:creationId xmlns:a16="http://schemas.microsoft.com/office/drawing/2014/main" id="{BBDC19E7-EC12-5238-AE90-A4B0A02D9A55}"/>
               </a:ext>
             </a:extLst>
           </p:cNvPr>
@@ -4708,14 +6900,44 @@
           <p:nvPr/>
         </p:nvPicPr>
         <p:blipFill>
-          <a:blip r:embed="rId4"/>
+          <a:blip r:embed="rId2"/>
           <a:stretch>
             <a:fillRect/>
           </a:stretch>
         </p:blipFill>
         <p:spPr>
           <a:xfrm>
-            <a:off x="5885872" y="2502532"/>
+            <a:off x="950265" y="2516549"/>
+            <a:ext cx="3802710" cy="3726503"/>
+          </a:xfrm>
+          <a:prstGeom prst="rect">
+            <a:avLst/>
+          </a:prstGeom>
+        </p:spPr>
+      </p:pic>
+      <p:pic>
+        <p:nvPicPr>
+          <p:cNvPr id="11" name="Picture 10">
+            <a:extLst>
+              <a:ext uri="{FF2B5EF4-FFF2-40B4-BE49-F238E27FC236}">
+                <a16:creationId xmlns:a16="http://schemas.microsoft.com/office/drawing/2014/main" id="{E7C8FA56-F89F-29FB-7BD7-FF7DBF6A67F1}"/>
+              </a:ext>
+            </a:extLst>
+          </p:cNvPr>
+          <p:cNvPicPr>
+            <a:picLocks noChangeAspect="1"/>
+          </p:cNvPicPr>
+          <p:nvPr/>
+        </p:nvPicPr>
+        <p:blipFill>
+          <a:blip r:embed="rId3"/>
+          <a:stretch>
+            <a:fillRect/>
+          </a:stretch>
+        </p:blipFill>
+        <p:spPr>
+          <a:xfrm>
+            <a:off x="6019800" y="2379550"/>
             <a:ext cx="5334000" cy="4000500"/>
           </a:xfrm>
           <a:prstGeom prst="rect">
@@ -4726,7 +6948,7 @@
     </p:spTree>
     <p:extLst>
       <p:ext uri="{BB962C8B-B14F-4D97-AF65-F5344CB8AC3E}">
-        <p14:creationId xmlns:p14="http://schemas.microsoft.com/office/powerpoint/2010/main" val="1321518524"/>
+        <p14:creationId xmlns:p14="http://schemas.microsoft.com/office/powerpoint/2010/main" val="464265123"/>
       </p:ext>
     </p:extLst>
   </p:cSld>
@@ -4758,7 +6980,7 @@
           <p:cNvPr id="2" name="Title 1">
             <a:extLst>
               <a:ext uri="{FF2B5EF4-FFF2-40B4-BE49-F238E27FC236}">
-                <a16:creationId xmlns:a16="http://schemas.microsoft.com/office/drawing/2014/main" id="{E57AC282-AE79-E73C-746E-F933B5FD1C90}"/>
+                <a16:creationId xmlns:a16="http://schemas.microsoft.com/office/drawing/2014/main" id="{1FEA73A5-8F4D-90CD-4CC9-EE3364EC8D5F}"/>
               </a:ext>
             </a:extLst>
           </p:cNvPr>
@@ -4776,17 +6998,17 @@
           <a:p>
             <a:r>
               <a:rPr lang="en-US" dirty="0"/>
-              <a:t>ZDT3</a:t>
-            </a:r>
-          </a:p>
-        </p:txBody>
-      </p:sp>
-      <p:sp>
-        <p:nvSpPr>
-          <p:cNvPr id="3" name="Content Placeholder 2">
-            <a:extLst>
-              <a:ext uri="{FF2B5EF4-FFF2-40B4-BE49-F238E27FC236}">
-                <a16:creationId xmlns:a16="http://schemas.microsoft.com/office/drawing/2014/main" id="{E812159A-57A4-33DC-302C-5C250D7041A2}"/>
+              <a:t>ZDT1</a:t>
+            </a:r>
+          </a:p>
+        </p:txBody>
+      </p:sp>
+      <p:sp>
+        <p:nvSpPr>
+          <p:cNvPr id="8" name="Content Placeholder 7">
+            <a:extLst>
+              <a:ext uri="{FF2B5EF4-FFF2-40B4-BE49-F238E27FC236}">
+                <a16:creationId xmlns:a16="http://schemas.microsoft.com/office/drawing/2014/main" id="{89958DBC-91E7-6E8F-A9F1-DA99FE41D4B8}"/>
               </a:ext>
             </a:extLst>
           </p:cNvPr>
@@ -4799,30 +7021,24 @@
         </p:nvSpPr>
         <p:spPr>
           <a:xfrm>
-            <a:off x="3200400" y="1690688"/>
-            <a:ext cx="1552575" cy="557212"/>
+            <a:off x="838200" y="1825625"/>
+            <a:ext cx="5181600" cy="4351338"/>
           </a:xfrm>
         </p:spPr>
         <p:txBody>
           <a:bodyPr/>
           <a:lstStyle/>
           <a:p>
-            <a:pPr marL="0" indent="0">
-              <a:buNone/>
-            </a:pPr>
-            <a:r>
-              <a:rPr lang="en-US" b="1" i="1" dirty="0"/>
-              <a:t>GOAL</a:t>
-            </a:r>
+            <a:endParaRPr lang="en-US" dirty="0"/>
           </a:p>
         </p:txBody>
       </p:sp>
       <p:pic>
         <p:nvPicPr>
-          <p:cNvPr id="9" name="Picture 8">
-            <a:extLst>
-              <a:ext uri="{FF2B5EF4-FFF2-40B4-BE49-F238E27FC236}">
-                <a16:creationId xmlns:a16="http://schemas.microsoft.com/office/drawing/2014/main" id="{8342E3F9-0423-32B1-A5F0-A692510C9E56}"/>
+          <p:cNvPr id="10" name="Picture 9">
+            <a:extLst>
+              <a:ext uri="{FF2B5EF4-FFF2-40B4-BE49-F238E27FC236}">
+                <a16:creationId xmlns:a16="http://schemas.microsoft.com/office/drawing/2014/main" id="{DA859DBD-E2AE-6D21-5703-BBFA82E3D0EA}"/>
               </a:ext>
             </a:extLst>
           </p:cNvPr>
@@ -4839,223 +7055,20 @@
         </p:blipFill>
         <p:spPr>
           <a:xfrm>
-            <a:off x="1377243" y="2723451"/>
-            <a:ext cx="4057021" cy="3489909"/>
+            <a:off x="150091" y="2176463"/>
+            <a:ext cx="5334000" cy="4000500"/>
           </a:xfrm>
           <a:prstGeom prst="rect">
             <a:avLst/>
           </a:prstGeom>
         </p:spPr>
       </p:pic>
-      <p:sp>
-        <p:nvSpPr>
-          <p:cNvPr id="10" name="Content Placeholder 2">
-            <a:extLst>
-              <a:ext uri="{FF2B5EF4-FFF2-40B4-BE49-F238E27FC236}">
-                <a16:creationId xmlns:a16="http://schemas.microsoft.com/office/drawing/2014/main" id="{FF7E7C8B-4021-2F8B-9656-FB3EC9A8A85E}"/>
-              </a:ext>
-            </a:extLst>
-          </p:cNvPr>
-          <p:cNvSpPr txBox="1">
-            <a:spLocks/>
-          </p:cNvSpPr>
-          <p:nvPr/>
-        </p:nvSpPr>
-        <p:spPr>
-          <a:xfrm>
-            <a:off x="8172450" y="1690688"/>
-            <a:ext cx="1552575" cy="557212"/>
-          </a:xfrm>
-          <a:prstGeom prst="rect">
-            <a:avLst/>
-          </a:prstGeom>
-        </p:spPr>
-        <p:txBody>
-          <a:bodyPr vert="horz" lIns="91440" tIns="45720" rIns="91440" bIns="45720" rtlCol="0">
-            <a:normAutofit/>
-          </a:bodyPr>
-          <a:lstStyle>
-            <a:lvl1pPr marL="228600" indent="-228600" algn="l" defTabSz="914400" rtl="0" eaLnBrk="1" latinLnBrk="0" hangingPunct="1">
-              <a:lnSpc>
-                <a:spcPct val="90000"/>
-              </a:lnSpc>
-              <a:spcBef>
-                <a:spcPts val="1000"/>
-              </a:spcBef>
-              <a:buFont typeface="Arial" panose="020B0604020202020204" pitchFamily="34" charset="0"/>
-              <a:buChar char="•"/>
-              <a:defRPr sz="2800" kern="1200">
-                <a:solidFill>
-                  <a:schemeClr val="tx1"/>
-                </a:solidFill>
-                <a:latin typeface="+mn-lt"/>
-                <a:ea typeface="+mn-ea"/>
-                <a:cs typeface="+mn-cs"/>
-              </a:defRPr>
-            </a:lvl1pPr>
-            <a:lvl2pPr marL="685800" indent="-228600" algn="l" defTabSz="914400" rtl="0" eaLnBrk="1" latinLnBrk="0" hangingPunct="1">
-              <a:lnSpc>
-                <a:spcPct val="90000"/>
-              </a:lnSpc>
-              <a:spcBef>
-                <a:spcPts val="500"/>
-              </a:spcBef>
-              <a:buFont typeface="Arial" panose="020B0604020202020204" pitchFamily="34" charset="0"/>
-              <a:buChar char="•"/>
-              <a:defRPr sz="2400" kern="1200">
-                <a:solidFill>
-                  <a:schemeClr val="tx1"/>
-                </a:solidFill>
-                <a:latin typeface="+mn-lt"/>
-                <a:ea typeface="+mn-ea"/>
-                <a:cs typeface="+mn-cs"/>
-              </a:defRPr>
-            </a:lvl2pPr>
-            <a:lvl3pPr marL="1143000" indent="-228600" algn="l" defTabSz="914400" rtl="0" eaLnBrk="1" latinLnBrk="0" hangingPunct="1">
-              <a:lnSpc>
-                <a:spcPct val="90000"/>
-              </a:lnSpc>
-              <a:spcBef>
-                <a:spcPts val="500"/>
-              </a:spcBef>
-              <a:buFont typeface="Arial" panose="020B0604020202020204" pitchFamily="34" charset="0"/>
-              <a:buChar char="•"/>
-              <a:defRPr sz="2000" kern="1200">
-                <a:solidFill>
-                  <a:schemeClr val="tx1"/>
-                </a:solidFill>
-                <a:latin typeface="+mn-lt"/>
-                <a:ea typeface="+mn-ea"/>
-                <a:cs typeface="+mn-cs"/>
-              </a:defRPr>
-            </a:lvl3pPr>
-            <a:lvl4pPr marL="1600200" indent="-228600" algn="l" defTabSz="914400" rtl="0" eaLnBrk="1" latinLnBrk="0" hangingPunct="1">
-              <a:lnSpc>
-                <a:spcPct val="90000"/>
-              </a:lnSpc>
-              <a:spcBef>
-                <a:spcPts val="500"/>
-              </a:spcBef>
-              <a:buFont typeface="Arial" panose="020B0604020202020204" pitchFamily="34" charset="0"/>
-              <a:buChar char="•"/>
-              <a:defRPr sz="1800" kern="1200">
-                <a:solidFill>
-                  <a:schemeClr val="tx1"/>
-                </a:solidFill>
-                <a:latin typeface="+mn-lt"/>
-                <a:ea typeface="+mn-ea"/>
-                <a:cs typeface="+mn-cs"/>
-              </a:defRPr>
-            </a:lvl4pPr>
-            <a:lvl5pPr marL="2057400" indent="-228600" algn="l" defTabSz="914400" rtl="0" eaLnBrk="1" latinLnBrk="0" hangingPunct="1">
-              <a:lnSpc>
-                <a:spcPct val="90000"/>
-              </a:lnSpc>
-              <a:spcBef>
-                <a:spcPts val="500"/>
-              </a:spcBef>
-              <a:buFont typeface="Arial" panose="020B0604020202020204" pitchFamily="34" charset="0"/>
-              <a:buChar char="•"/>
-              <a:defRPr sz="1800" kern="1200">
-                <a:solidFill>
-                  <a:schemeClr val="tx1"/>
-                </a:solidFill>
-                <a:latin typeface="+mn-lt"/>
-                <a:ea typeface="+mn-ea"/>
-                <a:cs typeface="+mn-cs"/>
-              </a:defRPr>
-            </a:lvl5pPr>
-            <a:lvl6pPr marL="2514600" indent="-228600" algn="l" defTabSz="914400" rtl="0" eaLnBrk="1" latinLnBrk="0" hangingPunct="1">
-              <a:lnSpc>
-                <a:spcPct val="90000"/>
-              </a:lnSpc>
-              <a:spcBef>
-                <a:spcPts val="500"/>
-              </a:spcBef>
-              <a:buFont typeface="Arial" panose="020B0604020202020204" pitchFamily="34" charset="0"/>
-              <a:buChar char="•"/>
-              <a:defRPr sz="1800" kern="1200">
-                <a:solidFill>
-                  <a:schemeClr val="tx1"/>
-                </a:solidFill>
-                <a:latin typeface="+mn-lt"/>
-                <a:ea typeface="+mn-ea"/>
-                <a:cs typeface="+mn-cs"/>
-              </a:defRPr>
-            </a:lvl6pPr>
-            <a:lvl7pPr marL="2971800" indent="-228600" algn="l" defTabSz="914400" rtl="0" eaLnBrk="1" latinLnBrk="0" hangingPunct="1">
-              <a:lnSpc>
-                <a:spcPct val="90000"/>
-              </a:lnSpc>
-              <a:spcBef>
-                <a:spcPts val="500"/>
-              </a:spcBef>
-              <a:buFont typeface="Arial" panose="020B0604020202020204" pitchFamily="34" charset="0"/>
-              <a:buChar char="•"/>
-              <a:defRPr sz="1800" kern="1200">
-                <a:solidFill>
-                  <a:schemeClr val="tx1"/>
-                </a:solidFill>
-                <a:latin typeface="+mn-lt"/>
-                <a:ea typeface="+mn-ea"/>
-                <a:cs typeface="+mn-cs"/>
-              </a:defRPr>
-            </a:lvl7pPr>
-            <a:lvl8pPr marL="3429000" indent="-228600" algn="l" defTabSz="914400" rtl="0" eaLnBrk="1" latinLnBrk="0" hangingPunct="1">
-              <a:lnSpc>
-                <a:spcPct val="90000"/>
-              </a:lnSpc>
-              <a:spcBef>
-                <a:spcPts val="500"/>
-              </a:spcBef>
-              <a:buFont typeface="Arial" panose="020B0604020202020204" pitchFamily="34" charset="0"/>
-              <a:buChar char="•"/>
-              <a:defRPr sz="1800" kern="1200">
-                <a:solidFill>
-                  <a:schemeClr val="tx1"/>
-                </a:solidFill>
-                <a:latin typeface="+mn-lt"/>
-                <a:ea typeface="+mn-ea"/>
-                <a:cs typeface="+mn-cs"/>
-              </a:defRPr>
-            </a:lvl8pPr>
-            <a:lvl9pPr marL="3886200" indent="-228600" algn="l" defTabSz="914400" rtl="0" eaLnBrk="1" latinLnBrk="0" hangingPunct="1">
-              <a:lnSpc>
-                <a:spcPct val="90000"/>
-              </a:lnSpc>
-              <a:spcBef>
-                <a:spcPts val="500"/>
-              </a:spcBef>
-              <a:buFont typeface="Arial" panose="020B0604020202020204" pitchFamily="34" charset="0"/>
-              <a:buChar char="•"/>
-              <a:defRPr sz="1800" kern="1200">
-                <a:solidFill>
-                  <a:schemeClr val="tx1"/>
-                </a:solidFill>
-                <a:latin typeface="+mn-lt"/>
-                <a:ea typeface="+mn-ea"/>
-                <a:cs typeface="+mn-cs"/>
-              </a:defRPr>
-            </a:lvl9pPr>
-          </a:lstStyle>
-          <a:p>
-            <a:pPr marL="0" indent="0">
-              <a:buFont typeface="Arial" panose="020B0604020202020204" pitchFamily="34" charset="0"/>
-              <a:buNone/>
-            </a:pPr>
-            <a:r>
-              <a:rPr lang="en-US" b="1" i="1" dirty="0"/>
-              <a:t>Achieved</a:t>
-            </a:r>
-          </a:p>
-        </p:txBody>
-      </p:sp>
       <p:pic>
         <p:nvPicPr>
           <p:cNvPr id="12" name="Picture 11">
             <a:extLst>
               <a:ext uri="{FF2B5EF4-FFF2-40B4-BE49-F238E27FC236}">
-                <a16:creationId xmlns:a16="http://schemas.microsoft.com/office/drawing/2014/main" id="{69BC2F75-6EED-D527-B6E3-3D847087A83D}"/>
+                <a16:creationId xmlns:a16="http://schemas.microsoft.com/office/drawing/2014/main" id="{506193D4-A934-18C3-D53D-B58209391A72}"/>
               </a:ext>
             </a:extLst>
           </p:cNvPr>
@@ -5072,8 +7085,8 @@
         </p:blipFill>
         <p:spPr>
           <a:xfrm>
-            <a:off x="6513095" y="2588731"/>
-            <a:ext cx="4547937" cy="3410953"/>
+            <a:off x="6102157" y="1909041"/>
+            <a:ext cx="5939752" cy="4454814"/>
           </a:xfrm>
           <a:prstGeom prst="rect">
             <a:avLst/>
@@ -5082,55 +7095,38 @@
       </p:pic>
       <p:pic>
         <p:nvPicPr>
-          <p:cNvPr id="4" name="Picture 6" descr="ironicmeme #ironic #png #sunglasses #emoji #smileyface - Ironic Meme Smiley  Face, Transparent Png - kindpng">
-            <a:extLst>
-              <a:ext uri="{FF2B5EF4-FFF2-40B4-BE49-F238E27FC236}">
-                <a16:creationId xmlns:a16="http://schemas.microsoft.com/office/drawing/2014/main" id="{A6DB6901-B997-8AC1-5018-E4CB18A1655F}"/>
+          <p:cNvPr id="14" name="Picture 13">
+            <a:extLst>
+              <a:ext uri="{FF2B5EF4-FFF2-40B4-BE49-F238E27FC236}">
+                <a16:creationId xmlns:a16="http://schemas.microsoft.com/office/drawing/2014/main" id="{96C042E4-0CC1-A9CB-103B-08137B2F2389}"/>
               </a:ext>
             </a:extLst>
           </p:cNvPr>
           <p:cNvPicPr>
-            <a:picLocks noChangeAspect="1" noChangeArrowheads="1"/>
+            <a:picLocks noChangeAspect="1"/>
           </p:cNvPicPr>
           <p:nvPr/>
         </p:nvPicPr>
         <p:blipFill>
-          <a:blip r:embed="rId4">
-            <a:extLst>
-              <a:ext uri="{28A0092B-C50C-407E-A947-70E740481C1C}">
-                <a14:useLocalDpi xmlns:a14="http://schemas.microsoft.com/office/drawing/2010/main" val="0"/>
-              </a:ext>
-            </a:extLst>
-          </a:blip>
-          <a:srcRect/>
+          <a:blip r:embed="rId4"/>
           <a:stretch>
             <a:fillRect/>
           </a:stretch>
         </p:blipFill>
-        <p:spPr bwMode="auto">
+        <p:spPr>
           <a:xfrm>
-            <a:off x="4752975" y="122604"/>
-            <a:ext cx="3176587" cy="2228352"/>
+            <a:off x="4911480" y="365125"/>
+            <a:ext cx="3004083" cy="1072129"/>
           </a:xfrm>
           <a:prstGeom prst="rect">
             <a:avLst/>
           </a:prstGeom>
-          <a:noFill/>
-          <a:extLst>
-            <a:ext uri="{909E8E84-426E-40DD-AFC4-6F175D3DCCD1}">
-              <a14:hiddenFill xmlns:a14="http://schemas.microsoft.com/office/drawing/2010/main">
-                <a:solidFill>
-                  <a:srgbClr val="FFFFFF"/>
-                </a:solidFill>
-              </a14:hiddenFill>
-            </a:ext>
-          </a:extLst>
         </p:spPr>
       </p:pic>
     </p:spTree>
     <p:extLst>
       <p:ext uri="{BB962C8B-B14F-4D97-AF65-F5344CB8AC3E}">
-        <p14:creationId xmlns:p14="http://schemas.microsoft.com/office/powerpoint/2010/main" val="997316688"/>
+        <p14:creationId xmlns:p14="http://schemas.microsoft.com/office/powerpoint/2010/main" val="339727355"/>
       </p:ext>
     </p:extLst>
   </p:cSld>
@@ -5162,15 +7158,15 @@
           <p:cNvPr id="2" name="Title 1">
             <a:extLst>
               <a:ext uri="{FF2B5EF4-FFF2-40B4-BE49-F238E27FC236}">
-                <a16:creationId xmlns:a16="http://schemas.microsoft.com/office/drawing/2014/main" id="{E57AC282-AE79-E73C-746E-F933B5FD1C90}"/>
-              </a:ext>
-            </a:extLst>
-          </p:cNvPr>
-          <p:cNvSpPr>
-            <a:spLocks noGrp="1"/>
-          </p:cNvSpPr>
-          <p:nvPr>
-            <p:ph type="title"/>
+                <a16:creationId xmlns:a16="http://schemas.microsoft.com/office/drawing/2014/main" id="{47779500-2C47-AECC-19DB-5321B4B83295}"/>
+              </a:ext>
+            </a:extLst>
+          </p:cNvPr>
+          <p:cNvSpPr>
+            <a:spLocks noGrp="1"/>
+          </p:cNvSpPr>
+          <p:nvPr>
+            <p:ph type="ctrTitle"/>
           </p:nvPr>
         </p:nvSpPr>
         <p:spPr/>
@@ -5180,361 +7176,132 @@
           <a:p>
             <a:r>
               <a:rPr lang="en-US" dirty="0"/>
-              <a:t>OSY</a:t>
-            </a:r>
-          </a:p>
-        </p:txBody>
-      </p:sp>
-      <p:sp>
-        <p:nvSpPr>
-          <p:cNvPr id="3" name="Content Placeholder 2">
-            <a:extLst>
-              <a:ext uri="{FF2B5EF4-FFF2-40B4-BE49-F238E27FC236}">
-                <a16:creationId xmlns:a16="http://schemas.microsoft.com/office/drawing/2014/main" id="{E812159A-57A4-33DC-302C-5C250D7041A2}"/>
-              </a:ext>
-            </a:extLst>
-          </p:cNvPr>
-          <p:cNvSpPr>
-            <a:spLocks noGrp="1"/>
-          </p:cNvSpPr>
-          <p:nvPr>
-            <p:ph idx="1"/>
-          </p:nvPr>
+              <a:t>ZDT2 Problem</a:t>
+            </a:r>
+          </a:p>
+        </p:txBody>
+      </p:sp>
+      <p:sp>
+        <p:nvSpPr>
+          <p:cNvPr id="3" name="Subtitle 2">
+            <a:extLst>
+              <a:ext uri="{FF2B5EF4-FFF2-40B4-BE49-F238E27FC236}">
+                <a16:creationId xmlns:a16="http://schemas.microsoft.com/office/drawing/2014/main" id="{B6FBAECE-2BF7-C65C-95E1-573F8C3EA740}"/>
+              </a:ext>
+            </a:extLst>
+          </p:cNvPr>
+          <p:cNvSpPr>
+            <a:spLocks noGrp="1"/>
+          </p:cNvSpPr>
+          <p:nvPr>
+            <p:ph type="subTitle" idx="1"/>
+          </p:nvPr>
+        </p:nvSpPr>
+        <p:spPr/>
+        <p:txBody>
+          <a:bodyPr/>
+          <a:lstStyle/>
+          <a:p>
+            <a:endParaRPr lang="en-US"/>
+          </a:p>
+        </p:txBody>
+      </p:sp>
+      <p:sp>
+        <p:nvSpPr>
+          <p:cNvPr id="4" name="Oval 3">
+            <a:extLst>
+              <a:ext uri="{FF2B5EF4-FFF2-40B4-BE49-F238E27FC236}">
+                <a16:creationId xmlns:a16="http://schemas.microsoft.com/office/drawing/2014/main" id="{699A6BDB-234C-8446-EBCA-78E9EA237465}"/>
+              </a:ext>
+            </a:extLst>
+          </p:cNvPr>
+          <p:cNvSpPr/>
+          <p:nvPr/>
         </p:nvSpPr>
         <p:spPr>
           <a:xfrm>
-            <a:off x="2823411" y="1786940"/>
-            <a:ext cx="1552575" cy="557212"/>
+            <a:off x="2779363" y="2514600"/>
+            <a:ext cx="914400" cy="914400"/>
           </a:xfrm>
-        </p:spPr>
-        <p:txBody>
-          <a:bodyPr/>
-          <a:lstStyle/>
-          <a:p>
-            <a:pPr marL="0" indent="0">
-              <a:buNone/>
-            </a:pPr>
-            <a:r>
-              <a:rPr lang="en-US" b="1" i="1" dirty="0"/>
-              <a:t>GOAL</a:t>
-            </a:r>
-          </a:p>
-        </p:txBody>
-      </p:sp>
-      <p:sp>
-        <p:nvSpPr>
-          <p:cNvPr id="10" name="Content Placeholder 2">
-            <a:extLst>
-              <a:ext uri="{FF2B5EF4-FFF2-40B4-BE49-F238E27FC236}">
-                <a16:creationId xmlns:a16="http://schemas.microsoft.com/office/drawing/2014/main" id="{FF7E7C8B-4021-2F8B-9656-FB3EC9A8A85E}"/>
-              </a:ext>
-            </a:extLst>
-          </p:cNvPr>
-          <p:cNvSpPr txBox="1">
-            <a:spLocks/>
-          </p:cNvSpPr>
-          <p:nvPr/>
-        </p:nvSpPr>
-        <p:spPr>
-          <a:xfrm>
-            <a:off x="8172450" y="1690688"/>
-            <a:ext cx="1552575" cy="557212"/>
-          </a:xfrm>
-          <a:prstGeom prst="rect">
+          <a:prstGeom prst="ellipse">
             <a:avLst/>
           </a:prstGeom>
         </p:spPr>
-        <p:txBody>
-          <a:bodyPr vert="horz" lIns="91440" tIns="45720" rIns="91440" bIns="45720" rtlCol="0">
-            <a:normAutofit/>
-          </a:bodyPr>
-          <a:lstStyle>
-            <a:lvl1pPr marL="228600" indent="-228600" algn="l" defTabSz="914400" rtl="0" eaLnBrk="1" latinLnBrk="0" hangingPunct="1">
-              <a:lnSpc>
-                <a:spcPct val="90000"/>
-              </a:lnSpc>
-              <a:spcBef>
-                <a:spcPts val="1000"/>
-              </a:spcBef>
-              <a:buFont typeface="Arial" panose="020B0604020202020204" pitchFamily="34" charset="0"/>
-              <a:buChar char="•"/>
-              <a:defRPr sz="2800" kern="1200">
-                <a:solidFill>
-                  <a:schemeClr val="tx1"/>
-                </a:solidFill>
-                <a:latin typeface="+mn-lt"/>
-                <a:ea typeface="+mn-ea"/>
-                <a:cs typeface="+mn-cs"/>
-              </a:defRPr>
-            </a:lvl1pPr>
-            <a:lvl2pPr marL="685800" indent="-228600" algn="l" defTabSz="914400" rtl="0" eaLnBrk="1" latinLnBrk="0" hangingPunct="1">
-              <a:lnSpc>
-                <a:spcPct val="90000"/>
-              </a:lnSpc>
-              <a:spcBef>
-                <a:spcPts val="500"/>
-              </a:spcBef>
-              <a:buFont typeface="Arial" panose="020B0604020202020204" pitchFamily="34" charset="0"/>
-              <a:buChar char="•"/>
-              <a:defRPr sz="2400" kern="1200">
-                <a:solidFill>
-                  <a:schemeClr val="tx1"/>
-                </a:solidFill>
-                <a:latin typeface="+mn-lt"/>
-                <a:ea typeface="+mn-ea"/>
-                <a:cs typeface="+mn-cs"/>
-              </a:defRPr>
-            </a:lvl2pPr>
-            <a:lvl3pPr marL="1143000" indent="-228600" algn="l" defTabSz="914400" rtl="0" eaLnBrk="1" latinLnBrk="0" hangingPunct="1">
-              <a:lnSpc>
-                <a:spcPct val="90000"/>
-              </a:lnSpc>
-              <a:spcBef>
-                <a:spcPts val="500"/>
-              </a:spcBef>
-              <a:buFont typeface="Arial" panose="020B0604020202020204" pitchFamily="34" charset="0"/>
-              <a:buChar char="•"/>
-              <a:defRPr sz="2000" kern="1200">
-                <a:solidFill>
-                  <a:schemeClr val="tx1"/>
-                </a:solidFill>
-                <a:latin typeface="+mn-lt"/>
-                <a:ea typeface="+mn-ea"/>
-                <a:cs typeface="+mn-cs"/>
-              </a:defRPr>
-            </a:lvl3pPr>
-            <a:lvl4pPr marL="1600200" indent="-228600" algn="l" defTabSz="914400" rtl="0" eaLnBrk="1" latinLnBrk="0" hangingPunct="1">
-              <a:lnSpc>
-                <a:spcPct val="90000"/>
-              </a:lnSpc>
-              <a:spcBef>
-                <a:spcPts val="500"/>
-              </a:spcBef>
-              <a:buFont typeface="Arial" panose="020B0604020202020204" pitchFamily="34" charset="0"/>
-              <a:buChar char="•"/>
-              <a:defRPr sz="1800" kern="1200">
-                <a:solidFill>
-                  <a:schemeClr val="tx1"/>
-                </a:solidFill>
-                <a:latin typeface="+mn-lt"/>
-                <a:ea typeface="+mn-ea"/>
-                <a:cs typeface="+mn-cs"/>
-              </a:defRPr>
-            </a:lvl4pPr>
-            <a:lvl5pPr marL="2057400" indent="-228600" algn="l" defTabSz="914400" rtl="0" eaLnBrk="1" latinLnBrk="0" hangingPunct="1">
-              <a:lnSpc>
-                <a:spcPct val="90000"/>
-              </a:lnSpc>
-              <a:spcBef>
-                <a:spcPts val="500"/>
-              </a:spcBef>
-              <a:buFont typeface="Arial" panose="020B0604020202020204" pitchFamily="34" charset="0"/>
-              <a:buChar char="•"/>
-              <a:defRPr sz="1800" kern="1200">
-                <a:solidFill>
-                  <a:schemeClr val="tx1"/>
-                </a:solidFill>
-                <a:latin typeface="+mn-lt"/>
-                <a:ea typeface="+mn-ea"/>
-                <a:cs typeface="+mn-cs"/>
-              </a:defRPr>
-            </a:lvl5pPr>
-            <a:lvl6pPr marL="2514600" indent="-228600" algn="l" defTabSz="914400" rtl="0" eaLnBrk="1" latinLnBrk="0" hangingPunct="1">
-              <a:lnSpc>
-                <a:spcPct val="90000"/>
-              </a:lnSpc>
-              <a:spcBef>
-                <a:spcPts val="500"/>
-              </a:spcBef>
-              <a:buFont typeface="Arial" panose="020B0604020202020204" pitchFamily="34" charset="0"/>
-              <a:buChar char="•"/>
-              <a:defRPr sz="1800" kern="1200">
-                <a:solidFill>
-                  <a:schemeClr val="tx1"/>
-                </a:solidFill>
-                <a:latin typeface="+mn-lt"/>
-                <a:ea typeface="+mn-ea"/>
-                <a:cs typeface="+mn-cs"/>
-              </a:defRPr>
-            </a:lvl6pPr>
-            <a:lvl7pPr marL="2971800" indent="-228600" algn="l" defTabSz="914400" rtl="0" eaLnBrk="1" latinLnBrk="0" hangingPunct="1">
-              <a:lnSpc>
-                <a:spcPct val="90000"/>
-              </a:lnSpc>
-              <a:spcBef>
-                <a:spcPts val="500"/>
-              </a:spcBef>
-              <a:buFont typeface="Arial" panose="020B0604020202020204" pitchFamily="34" charset="0"/>
-              <a:buChar char="•"/>
-              <a:defRPr sz="1800" kern="1200">
-                <a:solidFill>
-                  <a:schemeClr val="tx1"/>
-                </a:solidFill>
-                <a:latin typeface="+mn-lt"/>
-                <a:ea typeface="+mn-ea"/>
-                <a:cs typeface="+mn-cs"/>
-              </a:defRPr>
-            </a:lvl7pPr>
-            <a:lvl8pPr marL="3429000" indent="-228600" algn="l" defTabSz="914400" rtl="0" eaLnBrk="1" latinLnBrk="0" hangingPunct="1">
-              <a:lnSpc>
-                <a:spcPct val="90000"/>
-              </a:lnSpc>
-              <a:spcBef>
-                <a:spcPts val="500"/>
-              </a:spcBef>
-              <a:buFont typeface="Arial" panose="020B0604020202020204" pitchFamily="34" charset="0"/>
-              <a:buChar char="•"/>
-              <a:defRPr sz="1800" kern="1200">
-                <a:solidFill>
-                  <a:schemeClr val="tx1"/>
-                </a:solidFill>
-                <a:latin typeface="+mn-lt"/>
-                <a:ea typeface="+mn-ea"/>
-                <a:cs typeface="+mn-cs"/>
-              </a:defRPr>
-            </a:lvl8pPr>
-            <a:lvl9pPr marL="3886200" indent="-228600" algn="l" defTabSz="914400" rtl="0" eaLnBrk="1" latinLnBrk="0" hangingPunct="1">
-              <a:lnSpc>
-                <a:spcPct val="90000"/>
-              </a:lnSpc>
-              <a:spcBef>
-                <a:spcPts val="500"/>
-              </a:spcBef>
-              <a:buFont typeface="Arial" panose="020B0604020202020204" pitchFamily="34" charset="0"/>
-              <a:buChar char="•"/>
-              <a:defRPr sz="1800" kern="1200">
-                <a:solidFill>
-                  <a:schemeClr val="tx1"/>
-                </a:solidFill>
-                <a:latin typeface="+mn-lt"/>
-                <a:ea typeface="+mn-ea"/>
-                <a:cs typeface="+mn-cs"/>
-              </a:defRPr>
-            </a:lvl9pPr>
-          </a:lstStyle>
-          <a:p>
-            <a:pPr marL="0" indent="0">
-              <a:buFont typeface="Arial" panose="020B0604020202020204" pitchFamily="34" charset="0"/>
-              <a:buNone/>
-            </a:pPr>
-            <a:r>
-              <a:rPr lang="en-US" b="1" i="1" dirty="0"/>
-              <a:t>Achieved</a:t>
-            </a:r>
-          </a:p>
-        </p:txBody>
-      </p:sp>
-      <p:pic>
-        <p:nvPicPr>
-          <p:cNvPr id="5" name="Picture 4">
-            <a:extLst>
-              <a:ext uri="{FF2B5EF4-FFF2-40B4-BE49-F238E27FC236}">
-                <a16:creationId xmlns:a16="http://schemas.microsoft.com/office/drawing/2014/main" id="{96E846FB-A10B-4E81-9D0D-DB3D0CC8E4C7}"/>
-              </a:ext>
-            </a:extLst>
-          </p:cNvPr>
-          <p:cNvPicPr>
-            <a:picLocks noChangeAspect="1"/>
-          </p:cNvPicPr>
+        <p:style>
+          <a:lnRef idx="2">
+            <a:schemeClr val="accent6">
+              <a:shade val="50000"/>
+            </a:schemeClr>
+          </a:lnRef>
+          <a:fillRef idx="1">
+            <a:schemeClr val="accent6"/>
+          </a:fillRef>
+          <a:effectRef idx="0">
+            <a:schemeClr val="accent6"/>
+          </a:effectRef>
+          <a:fontRef idx="minor">
+            <a:schemeClr val="lt1"/>
+          </a:fontRef>
+        </p:style>
+        <p:txBody>
+          <a:bodyPr rtlCol="0" anchor="ctr"/>
+          <a:lstStyle/>
+          <a:p>
+            <a:pPr algn="ctr"/>
+            <a:endParaRPr lang="en-US"/>
+          </a:p>
+        </p:txBody>
+      </p:sp>
+      <p:sp>
+        <p:nvSpPr>
+          <p:cNvPr id="5" name="Oval 4">
+            <a:extLst>
+              <a:ext uri="{FF2B5EF4-FFF2-40B4-BE49-F238E27FC236}">
+                <a16:creationId xmlns:a16="http://schemas.microsoft.com/office/drawing/2014/main" id="{81580DAC-7E21-81C8-C88D-03625444F161}"/>
+              </a:ext>
+            </a:extLst>
+          </p:cNvPr>
+          <p:cNvSpPr/>
           <p:nvPr/>
-        </p:nvPicPr>
-        <p:blipFill>
-          <a:blip r:embed="rId2"/>
-          <a:stretch>
-            <a:fillRect/>
-          </a:stretch>
-        </p:blipFill>
+        </p:nvSpPr>
         <p:spPr>
           <a:xfrm>
-            <a:off x="1303875" y="2517839"/>
-            <a:ext cx="4246693" cy="3460622"/>
+            <a:off x="8639836" y="2514600"/>
+            <a:ext cx="914400" cy="914400"/>
           </a:xfrm>
-          <a:prstGeom prst="rect">
+          <a:prstGeom prst="ellipse">
             <a:avLst/>
           </a:prstGeom>
         </p:spPr>
-      </p:pic>
-      <p:pic>
-        <p:nvPicPr>
-          <p:cNvPr id="7" name="Picture 6">
-            <a:extLst>
-              <a:ext uri="{FF2B5EF4-FFF2-40B4-BE49-F238E27FC236}">
-                <a16:creationId xmlns:a16="http://schemas.microsoft.com/office/drawing/2014/main" id="{1BF146BF-90B0-FC8C-AB80-0EF0DCC17B0D}"/>
-              </a:ext>
-            </a:extLst>
-          </p:cNvPr>
-          <p:cNvPicPr>
-            <a:picLocks noChangeAspect="1"/>
-          </p:cNvPicPr>
-          <p:nvPr/>
-        </p:nvPicPr>
-        <p:blipFill>
-          <a:blip r:embed="rId3"/>
-          <a:stretch>
-            <a:fillRect/>
-          </a:stretch>
-        </p:blipFill>
-        <p:spPr>
-          <a:xfrm>
-            <a:off x="5843337" y="2247900"/>
-            <a:ext cx="5334000" cy="4000500"/>
-          </a:xfrm>
-          <a:prstGeom prst="rect">
-            <a:avLst/>
-          </a:prstGeom>
-        </p:spPr>
-      </p:pic>
-      <p:pic>
-        <p:nvPicPr>
-          <p:cNvPr id="4" name="Picture 6" descr="ironicmeme #ironic #png #sunglasses #emoji #smileyface - Ironic Meme Smiley  Face, Transparent Png - kindpng">
-            <a:extLst>
-              <a:ext uri="{FF2B5EF4-FFF2-40B4-BE49-F238E27FC236}">
-                <a16:creationId xmlns:a16="http://schemas.microsoft.com/office/drawing/2014/main" id="{859B95A6-98A4-5378-D7D9-542BE2D0F4FD}"/>
-              </a:ext>
-            </a:extLst>
-          </p:cNvPr>
-          <p:cNvPicPr>
-            <a:picLocks noChangeAspect="1" noChangeArrowheads="1"/>
-          </p:cNvPicPr>
-          <p:nvPr/>
-        </p:nvPicPr>
-        <p:blipFill>
-          <a:blip r:embed="rId4">
-            <a:extLst>
-              <a:ext uri="{28A0092B-C50C-407E-A947-70E740481C1C}">
-                <a14:useLocalDpi xmlns:a14="http://schemas.microsoft.com/office/drawing/2010/main" val="0"/>
-              </a:ext>
-            </a:extLst>
-          </a:blip>
-          <a:srcRect/>
-          <a:stretch>
-            <a:fillRect/>
-          </a:stretch>
-        </p:blipFill>
-        <p:spPr bwMode="auto">
-          <a:xfrm>
-            <a:off x="4507706" y="19548"/>
-            <a:ext cx="3176587" cy="2228352"/>
-          </a:xfrm>
-          <a:prstGeom prst="rect">
-            <a:avLst/>
-          </a:prstGeom>
-          <a:noFill/>
-          <a:extLst>
-            <a:ext uri="{909E8E84-426E-40DD-AFC4-6F175D3DCCD1}">
-              <a14:hiddenFill xmlns:a14="http://schemas.microsoft.com/office/drawing/2010/main">
-                <a:solidFill>
-                  <a:srgbClr val="FFFFFF"/>
-                </a:solidFill>
-              </a14:hiddenFill>
-            </a:ext>
-          </a:extLst>
-        </p:spPr>
-      </p:pic>
+        <p:style>
+          <a:lnRef idx="2">
+            <a:schemeClr val="accent6">
+              <a:shade val="50000"/>
+            </a:schemeClr>
+          </a:lnRef>
+          <a:fillRef idx="1">
+            <a:schemeClr val="accent6"/>
+          </a:fillRef>
+          <a:effectRef idx="0">
+            <a:schemeClr val="accent6"/>
+          </a:effectRef>
+          <a:fontRef idx="minor">
+            <a:schemeClr val="lt1"/>
+          </a:fontRef>
+        </p:style>
+        <p:txBody>
+          <a:bodyPr rtlCol="0" anchor="ctr"/>
+          <a:lstStyle/>
+          <a:p>
+            <a:pPr algn="ctr"/>
+            <a:endParaRPr lang="en-US"/>
+          </a:p>
+        </p:txBody>
+      </p:sp>
     </p:spTree>
     <p:extLst>
       <p:ext uri="{BB962C8B-B14F-4D97-AF65-F5344CB8AC3E}">
-        <p14:creationId xmlns:p14="http://schemas.microsoft.com/office/powerpoint/2010/main" val="458469455"/>
+        <p14:creationId xmlns:p14="http://schemas.microsoft.com/office/powerpoint/2010/main" val="1078830218"/>
       </p:ext>
     </p:extLst>
   </p:cSld>
@@ -5566,7 +7333,7 @@
           <p:cNvPr id="2" name="Title 1">
             <a:extLst>
               <a:ext uri="{FF2B5EF4-FFF2-40B4-BE49-F238E27FC236}">
-                <a16:creationId xmlns:a16="http://schemas.microsoft.com/office/drawing/2014/main" id="{E57AC282-AE79-E73C-746E-F933B5FD1C90}"/>
+                <a16:creationId xmlns:a16="http://schemas.microsoft.com/office/drawing/2014/main" id="{4D0E55BA-1A55-C938-4B0D-BBC2C02069E7}"/>
               </a:ext>
             </a:extLst>
           </p:cNvPr>
@@ -5584,53 +7351,47 @@
           <a:p>
             <a:r>
               <a:rPr lang="en-US" dirty="0"/>
-              <a:t>CTP</a:t>
-            </a:r>
-          </a:p>
-        </p:txBody>
-      </p:sp>
-      <p:sp>
-        <p:nvSpPr>
-          <p:cNvPr id="3" name="Content Placeholder 2">
-            <a:extLst>
-              <a:ext uri="{FF2B5EF4-FFF2-40B4-BE49-F238E27FC236}">
-                <a16:creationId xmlns:a16="http://schemas.microsoft.com/office/drawing/2014/main" id="{E812159A-57A4-33DC-302C-5C250D7041A2}"/>
-              </a:ext>
-            </a:extLst>
-          </p:cNvPr>
-          <p:cNvSpPr>
-            <a:spLocks noGrp="1"/>
-          </p:cNvSpPr>
-          <p:nvPr>
-            <p:ph idx="1"/>
-          </p:nvPr>
-        </p:nvSpPr>
+              <a:t>ZDT2</a:t>
+            </a:r>
+          </a:p>
+        </p:txBody>
+      </p:sp>
+      <p:pic>
+        <p:nvPicPr>
+          <p:cNvPr id="7" name="Picture 6">
+            <a:extLst>
+              <a:ext uri="{FF2B5EF4-FFF2-40B4-BE49-F238E27FC236}">
+                <a16:creationId xmlns:a16="http://schemas.microsoft.com/office/drawing/2014/main" id="{6D65155F-4B5A-21D4-C9E4-701A0FF97E30}"/>
+              </a:ext>
+            </a:extLst>
+          </p:cNvPr>
+          <p:cNvPicPr>
+            <a:picLocks noChangeAspect="1"/>
+          </p:cNvPicPr>
+          <p:nvPr/>
+        </p:nvPicPr>
+        <p:blipFill>
+          <a:blip r:embed="rId2"/>
+          <a:stretch>
+            <a:fillRect/>
+          </a:stretch>
+        </p:blipFill>
         <p:spPr>
           <a:xfrm>
-            <a:off x="3200400" y="1690688"/>
-            <a:ext cx="1552575" cy="557212"/>
+            <a:off x="838200" y="2527980"/>
+            <a:ext cx="3787468" cy="3703641"/>
           </a:xfrm>
+          <a:prstGeom prst="rect">
+            <a:avLst/>
+          </a:prstGeom>
         </p:spPr>
-        <p:txBody>
-          <a:bodyPr/>
-          <a:lstStyle/>
-          <a:p>
-            <a:pPr marL="0" indent="0">
-              <a:buNone/>
-            </a:pPr>
-            <a:r>
-              <a:rPr lang="en-US" b="1" i="1" dirty="0"/>
-              <a:t>GOAL</a:t>
-            </a:r>
-          </a:p>
-        </p:txBody>
-      </p:sp>
-      <p:sp>
-        <p:nvSpPr>
-          <p:cNvPr id="10" name="Content Placeholder 2">
-            <a:extLst>
-              <a:ext uri="{FF2B5EF4-FFF2-40B4-BE49-F238E27FC236}">
-                <a16:creationId xmlns:a16="http://schemas.microsoft.com/office/drawing/2014/main" id="{FF7E7C8B-4021-2F8B-9656-FB3EC9A8A85E}"/>
+      </p:pic>
+      <p:sp>
+        <p:nvSpPr>
+          <p:cNvPr id="8" name="Content Placeholder 2">
+            <a:extLst>
+              <a:ext uri="{FF2B5EF4-FFF2-40B4-BE49-F238E27FC236}">
+                <a16:creationId xmlns:a16="http://schemas.microsoft.com/office/drawing/2014/main" id="{F2DF1BB6-0846-0563-F0A8-48969FF18CAB}"/>
               </a:ext>
             </a:extLst>
           </p:cNvPr>
@@ -5641,7 +7402,7 @@
         </p:nvSpPr>
         <p:spPr>
           <a:xfrm>
-            <a:off x="8172450" y="1690688"/>
+            <a:off x="1955646" y="1945320"/>
             <a:ext cx="1552575" cy="557212"/>
           </a:xfrm>
           <a:prstGeom prst="rect">
@@ -5823,47 +7584,220 @@
             </a:pPr>
             <a:r>
               <a:rPr lang="en-US" b="1" i="1" dirty="0"/>
-              <a:t>Achieved</a:t>
-            </a:r>
-          </a:p>
-        </p:txBody>
-      </p:sp>
-      <p:pic>
-        <p:nvPicPr>
-          <p:cNvPr id="5" name="Picture 4">
-            <a:extLst>
-              <a:ext uri="{FF2B5EF4-FFF2-40B4-BE49-F238E27FC236}">
-                <a16:creationId xmlns:a16="http://schemas.microsoft.com/office/drawing/2014/main" id="{DB6703AB-3C4E-328C-1116-E4AD6E07A340}"/>
-              </a:ext>
-            </a:extLst>
-          </p:cNvPr>
-          <p:cNvPicPr>
-            <a:picLocks noChangeAspect="1"/>
-          </p:cNvPicPr>
+              <a:t>GOAL</a:t>
+            </a:r>
+          </a:p>
+        </p:txBody>
+      </p:sp>
+      <p:sp>
+        <p:nvSpPr>
+          <p:cNvPr id="9" name="Content Placeholder 2">
+            <a:extLst>
+              <a:ext uri="{FF2B5EF4-FFF2-40B4-BE49-F238E27FC236}">
+                <a16:creationId xmlns:a16="http://schemas.microsoft.com/office/drawing/2014/main" id="{EF73D135-8646-66DE-80E8-DEEC0B609B8C}"/>
+              </a:ext>
+            </a:extLst>
+          </p:cNvPr>
+          <p:cNvSpPr txBox="1">
+            <a:spLocks/>
+          </p:cNvSpPr>
           <p:nvPr/>
-        </p:nvPicPr>
-        <p:blipFill>
-          <a:blip r:embed="rId2"/>
-          <a:stretch>
-            <a:fillRect/>
-          </a:stretch>
-        </p:blipFill>
+        </p:nvSpPr>
         <p:spPr>
           <a:xfrm>
-            <a:off x="669758" y="2646947"/>
-            <a:ext cx="4907547" cy="3680660"/>
+            <a:off x="8865393" y="1920988"/>
+            <a:ext cx="1552575" cy="557212"/>
           </a:xfrm>
           <a:prstGeom prst="rect">
             <a:avLst/>
           </a:prstGeom>
         </p:spPr>
-      </p:pic>
+        <p:txBody>
+          <a:bodyPr vert="horz" lIns="91440" tIns="45720" rIns="91440" bIns="45720" rtlCol="0">
+            <a:normAutofit/>
+          </a:bodyPr>
+          <a:lstStyle>
+            <a:lvl1pPr marL="228600" indent="-228600" algn="l" defTabSz="914400" rtl="0" eaLnBrk="1" latinLnBrk="0" hangingPunct="1">
+              <a:lnSpc>
+                <a:spcPct val="90000"/>
+              </a:lnSpc>
+              <a:spcBef>
+                <a:spcPts val="1000"/>
+              </a:spcBef>
+              <a:buFont typeface="Arial" panose="020B0604020202020204" pitchFamily="34" charset="0"/>
+              <a:buChar char="•"/>
+              <a:defRPr sz="2800" kern="1200">
+                <a:solidFill>
+                  <a:schemeClr val="tx1"/>
+                </a:solidFill>
+                <a:latin typeface="+mn-lt"/>
+                <a:ea typeface="+mn-ea"/>
+                <a:cs typeface="+mn-cs"/>
+              </a:defRPr>
+            </a:lvl1pPr>
+            <a:lvl2pPr marL="685800" indent="-228600" algn="l" defTabSz="914400" rtl="0" eaLnBrk="1" latinLnBrk="0" hangingPunct="1">
+              <a:lnSpc>
+                <a:spcPct val="90000"/>
+              </a:lnSpc>
+              <a:spcBef>
+                <a:spcPts val="500"/>
+              </a:spcBef>
+              <a:buFont typeface="Arial" panose="020B0604020202020204" pitchFamily="34" charset="0"/>
+              <a:buChar char="•"/>
+              <a:defRPr sz="2400" kern="1200">
+                <a:solidFill>
+                  <a:schemeClr val="tx1"/>
+                </a:solidFill>
+                <a:latin typeface="+mn-lt"/>
+                <a:ea typeface="+mn-ea"/>
+                <a:cs typeface="+mn-cs"/>
+              </a:defRPr>
+            </a:lvl2pPr>
+            <a:lvl3pPr marL="1143000" indent="-228600" algn="l" defTabSz="914400" rtl="0" eaLnBrk="1" latinLnBrk="0" hangingPunct="1">
+              <a:lnSpc>
+                <a:spcPct val="90000"/>
+              </a:lnSpc>
+              <a:spcBef>
+                <a:spcPts val="500"/>
+              </a:spcBef>
+              <a:buFont typeface="Arial" panose="020B0604020202020204" pitchFamily="34" charset="0"/>
+              <a:buChar char="•"/>
+              <a:defRPr sz="2000" kern="1200">
+                <a:solidFill>
+                  <a:schemeClr val="tx1"/>
+                </a:solidFill>
+                <a:latin typeface="+mn-lt"/>
+                <a:ea typeface="+mn-ea"/>
+                <a:cs typeface="+mn-cs"/>
+              </a:defRPr>
+            </a:lvl3pPr>
+            <a:lvl4pPr marL="1600200" indent="-228600" algn="l" defTabSz="914400" rtl="0" eaLnBrk="1" latinLnBrk="0" hangingPunct="1">
+              <a:lnSpc>
+                <a:spcPct val="90000"/>
+              </a:lnSpc>
+              <a:spcBef>
+                <a:spcPts val="500"/>
+              </a:spcBef>
+              <a:buFont typeface="Arial" panose="020B0604020202020204" pitchFamily="34" charset="0"/>
+              <a:buChar char="•"/>
+              <a:defRPr sz="1800" kern="1200">
+                <a:solidFill>
+                  <a:schemeClr val="tx1"/>
+                </a:solidFill>
+                <a:latin typeface="+mn-lt"/>
+                <a:ea typeface="+mn-ea"/>
+                <a:cs typeface="+mn-cs"/>
+              </a:defRPr>
+            </a:lvl4pPr>
+            <a:lvl5pPr marL="2057400" indent="-228600" algn="l" defTabSz="914400" rtl="0" eaLnBrk="1" latinLnBrk="0" hangingPunct="1">
+              <a:lnSpc>
+                <a:spcPct val="90000"/>
+              </a:lnSpc>
+              <a:spcBef>
+                <a:spcPts val="500"/>
+              </a:spcBef>
+              <a:buFont typeface="Arial" panose="020B0604020202020204" pitchFamily="34" charset="0"/>
+              <a:buChar char="•"/>
+              <a:defRPr sz="1800" kern="1200">
+                <a:solidFill>
+                  <a:schemeClr val="tx1"/>
+                </a:solidFill>
+                <a:latin typeface="+mn-lt"/>
+                <a:ea typeface="+mn-ea"/>
+                <a:cs typeface="+mn-cs"/>
+              </a:defRPr>
+            </a:lvl5pPr>
+            <a:lvl6pPr marL="2514600" indent="-228600" algn="l" defTabSz="914400" rtl="0" eaLnBrk="1" latinLnBrk="0" hangingPunct="1">
+              <a:lnSpc>
+                <a:spcPct val="90000"/>
+              </a:lnSpc>
+              <a:spcBef>
+                <a:spcPts val="500"/>
+              </a:spcBef>
+              <a:buFont typeface="Arial" panose="020B0604020202020204" pitchFamily="34" charset="0"/>
+              <a:buChar char="•"/>
+              <a:defRPr sz="1800" kern="1200">
+                <a:solidFill>
+                  <a:schemeClr val="tx1"/>
+                </a:solidFill>
+                <a:latin typeface="+mn-lt"/>
+                <a:ea typeface="+mn-ea"/>
+                <a:cs typeface="+mn-cs"/>
+              </a:defRPr>
+            </a:lvl6pPr>
+            <a:lvl7pPr marL="2971800" indent="-228600" algn="l" defTabSz="914400" rtl="0" eaLnBrk="1" latinLnBrk="0" hangingPunct="1">
+              <a:lnSpc>
+                <a:spcPct val="90000"/>
+              </a:lnSpc>
+              <a:spcBef>
+                <a:spcPts val="500"/>
+              </a:spcBef>
+              <a:buFont typeface="Arial" panose="020B0604020202020204" pitchFamily="34" charset="0"/>
+              <a:buChar char="•"/>
+              <a:defRPr sz="1800" kern="1200">
+                <a:solidFill>
+                  <a:schemeClr val="tx1"/>
+                </a:solidFill>
+                <a:latin typeface="+mn-lt"/>
+                <a:ea typeface="+mn-ea"/>
+                <a:cs typeface="+mn-cs"/>
+              </a:defRPr>
+            </a:lvl7pPr>
+            <a:lvl8pPr marL="3429000" indent="-228600" algn="l" defTabSz="914400" rtl="0" eaLnBrk="1" latinLnBrk="0" hangingPunct="1">
+              <a:lnSpc>
+                <a:spcPct val="90000"/>
+              </a:lnSpc>
+              <a:spcBef>
+                <a:spcPts val="500"/>
+              </a:spcBef>
+              <a:buFont typeface="Arial" panose="020B0604020202020204" pitchFamily="34" charset="0"/>
+              <a:buChar char="•"/>
+              <a:defRPr sz="1800" kern="1200">
+                <a:solidFill>
+                  <a:schemeClr val="tx1"/>
+                </a:solidFill>
+                <a:latin typeface="+mn-lt"/>
+                <a:ea typeface="+mn-ea"/>
+                <a:cs typeface="+mn-cs"/>
+              </a:defRPr>
+            </a:lvl8pPr>
+            <a:lvl9pPr marL="3886200" indent="-228600" algn="l" defTabSz="914400" rtl="0" eaLnBrk="1" latinLnBrk="0" hangingPunct="1">
+              <a:lnSpc>
+                <a:spcPct val="90000"/>
+              </a:lnSpc>
+              <a:spcBef>
+                <a:spcPts val="500"/>
+              </a:spcBef>
+              <a:buFont typeface="Arial" panose="020B0604020202020204" pitchFamily="34" charset="0"/>
+              <a:buChar char="•"/>
+              <a:defRPr sz="1800" kern="1200">
+                <a:solidFill>
+                  <a:schemeClr val="tx1"/>
+                </a:solidFill>
+                <a:latin typeface="+mn-lt"/>
+                <a:ea typeface="+mn-ea"/>
+                <a:cs typeface="+mn-cs"/>
+              </a:defRPr>
+            </a:lvl9pPr>
+          </a:lstStyle>
+          <a:p>
+            <a:pPr marL="0" indent="0">
+              <a:buFont typeface="Arial" panose="020B0604020202020204" pitchFamily="34" charset="0"/>
+              <a:buNone/>
+            </a:pPr>
+            <a:r>
+              <a:rPr lang="en-US" b="1" i="1" dirty="0"/>
+              <a:t>Achieved</a:t>
+            </a:r>
+          </a:p>
+        </p:txBody>
+      </p:sp>
       <p:pic>
         <p:nvPicPr>
-          <p:cNvPr id="11" name="Picture 10">
-            <a:extLst>
-              <a:ext uri="{FF2B5EF4-FFF2-40B4-BE49-F238E27FC236}">
-                <a16:creationId xmlns:a16="http://schemas.microsoft.com/office/drawing/2014/main" id="{9AD3DDA0-AAB4-31C2-A89B-767FD87966C6}"/>
+          <p:cNvPr id="4" name="Picture 3">
+            <a:extLst>
+              <a:ext uri="{FF2B5EF4-FFF2-40B4-BE49-F238E27FC236}">
+                <a16:creationId xmlns:a16="http://schemas.microsoft.com/office/drawing/2014/main" id="{2AFC99D8-E548-E71E-C34D-A9C931117242}"/>
               </a:ext>
             </a:extLst>
           </p:cNvPr>
@@ -5880,7 +7814,7 @@
         </p:blipFill>
         <p:spPr>
           <a:xfrm>
-            <a:off x="5859380" y="2415338"/>
+            <a:off x="5913582" y="2527980"/>
             <a:ext cx="5334000" cy="4000500"/>
           </a:xfrm>
           <a:prstGeom prst="rect">
@@ -5888,57 +7822,10 @@
           </a:prstGeom>
         </p:spPr>
       </p:pic>
-      <p:pic>
-        <p:nvPicPr>
-          <p:cNvPr id="4" name="Picture 6" descr="ironicmeme #ironic #png #sunglasses #emoji #smileyface - Ironic Meme Smiley  Face, Transparent Png - kindpng">
-            <a:extLst>
-              <a:ext uri="{FF2B5EF4-FFF2-40B4-BE49-F238E27FC236}">
-                <a16:creationId xmlns:a16="http://schemas.microsoft.com/office/drawing/2014/main" id="{323AB4CC-90A5-DB27-6437-6898B8D1BF4E}"/>
-              </a:ext>
-            </a:extLst>
-          </p:cNvPr>
-          <p:cNvPicPr>
-            <a:picLocks noChangeAspect="1" noChangeArrowheads="1"/>
-          </p:cNvPicPr>
-          <p:nvPr/>
-        </p:nvPicPr>
-        <p:blipFill>
-          <a:blip r:embed="rId4">
-            <a:extLst>
-              <a:ext uri="{28A0092B-C50C-407E-A947-70E740481C1C}">
-                <a14:useLocalDpi xmlns:a14="http://schemas.microsoft.com/office/drawing/2010/main" val="0"/>
-              </a:ext>
-            </a:extLst>
-          </a:blip>
-          <a:srcRect/>
-          <a:stretch>
-            <a:fillRect/>
-          </a:stretch>
-        </p:blipFill>
-        <p:spPr bwMode="auto">
-          <a:xfrm>
-            <a:off x="4599765" y="103267"/>
-            <a:ext cx="3176587" cy="2228352"/>
-          </a:xfrm>
-          <a:prstGeom prst="rect">
-            <a:avLst/>
-          </a:prstGeom>
-          <a:noFill/>
-          <a:extLst>
-            <a:ext uri="{909E8E84-426E-40DD-AFC4-6F175D3DCCD1}">
-              <a14:hiddenFill xmlns:a14="http://schemas.microsoft.com/office/drawing/2010/main">
-                <a:solidFill>
-                  <a:srgbClr val="FFFFFF"/>
-                </a:solidFill>
-              </a14:hiddenFill>
-            </a:ext>
-          </a:extLst>
-        </p:spPr>
-      </p:pic>
     </p:spTree>
     <p:extLst>
       <p:ext uri="{BB962C8B-B14F-4D97-AF65-F5344CB8AC3E}">
-        <p14:creationId xmlns:p14="http://schemas.microsoft.com/office/powerpoint/2010/main" val="447862375"/>
+        <p14:creationId xmlns:p14="http://schemas.microsoft.com/office/powerpoint/2010/main" val="1321518524"/>
       </p:ext>
     </p:extLst>
   </p:cSld>
@@ -5970,6 +7857,304 @@
           <p:cNvPr id="2" name="Title 1">
             <a:extLst>
               <a:ext uri="{FF2B5EF4-FFF2-40B4-BE49-F238E27FC236}">
+                <a16:creationId xmlns:a16="http://schemas.microsoft.com/office/drawing/2014/main" id="{CFB7F5B9-222B-9578-6C8A-D4A4FE72927F}"/>
+              </a:ext>
+            </a:extLst>
+          </p:cNvPr>
+          <p:cNvSpPr>
+            <a:spLocks noGrp="1"/>
+          </p:cNvSpPr>
+          <p:nvPr>
+            <p:ph type="title"/>
+          </p:nvPr>
+        </p:nvSpPr>
+        <p:spPr/>
+        <p:txBody>
+          <a:bodyPr/>
+          <a:lstStyle/>
+          <a:p>
+            <a:r>
+              <a:rPr lang="en-US" dirty="0"/>
+              <a:t>ZDT2</a:t>
+            </a:r>
+          </a:p>
+        </p:txBody>
+      </p:sp>
+      <p:pic>
+        <p:nvPicPr>
+          <p:cNvPr id="5" name="Picture 4">
+            <a:extLst>
+              <a:ext uri="{FF2B5EF4-FFF2-40B4-BE49-F238E27FC236}">
+                <a16:creationId xmlns:a16="http://schemas.microsoft.com/office/drawing/2014/main" id="{698BE3A7-C069-988C-F799-D0164F73FF3A}"/>
+              </a:ext>
+            </a:extLst>
+          </p:cNvPr>
+          <p:cNvPicPr>
+            <a:picLocks noChangeAspect="1"/>
+          </p:cNvPicPr>
+          <p:nvPr/>
+        </p:nvPicPr>
+        <p:blipFill>
+          <a:blip r:embed="rId2"/>
+          <a:stretch>
+            <a:fillRect/>
+          </a:stretch>
+        </p:blipFill>
+        <p:spPr>
+          <a:xfrm>
+            <a:off x="838200" y="2204605"/>
+            <a:ext cx="5334000" cy="4000500"/>
+          </a:xfrm>
+          <a:prstGeom prst="rect">
+            <a:avLst/>
+          </a:prstGeom>
+        </p:spPr>
+      </p:pic>
+      <p:pic>
+        <p:nvPicPr>
+          <p:cNvPr id="7" name="Picture 6">
+            <a:extLst>
+              <a:ext uri="{FF2B5EF4-FFF2-40B4-BE49-F238E27FC236}">
+                <a16:creationId xmlns:a16="http://schemas.microsoft.com/office/drawing/2014/main" id="{9DE6AFB0-CD82-B6DF-5960-B087235D6959}"/>
+              </a:ext>
+            </a:extLst>
+          </p:cNvPr>
+          <p:cNvPicPr>
+            <a:picLocks noChangeAspect="1"/>
+          </p:cNvPicPr>
+          <p:nvPr/>
+        </p:nvPicPr>
+        <p:blipFill>
+          <a:blip r:embed="rId3"/>
+          <a:stretch>
+            <a:fillRect/>
+          </a:stretch>
+        </p:blipFill>
+        <p:spPr>
+          <a:xfrm>
+            <a:off x="6172200" y="2204605"/>
+            <a:ext cx="5334000" cy="4000500"/>
+          </a:xfrm>
+          <a:prstGeom prst="rect">
+            <a:avLst/>
+          </a:prstGeom>
+        </p:spPr>
+      </p:pic>
+    </p:spTree>
+    <p:extLst>
+      <p:ext uri="{BB962C8B-B14F-4D97-AF65-F5344CB8AC3E}">
+        <p14:creationId xmlns:p14="http://schemas.microsoft.com/office/powerpoint/2010/main" val="1638113157"/>
+      </p:ext>
+    </p:extLst>
+  </p:cSld>
+  <p:clrMapOvr>
+    <a:masterClrMapping/>
+  </p:clrMapOvr>
+</p:sld>
+</file>
+
+<file path=ppt/slides/slide8.xml><?xml version="1.0" encoding="utf-8"?>
+<p:sld xmlns:a="http://schemas.openxmlformats.org/drawingml/2006/main" xmlns:r="http://schemas.openxmlformats.org/officeDocument/2006/relationships" xmlns:p="http://schemas.openxmlformats.org/presentationml/2006/main">
+  <p:cSld>
+    <p:spTree>
+      <p:nvGrpSpPr>
+        <p:cNvPr id="1" name=""/>
+        <p:cNvGrpSpPr/>
+        <p:nvPr/>
+      </p:nvGrpSpPr>
+      <p:grpSpPr>
+        <a:xfrm>
+          <a:off x="0" y="0"/>
+          <a:ext cx="0" cy="0"/>
+          <a:chOff x="0" y="0"/>
+          <a:chExt cx="0" cy="0"/>
+        </a:xfrm>
+      </p:grpSpPr>
+      <p:sp>
+        <p:nvSpPr>
+          <p:cNvPr id="2" name="Title 1">
+            <a:extLst>
+              <a:ext uri="{FF2B5EF4-FFF2-40B4-BE49-F238E27FC236}">
+                <a16:creationId xmlns:a16="http://schemas.microsoft.com/office/drawing/2014/main" id="{47779500-2C47-AECC-19DB-5321B4B83295}"/>
+              </a:ext>
+            </a:extLst>
+          </p:cNvPr>
+          <p:cNvSpPr>
+            <a:spLocks noGrp="1"/>
+          </p:cNvSpPr>
+          <p:nvPr>
+            <p:ph type="ctrTitle"/>
+          </p:nvPr>
+        </p:nvSpPr>
+        <p:spPr>
+          <a:xfrm>
+            <a:off x="1524000" y="1127919"/>
+            <a:ext cx="9144000" cy="2387600"/>
+          </a:xfrm>
+        </p:spPr>
+        <p:txBody>
+          <a:bodyPr/>
+          <a:lstStyle/>
+          <a:p>
+            <a:r>
+              <a:rPr lang="en-US" dirty="0"/>
+              <a:t>ZDT3 Problem</a:t>
+            </a:r>
+          </a:p>
+        </p:txBody>
+      </p:sp>
+      <p:sp>
+        <p:nvSpPr>
+          <p:cNvPr id="3" name="Subtitle 2">
+            <a:extLst>
+              <a:ext uri="{FF2B5EF4-FFF2-40B4-BE49-F238E27FC236}">
+                <a16:creationId xmlns:a16="http://schemas.microsoft.com/office/drawing/2014/main" id="{B6FBAECE-2BF7-C65C-95E1-573F8C3EA740}"/>
+              </a:ext>
+            </a:extLst>
+          </p:cNvPr>
+          <p:cNvSpPr>
+            <a:spLocks noGrp="1"/>
+          </p:cNvSpPr>
+          <p:nvPr>
+            <p:ph type="subTitle" idx="1"/>
+          </p:nvPr>
+        </p:nvSpPr>
+        <p:spPr/>
+        <p:txBody>
+          <a:bodyPr/>
+          <a:lstStyle/>
+          <a:p>
+            <a:endParaRPr lang="en-US"/>
+          </a:p>
+        </p:txBody>
+      </p:sp>
+      <p:sp>
+        <p:nvSpPr>
+          <p:cNvPr id="4" name="Oval 3">
+            <a:extLst>
+              <a:ext uri="{FF2B5EF4-FFF2-40B4-BE49-F238E27FC236}">
+                <a16:creationId xmlns:a16="http://schemas.microsoft.com/office/drawing/2014/main" id="{52B919DF-E299-6768-53B1-04BC5F4A8F6E}"/>
+              </a:ext>
+            </a:extLst>
+          </p:cNvPr>
+          <p:cNvSpPr/>
+          <p:nvPr/>
+        </p:nvSpPr>
+        <p:spPr>
+          <a:xfrm>
+            <a:off x="2779363" y="2514600"/>
+            <a:ext cx="914400" cy="914400"/>
+          </a:xfrm>
+          <a:prstGeom prst="ellipse">
+            <a:avLst/>
+          </a:prstGeom>
+        </p:spPr>
+        <p:style>
+          <a:lnRef idx="2">
+            <a:schemeClr val="accent6">
+              <a:shade val="50000"/>
+            </a:schemeClr>
+          </a:lnRef>
+          <a:fillRef idx="1">
+            <a:schemeClr val="accent6"/>
+          </a:fillRef>
+          <a:effectRef idx="0">
+            <a:schemeClr val="accent6"/>
+          </a:effectRef>
+          <a:fontRef idx="minor">
+            <a:schemeClr val="lt1"/>
+          </a:fontRef>
+        </p:style>
+        <p:txBody>
+          <a:bodyPr rtlCol="0" anchor="ctr"/>
+          <a:lstStyle/>
+          <a:p>
+            <a:pPr algn="ctr"/>
+            <a:endParaRPr lang="en-US"/>
+          </a:p>
+        </p:txBody>
+      </p:sp>
+      <p:sp>
+        <p:nvSpPr>
+          <p:cNvPr id="5" name="Oval 4">
+            <a:extLst>
+              <a:ext uri="{FF2B5EF4-FFF2-40B4-BE49-F238E27FC236}">
+                <a16:creationId xmlns:a16="http://schemas.microsoft.com/office/drawing/2014/main" id="{0A4AB34A-5BB8-8151-846A-7FDA2E8EF5B4}"/>
+              </a:ext>
+            </a:extLst>
+          </p:cNvPr>
+          <p:cNvSpPr/>
+          <p:nvPr/>
+        </p:nvSpPr>
+        <p:spPr>
+          <a:xfrm>
+            <a:off x="8658308" y="2514600"/>
+            <a:ext cx="914400" cy="914400"/>
+          </a:xfrm>
+          <a:prstGeom prst="ellipse">
+            <a:avLst/>
+          </a:prstGeom>
+        </p:spPr>
+        <p:style>
+          <a:lnRef idx="2">
+            <a:schemeClr val="accent6">
+              <a:shade val="50000"/>
+            </a:schemeClr>
+          </a:lnRef>
+          <a:fillRef idx="1">
+            <a:schemeClr val="accent6"/>
+          </a:fillRef>
+          <a:effectRef idx="0">
+            <a:schemeClr val="accent6"/>
+          </a:effectRef>
+          <a:fontRef idx="minor">
+            <a:schemeClr val="lt1"/>
+          </a:fontRef>
+        </p:style>
+        <p:txBody>
+          <a:bodyPr rtlCol="0" anchor="ctr"/>
+          <a:lstStyle/>
+          <a:p>
+            <a:pPr algn="ctr"/>
+            <a:endParaRPr lang="en-US"/>
+          </a:p>
+        </p:txBody>
+      </p:sp>
+    </p:spTree>
+    <p:extLst>
+      <p:ext uri="{BB962C8B-B14F-4D97-AF65-F5344CB8AC3E}">
+        <p14:creationId xmlns:p14="http://schemas.microsoft.com/office/powerpoint/2010/main" val="53827255"/>
+      </p:ext>
+    </p:extLst>
+  </p:cSld>
+  <p:clrMapOvr>
+    <a:masterClrMapping/>
+  </p:clrMapOvr>
+</p:sld>
+</file>
+
+<file path=ppt/slides/slide9.xml><?xml version="1.0" encoding="utf-8"?>
+<p:sld xmlns:a="http://schemas.openxmlformats.org/drawingml/2006/main" xmlns:r="http://schemas.openxmlformats.org/officeDocument/2006/relationships" xmlns:p="http://schemas.openxmlformats.org/presentationml/2006/main">
+  <p:cSld>
+    <p:spTree>
+      <p:nvGrpSpPr>
+        <p:cNvPr id="1" name=""/>
+        <p:cNvGrpSpPr/>
+        <p:nvPr/>
+      </p:nvGrpSpPr>
+      <p:grpSpPr>
+        <a:xfrm>
+          <a:off x="0" y="0"/>
+          <a:ext cx="0" cy="0"/>
+          <a:chOff x="0" y="0"/>
+          <a:chExt cx="0" cy="0"/>
+        </a:xfrm>
+      </p:grpSpPr>
+      <p:sp>
+        <p:nvSpPr>
+          <p:cNvPr id="2" name="Title 1">
+            <a:extLst>
+              <a:ext uri="{FF2B5EF4-FFF2-40B4-BE49-F238E27FC236}">
                 <a16:creationId xmlns:a16="http://schemas.microsoft.com/office/drawing/2014/main" id="{E57AC282-AE79-E73C-746E-F933B5FD1C90}"/>
               </a:ext>
             </a:extLst>
@@ -5988,7 +8173,7 @@
           <a:p>
             <a:r>
               <a:rPr lang="en-US" dirty="0"/>
-              <a:t>TNK</a:t>
+              <a:t>ZDT3</a:t>
             </a:r>
           </a:p>
         </p:txBody>
@@ -6029,6 +8214,36 @@
           </a:p>
         </p:txBody>
       </p:sp>
+      <p:pic>
+        <p:nvPicPr>
+          <p:cNvPr id="9" name="Picture 8">
+            <a:extLst>
+              <a:ext uri="{FF2B5EF4-FFF2-40B4-BE49-F238E27FC236}">
+                <a16:creationId xmlns:a16="http://schemas.microsoft.com/office/drawing/2014/main" id="{8342E3F9-0423-32B1-A5F0-A692510C9E56}"/>
+              </a:ext>
+            </a:extLst>
+          </p:cNvPr>
+          <p:cNvPicPr>
+            <a:picLocks noChangeAspect="1"/>
+          </p:cNvPicPr>
+          <p:nvPr/>
+        </p:nvPicPr>
+        <p:blipFill>
+          <a:blip r:embed="rId2"/>
+          <a:stretch>
+            <a:fillRect/>
+          </a:stretch>
+        </p:blipFill>
+        <p:spPr>
+          <a:xfrm>
+            <a:off x="838200" y="2747670"/>
+            <a:ext cx="4057021" cy="3489909"/>
+          </a:xfrm>
+          <a:prstGeom prst="rect">
+            <a:avLst/>
+          </a:prstGeom>
+        </p:spPr>
+      </p:pic>
       <p:sp>
         <p:nvSpPr>
           <p:cNvPr id="10" name="Content Placeholder 2">
@@ -6234,57 +8449,10 @@
       </p:sp>
       <p:pic>
         <p:nvPicPr>
-          <p:cNvPr id="4" name="Picture 6" descr="ironicmeme #ironic #png #sunglasses #emoji #smileyface - Ironic Meme Smiley  Face, Transparent Png - kindpng">
-            <a:extLst>
-              <a:ext uri="{FF2B5EF4-FFF2-40B4-BE49-F238E27FC236}">
-                <a16:creationId xmlns:a16="http://schemas.microsoft.com/office/drawing/2014/main" id="{C38E06A8-1501-8582-BE2D-1C3B686441D7}"/>
-              </a:ext>
-            </a:extLst>
-          </p:cNvPr>
-          <p:cNvPicPr>
-            <a:picLocks noChangeAspect="1" noChangeArrowheads="1"/>
-          </p:cNvPicPr>
-          <p:nvPr/>
-        </p:nvPicPr>
-        <p:blipFill>
-          <a:blip r:embed="rId2">
-            <a:extLst>
-              <a:ext uri="{28A0092B-C50C-407E-A947-70E740481C1C}">
-                <a14:useLocalDpi xmlns:a14="http://schemas.microsoft.com/office/drawing/2010/main" val="0"/>
-              </a:ext>
-            </a:extLst>
-          </a:blip>
-          <a:srcRect/>
-          <a:stretch>
-            <a:fillRect/>
-          </a:stretch>
-        </p:blipFill>
-        <p:spPr bwMode="auto">
-          <a:xfrm>
-            <a:off x="4752975" y="227661"/>
-            <a:ext cx="3176587" cy="2228352"/>
-          </a:xfrm>
-          <a:prstGeom prst="rect">
-            <a:avLst/>
-          </a:prstGeom>
-          <a:noFill/>
-          <a:extLst>
-            <a:ext uri="{909E8E84-426E-40DD-AFC4-6F175D3DCCD1}">
-              <a14:hiddenFill xmlns:a14="http://schemas.microsoft.com/office/drawing/2010/main">
-                <a:solidFill>
-                  <a:srgbClr val="FFFFFF"/>
-                </a:solidFill>
-              </a14:hiddenFill>
-            </a:ext>
-          </a:extLst>
-        </p:spPr>
-      </p:pic>
-      <p:pic>
-        <p:nvPicPr>
-          <p:cNvPr id="11" name="Picture 10">
-            <a:extLst>
-              <a:ext uri="{FF2B5EF4-FFF2-40B4-BE49-F238E27FC236}">
-                <a16:creationId xmlns:a16="http://schemas.microsoft.com/office/drawing/2014/main" id="{A27D4AE7-E6A4-9708-DEB3-CBC8E9A4F76E}"/>
+          <p:cNvPr id="6" name="Picture 5">
+            <a:extLst>
+              <a:ext uri="{FF2B5EF4-FFF2-40B4-BE49-F238E27FC236}">
+                <a16:creationId xmlns:a16="http://schemas.microsoft.com/office/drawing/2014/main" id="{51C9231B-729C-29FA-D217-62A8B7090727}"/>
               </a:ext>
             </a:extLst>
           </p:cNvPr>
@@ -6301,37 +8469,7 @@
         </p:blipFill>
         <p:spPr>
           <a:xfrm>
-            <a:off x="150091" y="2629839"/>
-            <a:ext cx="5334000" cy="4000500"/>
-          </a:xfrm>
-          <a:prstGeom prst="rect">
-            <a:avLst/>
-          </a:prstGeom>
-        </p:spPr>
-      </p:pic>
-      <p:pic>
-        <p:nvPicPr>
-          <p:cNvPr id="15" name="Picture 14">
-            <a:extLst>
-              <a:ext uri="{FF2B5EF4-FFF2-40B4-BE49-F238E27FC236}">
-                <a16:creationId xmlns:a16="http://schemas.microsoft.com/office/drawing/2014/main" id="{CDD97245-9B75-3C56-B575-C75374496CE5}"/>
-              </a:ext>
-            </a:extLst>
-          </p:cNvPr>
-          <p:cNvPicPr>
-            <a:picLocks noChangeAspect="1"/>
-          </p:cNvPicPr>
-          <p:nvPr/>
-        </p:nvPicPr>
-        <p:blipFill>
-          <a:blip r:embed="rId4"/>
-          <a:stretch>
-            <a:fillRect/>
-          </a:stretch>
-        </p:blipFill>
-        <p:spPr>
-          <a:xfrm>
-            <a:off x="5932055" y="2703369"/>
+            <a:off x="5895109" y="2492375"/>
             <a:ext cx="5334000" cy="4000500"/>
           </a:xfrm>
           <a:prstGeom prst="rect">
@@ -6342,7 +8480,7 @@
     </p:spTree>
     <p:extLst>
       <p:ext uri="{BB962C8B-B14F-4D97-AF65-F5344CB8AC3E}">
-        <p14:creationId xmlns:p14="http://schemas.microsoft.com/office/powerpoint/2010/main" val="2997977728"/>
+        <p14:creationId xmlns:p14="http://schemas.microsoft.com/office/powerpoint/2010/main" val="997316688"/>
       </p:ext>
     </p:extLst>
   </p:cSld>
@@ -6657,6 +8795,14 @@
 </file>
 
 <file path=customXml/item2.xml><?xml version="1.0" encoding="utf-8"?>
+<p:properties xmlns:p="http://schemas.microsoft.com/office/2006/metadata/properties" xmlns:xsi="http://www.w3.org/2001/XMLSchema-instance" xmlns:pc="http://schemas.microsoft.com/office/infopath/2007/PartnerControls">
+  <documentManagement>
+    <_activity xmlns="1c632ae3-5977-4571-a758-36ab4d054882" xsi:nil="true"/>
+  </documentManagement>
+</p:properties>
+</file>
+
+<file path=customXml/item3.xml><?xml version="1.0" encoding="utf-8"?>
 <ct:contentTypeSchema xmlns:ct="http://schemas.microsoft.com/office/2006/metadata/contentType" xmlns:ma="http://schemas.microsoft.com/office/2006/metadata/properties/metaAttributes" ct:_="" ma:_="" ma:contentTypeName="Document" ma:contentTypeID="0x01010001583E8DD7E2AC4BB10D50E0635BAA18" ma:contentTypeVersion="16" ma:contentTypeDescription="Create a new document." ma:contentTypeScope="" ma:versionID="4a69dc2a7c735746d5b5ebac1d5976b7">
   <xsd:schema xmlns:xsd="http://www.w3.org/2001/XMLSchema" xmlns:xs="http://www.w3.org/2001/XMLSchema" xmlns:p="http://schemas.microsoft.com/office/2006/metadata/properties" xmlns:ns3="c6dbf757-b5fd-4e92-992c-85dd03cde89a" xmlns:ns4="1c632ae3-5977-4571-a758-36ab4d054882" targetNamespace="http://schemas.microsoft.com/office/2006/metadata/properties" ma:root="true" ma:fieldsID="0efbab8173279e7d733abcd9270add97" ns3:_="" ns4:_="">
     <xsd:import namespace="c6dbf757-b5fd-4e92-992c-85dd03cde89a"/>
@@ -6897,14 +9043,6 @@
 </ct:contentTypeSchema>
 </file>
 
-<file path=customXml/item3.xml><?xml version="1.0" encoding="utf-8"?>
-<p:properties xmlns:p="http://schemas.microsoft.com/office/2006/metadata/properties" xmlns:xsi="http://www.w3.org/2001/XMLSchema-instance" xmlns:pc="http://schemas.microsoft.com/office/infopath/2007/PartnerControls">
-  <documentManagement>
-    <_activity xmlns="1c632ae3-5977-4571-a758-36ab4d054882" xsi:nil="true"/>
-  </documentManagement>
-</p:properties>
-</file>
-
 <file path=customXml/itemProps1.xml><?xml version="1.0" encoding="utf-8"?>
 <ds:datastoreItem xmlns:ds="http://schemas.openxmlformats.org/officeDocument/2006/customXml" ds:itemID="{889851C5-28EA-4708-9707-B50029729285}">
   <ds:schemaRefs>
@@ -6914,6 +9052,23 @@
 </file>
 
 <file path=customXml/itemProps2.xml><?xml version="1.0" encoding="utf-8"?>
+<ds:datastoreItem xmlns:ds="http://schemas.openxmlformats.org/officeDocument/2006/customXml" ds:itemID="{C0C30FEC-D728-43FB-AB8E-EEF485B834F7}">
+  <ds:schemaRefs>
+    <ds:schemaRef ds:uri="1c632ae3-5977-4571-a758-36ab4d054882"/>
+    <ds:schemaRef ds:uri="http://schemas.microsoft.com/office/2006/metadata/properties"/>
+    <ds:schemaRef ds:uri="http://schemas.microsoft.com/office/2006/documentManagement/types"/>
+    <ds:schemaRef ds:uri="http://purl.org/dc/dcmitype/"/>
+    <ds:schemaRef ds:uri="c6dbf757-b5fd-4e92-992c-85dd03cde89a"/>
+    <ds:schemaRef ds:uri="http://purl.org/dc/elements/1.1/"/>
+    <ds:schemaRef ds:uri="http://purl.org/dc/terms/"/>
+    <ds:schemaRef ds:uri="http://schemas.microsoft.com/office/infopath/2007/PartnerControls"/>
+    <ds:schemaRef ds:uri="http://schemas.openxmlformats.org/package/2006/metadata/core-properties"/>
+    <ds:schemaRef ds:uri="http://www.w3.org/XML/1998/namespace"/>
+  </ds:schemaRefs>
+</ds:datastoreItem>
+</file>
+
+<file path=customXml/itemProps3.xml><?xml version="1.0" encoding="utf-8"?>
 <ds:datastoreItem xmlns:ds="http://schemas.openxmlformats.org/officeDocument/2006/customXml" ds:itemID="{BA554E69-B107-4FAB-AE20-799ACEECDD58}">
   <ds:schemaRefs>
     <ds:schemaRef ds:uri="http://schemas.microsoft.com/office/2006/metadata/contentType"/>
@@ -6930,21 +9085,4 @@
     <ds:schemaRef ds:uri="http://schemas.microsoft.com/internal/obd"/>
   </ds:schemaRefs>
 </ds:datastoreItem>
-</file>
-
-<file path=customXml/itemProps3.xml><?xml version="1.0" encoding="utf-8"?>
-<ds:datastoreItem xmlns:ds="http://schemas.openxmlformats.org/officeDocument/2006/customXml" ds:itemID="{C0C30FEC-D728-43FB-AB8E-EEF485B834F7}">
-  <ds:schemaRefs>
-    <ds:schemaRef ds:uri="1c632ae3-5977-4571-a758-36ab4d054882"/>
-    <ds:schemaRef ds:uri="http://schemas.microsoft.com/office/2006/metadata/properties"/>
-    <ds:schemaRef ds:uri="http://schemas.microsoft.com/office/2006/documentManagement/types"/>
-    <ds:schemaRef ds:uri="http://purl.org/dc/dcmitype/"/>
-    <ds:schemaRef ds:uri="c6dbf757-b5fd-4e92-992c-85dd03cde89a"/>
-    <ds:schemaRef ds:uri="http://purl.org/dc/elements/1.1/"/>
-    <ds:schemaRef ds:uri="http://purl.org/dc/terms/"/>
-    <ds:schemaRef ds:uri="http://schemas.microsoft.com/office/infopath/2007/PartnerControls"/>
-    <ds:schemaRef ds:uri="http://schemas.openxmlformats.org/package/2006/metadata/core-properties"/>
-    <ds:schemaRef ds:uri="http://www.w3.org/XML/1998/namespace"/>
-  </ds:schemaRefs>
-</ds:datastoreItem>
 </file>